--- a/PROJET/Soutenance Finale/slides_Solution.pptx
+++ b/PROJET/Soutenance Finale/slides_Solution.pptx
@@ -4,20 +4,22 @@
   <p:sldMasterIdLst>
     <p:sldMasterId id="2147483648" r:id="rId1"/>
   </p:sldMasterIdLst>
+  <p:notesMasterIdLst>
+    <p:notesMasterId r:id="rId5"/>
+  </p:notesMasterIdLst>
   <p:sldIdLst>
-    <p:sldId id="259" r:id="rId2"/>
-    <p:sldId id="261" r:id="rId3"/>
-    <p:sldId id="260" r:id="rId4"/>
-    <p:sldId id="258" r:id="rId5"/>
+    <p:sldId id="257" r:id="rId2"/>
+    <p:sldId id="258" r:id="rId3"/>
+    <p:sldId id="259" r:id="rId4"/>
   </p:sldIdLst>
-  <p:sldSz cx="10826750" cy="8120063" type="B4ISO"/>
+  <p:sldSz cx="9144000" cy="6858000" type="screen4x3"/>
   <p:notesSz cx="6858000" cy="9144000"/>
   <p:defaultTextStyle>
     <a:defPPr>
       <a:defRPr lang="fr-FR"/>
     </a:defPPr>
-    <a:lvl1pPr marL="0" algn="l" defTabSz="1033455" rtl="0" eaLnBrk="1" latinLnBrk="0" hangingPunct="1">
-      <a:defRPr sz="2000" kern="1200">
+    <a:lvl1pPr marL="0" algn="l" defTabSz="914400" rtl="0" eaLnBrk="1" latinLnBrk="0" hangingPunct="1">
+      <a:defRPr sz="1800" kern="1200">
         <a:solidFill>
           <a:schemeClr val="tx1"/>
         </a:solidFill>
@@ -26,8 +28,8 @@
         <a:cs typeface="+mn-cs"/>
       </a:defRPr>
     </a:lvl1pPr>
-    <a:lvl2pPr marL="516727" algn="l" defTabSz="1033455" rtl="0" eaLnBrk="1" latinLnBrk="0" hangingPunct="1">
-      <a:defRPr sz="2000" kern="1200">
+    <a:lvl2pPr marL="457200" algn="l" defTabSz="914400" rtl="0" eaLnBrk="1" latinLnBrk="0" hangingPunct="1">
+      <a:defRPr sz="1800" kern="1200">
         <a:solidFill>
           <a:schemeClr val="tx1"/>
         </a:solidFill>
@@ -36,8 +38,8 @@
         <a:cs typeface="+mn-cs"/>
       </a:defRPr>
     </a:lvl2pPr>
-    <a:lvl3pPr marL="1033455" algn="l" defTabSz="1033455" rtl="0" eaLnBrk="1" latinLnBrk="0" hangingPunct="1">
-      <a:defRPr sz="2000" kern="1200">
+    <a:lvl3pPr marL="914400" algn="l" defTabSz="914400" rtl="0" eaLnBrk="1" latinLnBrk="0" hangingPunct="1">
+      <a:defRPr sz="1800" kern="1200">
         <a:solidFill>
           <a:schemeClr val="tx1"/>
         </a:solidFill>
@@ -46,8 +48,8 @@
         <a:cs typeface="+mn-cs"/>
       </a:defRPr>
     </a:lvl3pPr>
-    <a:lvl4pPr marL="1550182" algn="l" defTabSz="1033455" rtl="0" eaLnBrk="1" latinLnBrk="0" hangingPunct="1">
-      <a:defRPr sz="2000" kern="1200">
+    <a:lvl4pPr marL="1371600" algn="l" defTabSz="914400" rtl="0" eaLnBrk="1" latinLnBrk="0" hangingPunct="1">
+      <a:defRPr sz="1800" kern="1200">
         <a:solidFill>
           <a:schemeClr val="tx1"/>
         </a:solidFill>
@@ -56,8 +58,8 @@
         <a:cs typeface="+mn-cs"/>
       </a:defRPr>
     </a:lvl4pPr>
-    <a:lvl5pPr marL="2066910" algn="l" defTabSz="1033455" rtl="0" eaLnBrk="1" latinLnBrk="0" hangingPunct="1">
-      <a:defRPr sz="2000" kern="1200">
+    <a:lvl5pPr marL="1828800" algn="l" defTabSz="914400" rtl="0" eaLnBrk="1" latinLnBrk="0" hangingPunct="1">
+      <a:defRPr sz="1800" kern="1200">
         <a:solidFill>
           <a:schemeClr val="tx1"/>
         </a:solidFill>
@@ -66,8 +68,8 @@
         <a:cs typeface="+mn-cs"/>
       </a:defRPr>
     </a:lvl5pPr>
-    <a:lvl6pPr marL="2583637" algn="l" defTabSz="1033455" rtl="0" eaLnBrk="1" latinLnBrk="0" hangingPunct="1">
-      <a:defRPr sz="2000" kern="1200">
+    <a:lvl6pPr marL="2286000" algn="l" defTabSz="914400" rtl="0" eaLnBrk="1" latinLnBrk="0" hangingPunct="1">
+      <a:defRPr sz="1800" kern="1200">
         <a:solidFill>
           <a:schemeClr val="tx1"/>
         </a:solidFill>
@@ -76,8 +78,8 @@
         <a:cs typeface="+mn-cs"/>
       </a:defRPr>
     </a:lvl6pPr>
-    <a:lvl7pPr marL="3100365" algn="l" defTabSz="1033455" rtl="0" eaLnBrk="1" latinLnBrk="0" hangingPunct="1">
-      <a:defRPr sz="2000" kern="1200">
+    <a:lvl7pPr marL="2743200" algn="l" defTabSz="914400" rtl="0" eaLnBrk="1" latinLnBrk="0" hangingPunct="1">
+      <a:defRPr sz="1800" kern="1200">
         <a:solidFill>
           <a:schemeClr val="tx1"/>
         </a:solidFill>
@@ -86,8 +88,8 @@
         <a:cs typeface="+mn-cs"/>
       </a:defRPr>
     </a:lvl7pPr>
-    <a:lvl8pPr marL="3617092" algn="l" defTabSz="1033455" rtl="0" eaLnBrk="1" latinLnBrk="0" hangingPunct="1">
-      <a:defRPr sz="2000" kern="1200">
+    <a:lvl8pPr marL="3200400" algn="l" defTabSz="914400" rtl="0" eaLnBrk="1" latinLnBrk="0" hangingPunct="1">
+      <a:defRPr sz="1800" kern="1200">
         <a:solidFill>
           <a:schemeClr val="tx1"/>
         </a:solidFill>
@@ -96,8 +98,8 @@
         <a:cs typeface="+mn-cs"/>
       </a:defRPr>
     </a:lvl8pPr>
-    <a:lvl9pPr marL="4133820" algn="l" defTabSz="1033455" rtl="0" eaLnBrk="1" latinLnBrk="0" hangingPunct="1">
-      <a:defRPr sz="2000" kern="1200">
+    <a:lvl9pPr marL="3657600" algn="l" defTabSz="914400" rtl="0" eaLnBrk="1" latinLnBrk="0" hangingPunct="1">
+      <a:defRPr sz="1800" kern="1200">
         <a:solidFill>
           <a:schemeClr val="tx1"/>
         </a:solidFill>
@@ -108,6 +110,12 @@
     </a:lvl9pPr>
   </p:defaultTextStyle>
 </p:presentation>
+</file>
+
+<file path=ppt/commentAuthors.xml><?xml version="1.0" encoding="utf-8"?>
+<p:cmAuthorLst xmlns:a="http://schemas.openxmlformats.org/drawingml/2006/main" xmlns:r="http://schemas.openxmlformats.org/officeDocument/2006/relationships" xmlns:p="http://schemas.openxmlformats.org/presentationml/2006/main">
+  <p:cmAuthor id="0" name="pierre" initials="p" lastIdx="4" clrIdx="0"/>
+</p:cmAuthorLst>
 </file>
 
 <file path=ppt/charts/chart1.xml><?xml version="1.0" encoding="utf-8"?>
@@ -125,8 +133,8 @@
           <c:layoutTarget val="inner"/>
           <c:xMode val="edge"/>
           <c:yMode val="edge"/>
-          <c:x val="0.15603048050739177"/>
-          <c:y val="0.12125388845683813"/>
+          <c:x val="0.15603048050739207"/>
+          <c:y val="0.12125388845683817"/>
           <c:w val="0.7980782016963166"/>
           <c:h val="0.75749222308632369"/>
         </c:manualLayout>
@@ -303,26 +311,26 @@
           </c:val>
         </c:ser>
         <c:shape val="box"/>
-        <c:axId val="73010176"/>
-        <c:axId val="73032448"/>
+        <c:axId val="171090688"/>
+        <c:axId val="172475904"/>
         <c:axId val="0"/>
       </c:bar3DChart>
       <c:catAx>
-        <c:axId val="73010176"/>
+        <c:axId val="171090688"/>
         <c:scaling>
           <c:orientation val="minMax"/>
         </c:scaling>
         <c:delete val="1"/>
         <c:axPos val="b"/>
         <c:tickLblPos val="none"/>
-        <c:crossAx val="73032448"/>
+        <c:crossAx val="172475904"/>
         <c:crosses val="autoZero"/>
         <c:auto val="1"/>
         <c:lblAlgn val="ctr"/>
         <c:lblOffset val="100"/>
       </c:catAx>
       <c:valAx>
-        <c:axId val="73032448"/>
+        <c:axId val="172475904"/>
         <c:scaling>
           <c:orientation val="minMax"/>
         </c:scaling>
@@ -331,12 +339,13 @@
         <c:majorGridlines/>
         <c:numFmt formatCode="General" sourceLinked="1"/>
         <c:tickLblPos val="none"/>
-        <c:crossAx val="73010176"/>
+        <c:crossAx val="171090688"/>
         <c:crosses val="autoZero"/>
         <c:crossBetween val="between"/>
       </c:valAx>
     </c:plotArea>
     <c:plotVisOnly val="1"/>
+    <c:dispBlanksAs val="gap"/>
   </c:chart>
   <c:txPr>
     <a:bodyPr/>
@@ -352,468 +361,638 @@
 </c:chartSpace>
 </file>
 
-<file path=ppt/charts/chart2.xml><?xml version="1.0" encoding="utf-8"?>
-<c:chartSpace xmlns:c="http://schemas.openxmlformats.org/drawingml/2006/chart" xmlns:a="http://schemas.openxmlformats.org/drawingml/2006/main" xmlns:r="http://schemas.openxmlformats.org/officeDocument/2006/relationships">
-  <c:date1904 val="1"/>
-  <c:lang val="fr-FR"/>
-  <c:style val="8"/>
-  <c:chart>
-    <c:view3D>
-      <c:rAngAx val="1"/>
-    </c:view3D>
-    <c:plotArea>
-      <c:layout/>
-      <c:bar3DChart>
-        <c:barDir val="col"/>
-        <c:grouping val="clustered"/>
-        <c:ser>
-          <c:idx val="0"/>
-          <c:order val="0"/>
-          <c:tx>
-            <c:strRef>
-              <c:f>'Feuil1'!$B$1</c:f>
-              <c:strCache>
-                <c:ptCount val="1"/>
-                <c:pt idx="0">
-                  <c:v>Série 1</c:v>
-                </c:pt>
-              </c:strCache>
-            </c:strRef>
-          </c:tx>
-          <c:cat>
-            <c:strRef>
-              <c:f>'Feuil1'!$A$2:$A$5</c:f>
-              <c:strCache>
-                <c:ptCount val="4"/>
-                <c:pt idx="0">
-                  <c:v>Catégorie 1</c:v>
-                </c:pt>
-                <c:pt idx="1">
-                  <c:v>Catégorie 2</c:v>
-                </c:pt>
-                <c:pt idx="2">
-                  <c:v>Catégorie 3</c:v>
-                </c:pt>
-                <c:pt idx="3">
-                  <c:v>Catégorie 4</c:v>
-                </c:pt>
-              </c:strCache>
-            </c:strRef>
-          </c:cat>
-          <c:val>
-            <c:numRef>
-              <c:f>'Feuil1'!$B$2:$B$5</c:f>
-              <c:numCache>
-                <c:formatCode>General</c:formatCode>
-                <c:ptCount val="4"/>
-                <c:pt idx="0">
-                  <c:v>4.3</c:v>
-                </c:pt>
-                <c:pt idx="1">
-                  <c:v>2.5</c:v>
-                </c:pt>
-                <c:pt idx="2">
-                  <c:v>3.5</c:v>
-                </c:pt>
-                <c:pt idx="3">
-                  <c:v>4.5</c:v>
-                </c:pt>
-              </c:numCache>
-            </c:numRef>
-          </c:val>
-        </c:ser>
-        <c:ser>
-          <c:idx val="1"/>
-          <c:order val="1"/>
-          <c:tx>
-            <c:strRef>
-              <c:f>'Feuil1'!$C$1</c:f>
-              <c:strCache>
-                <c:ptCount val="1"/>
-                <c:pt idx="0">
-                  <c:v>Série 2</c:v>
-                </c:pt>
-              </c:strCache>
-            </c:strRef>
-          </c:tx>
-          <c:cat>
-            <c:strRef>
-              <c:f>'Feuil1'!$A$2:$A$5</c:f>
-              <c:strCache>
-                <c:ptCount val="4"/>
-                <c:pt idx="0">
-                  <c:v>Catégorie 1</c:v>
-                </c:pt>
-                <c:pt idx="1">
-                  <c:v>Catégorie 2</c:v>
-                </c:pt>
-                <c:pt idx="2">
-                  <c:v>Catégorie 3</c:v>
-                </c:pt>
-                <c:pt idx="3">
-                  <c:v>Catégorie 4</c:v>
-                </c:pt>
-              </c:strCache>
-            </c:strRef>
-          </c:cat>
-          <c:val>
-            <c:numRef>
-              <c:f>'Feuil1'!$C$2:$C$5</c:f>
-              <c:numCache>
-                <c:formatCode>General</c:formatCode>
-                <c:ptCount val="4"/>
-                <c:pt idx="0">
-                  <c:v>2.4</c:v>
-                </c:pt>
-                <c:pt idx="1">
-                  <c:v>4.4000000000000004</c:v>
-                </c:pt>
-                <c:pt idx="2">
-                  <c:v>1.8</c:v>
-                </c:pt>
-                <c:pt idx="3">
-                  <c:v>2.8</c:v>
-                </c:pt>
-              </c:numCache>
-            </c:numRef>
-          </c:val>
-        </c:ser>
-        <c:ser>
-          <c:idx val="2"/>
-          <c:order val="2"/>
-          <c:tx>
-            <c:strRef>
-              <c:f>'Feuil1'!$D$1</c:f>
-              <c:strCache>
-                <c:ptCount val="1"/>
-                <c:pt idx="0">
-                  <c:v>Série 3</c:v>
-                </c:pt>
-              </c:strCache>
-            </c:strRef>
-          </c:tx>
-          <c:cat>
-            <c:strRef>
-              <c:f>'Feuil1'!$A$2:$A$5</c:f>
-              <c:strCache>
-                <c:ptCount val="4"/>
-                <c:pt idx="0">
-                  <c:v>Catégorie 1</c:v>
-                </c:pt>
-                <c:pt idx="1">
-                  <c:v>Catégorie 2</c:v>
-                </c:pt>
-                <c:pt idx="2">
-                  <c:v>Catégorie 3</c:v>
-                </c:pt>
-                <c:pt idx="3">
-                  <c:v>Catégorie 4</c:v>
-                </c:pt>
-              </c:strCache>
-            </c:strRef>
-          </c:cat>
-          <c:val>
-            <c:numRef>
-              <c:f>'Feuil1'!$D$2:$D$5</c:f>
-              <c:numCache>
-                <c:formatCode>General</c:formatCode>
-                <c:ptCount val="4"/>
-                <c:pt idx="0">
-                  <c:v>2</c:v>
-                </c:pt>
-                <c:pt idx="1">
-                  <c:v>2</c:v>
-                </c:pt>
-                <c:pt idx="2">
-                  <c:v>3</c:v>
-                </c:pt>
-                <c:pt idx="3">
-                  <c:v>5</c:v>
-                </c:pt>
-              </c:numCache>
-            </c:numRef>
-          </c:val>
-        </c:ser>
-        <c:shape val="box"/>
-        <c:axId val="88531328"/>
-        <c:axId val="88532864"/>
-        <c:axId val="0"/>
-      </c:bar3DChart>
-      <c:catAx>
-        <c:axId val="88531328"/>
-        <c:scaling>
-          <c:orientation val="minMax"/>
-        </c:scaling>
-        <c:delete val="1"/>
-        <c:axPos val="b"/>
-        <c:tickLblPos val="none"/>
-        <c:crossAx val="88532864"/>
-        <c:crosses val="autoZero"/>
-        <c:auto val="1"/>
-        <c:lblAlgn val="ctr"/>
-        <c:lblOffset val="100"/>
-      </c:catAx>
-      <c:valAx>
-        <c:axId val="88532864"/>
-        <c:scaling>
-          <c:orientation val="minMax"/>
-        </c:scaling>
-        <c:delete val="1"/>
-        <c:axPos val="l"/>
-        <c:majorGridlines/>
-        <c:numFmt formatCode="General" sourceLinked="1"/>
-        <c:tickLblPos val="none"/>
-        <c:crossAx val="88531328"/>
-        <c:crosses val="autoZero"/>
-        <c:crossBetween val="between"/>
-      </c:valAx>
-    </c:plotArea>
-    <c:plotVisOnly val="1"/>
-  </c:chart>
-  <c:txPr>
-    <a:bodyPr/>
-    <a:lstStyle/>
-    <a:p>
-      <a:pPr>
-        <a:defRPr sz="1800"/>
-      </a:pPr>
-      <a:endParaRPr lang="fr-FR"/>
-    </a:p>
-  </c:txPr>
-  <c:externalData r:id="rId1"/>
-</c:chartSpace>
+<file path=ppt/comments/comment1.xml><?xml version="1.0" encoding="utf-8"?>
+<p:cmLst xmlns:a="http://schemas.openxmlformats.org/drawingml/2006/main" xmlns:r="http://schemas.openxmlformats.org/officeDocument/2006/relationships" xmlns:p="http://schemas.openxmlformats.org/presentationml/2006/main">
+  <p:cm authorId="0" dt="2011-02-15T23:37:39.244" idx="1">
+    <p:pos x="1834" y="748"/>
+    <p:text>Pourquoi on ne passe pas a solution dans la barre de suivi ?</p:text>
+  </p:cm>
+  <p:cm authorId="0" dt="2011-02-15T23:41:49.570" idx="2">
+    <p:pos x="4732" y="1282"/>
+    <p:text>Je mettrai plutots BDD, fichiers en entrée </p:text>
+  </p:cm>
+</p:cmLst>
 </file>
 
-<file path=ppt/charts/chart3.xml><?xml version="1.0" encoding="utf-8"?>
-<c:chartSpace xmlns:c="http://schemas.openxmlformats.org/drawingml/2006/chart" xmlns:a="http://schemas.openxmlformats.org/drawingml/2006/main" xmlns:r="http://schemas.openxmlformats.org/officeDocument/2006/relationships">
-  <c:date1904 val="1"/>
-  <c:lang val="fr-FR"/>
-  <c:style val="8"/>
-  <c:chart>
-    <c:view3D>
-      <c:rAngAx val="1"/>
-    </c:view3D>
-    <c:plotArea>
-      <c:layout/>
-      <c:bar3DChart>
-        <c:barDir val="col"/>
-        <c:grouping val="clustered"/>
-        <c:ser>
-          <c:idx val="0"/>
-          <c:order val="0"/>
-          <c:tx>
-            <c:strRef>
-              <c:f>'Feuil1'!$B$1</c:f>
-              <c:strCache>
-                <c:ptCount val="1"/>
-                <c:pt idx="0">
-                  <c:v>Série 1</c:v>
-                </c:pt>
-              </c:strCache>
-            </c:strRef>
-          </c:tx>
-          <c:cat>
-            <c:strRef>
-              <c:f>'Feuil1'!$A$2:$A$5</c:f>
-              <c:strCache>
-                <c:ptCount val="4"/>
-                <c:pt idx="0">
-                  <c:v>Catégorie 1</c:v>
-                </c:pt>
-                <c:pt idx="1">
-                  <c:v>Catégorie 2</c:v>
-                </c:pt>
-                <c:pt idx="2">
-                  <c:v>Catégorie 3</c:v>
-                </c:pt>
-                <c:pt idx="3">
-                  <c:v>Catégorie 4</c:v>
-                </c:pt>
-              </c:strCache>
-            </c:strRef>
-          </c:cat>
-          <c:val>
-            <c:numRef>
-              <c:f>'Feuil1'!$B$2:$B$5</c:f>
-              <c:numCache>
-                <c:formatCode>General</c:formatCode>
-                <c:ptCount val="4"/>
-                <c:pt idx="0">
-                  <c:v>4.3</c:v>
-                </c:pt>
-                <c:pt idx="1">
-                  <c:v>2.5</c:v>
-                </c:pt>
-                <c:pt idx="2">
-                  <c:v>3.5</c:v>
-                </c:pt>
-                <c:pt idx="3">
-                  <c:v>4.5</c:v>
-                </c:pt>
-              </c:numCache>
-            </c:numRef>
-          </c:val>
-        </c:ser>
-        <c:ser>
-          <c:idx val="1"/>
-          <c:order val="1"/>
-          <c:tx>
-            <c:strRef>
-              <c:f>'Feuil1'!$C$1</c:f>
-              <c:strCache>
-                <c:ptCount val="1"/>
-                <c:pt idx="0">
-                  <c:v>Série 2</c:v>
-                </c:pt>
-              </c:strCache>
-            </c:strRef>
-          </c:tx>
-          <c:cat>
-            <c:strRef>
-              <c:f>'Feuil1'!$A$2:$A$5</c:f>
-              <c:strCache>
-                <c:ptCount val="4"/>
-                <c:pt idx="0">
-                  <c:v>Catégorie 1</c:v>
-                </c:pt>
-                <c:pt idx="1">
-                  <c:v>Catégorie 2</c:v>
-                </c:pt>
-                <c:pt idx="2">
-                  <c:v>Catégorie 3</c:v>
-                </c:pt>
-                <c:pt idx="3">
-                  <c:v>Catégorie 4</c:v>
-                </c:pt>
-              </c:strCache>
-            </c:strRef>
-          </c:cat>
-          <c:val>
-            <c:numRef>
-              <c:f>'Feuil1'!$C$2:$C$5</c:f>
-              <c:numCache>
-                <c:formatCode>General</c:formatCode>
-                <c:ptCount val="4"/>
-                <c:pt idx="0">
-                  <c:v>2.4</c:v>
-                </c:pt>
-                <c:pt idx="1">
-                  <c:v>4.4000000000000004</c:v>
-                </c:pt>
-                <c:pt idx="2">
-                  <c:v>1.8</c:v>
-                </c:pt>
-                <c:pt idx="3">
-                  <c:v>2.8</c:v>
-                </c:pt>
-              </c:numCache>
-            </c:numRef>
-          </c:val>
-        </c:ser>
-        <c:ser>
-          <c:idx val="2"/>
-          <c:order val="2"/>
-          <c:tx>
-            <c:strRef>
-              <c:f>'Feuil1'!$D$1</c:f>
-              <c:strCache>
-                <c:ptCount val="1"/>
-                <c:pt idx="0">
-                  <c:v>Série 3</c:v>
-                </c:pt>
-              </c:strCache>
-            </c:strRef>
-          </c:tx>
-          <c:cat>
-            <c:strRef>
-              <c:f>'Feuil1'!$A$2:$A$5</c:f>
-              <c:strCache>
-                <c:ptCount val="4"/>
-                <c:pt idx="0">
-                  <c:v>Catégorie 1</c:v>
-                </c:pt>
-                <c:pt idx="1">
-                  <c:v>Catégorie 2</c:v>
-                </c:pt>
-                <c:pt idx="2">
-                  <c:v>Catégorie 3</c:v>
-                </c:pt>
-                <c:pt idx="3">
-                  <c:v>Catégorie 4</c:v>
-                </c:pt>
-              </c:strCache>
-            </c:strRef>
-          </c:cat>
-          <c:val>
-            <c:numRef>
-              <c:f>'Feuil1'!$D$2:$D$5</c:f>
-              <c:numCache>
-                <c:formatCode>General</c:formatCode>
-                <c:ptCount val="4"/>
-                <c:pt idx="0">
-                  <c:v>2</c:v>
-                </c:pt>
-                <c:pt idx="1">
-                  <c:v>2</c:v>
-                </c:pt>
-                <c:pt idx="2">
-                  <c:v>3</c:v>
-                </c:pt>
-                <c:pt idx="3">
-                  <c:v>5</c:v>
-                </c:pt>
-              </c:numCache>
-            </c:numRef>
-          </c:val>
-        </c:ser>
-        <c:shape val="box"/>
-        <c:axId val="46411776"/>
-        <c:axId val="46413312"/>
-        <c:axId val="0"/>
-      </c:bar3DChart>
-      <c:catAx>
-        <c:axId val="46411776"/>
-        <c:scaling>
-          <c:orientation val="minMax"/>
-        </c:scaling>
-        <c:delete val="1"/>
-        <c:axPos val="b"/>
-        <c:tickLblPos val="none"/>
-        <c:crossAx val="46413312"/>
-        <c:crosses val="autoZero"/>
-        <c:auto val="1"/>
-        <c:lblAlgn val="ctr"/>
-        <c:lblOffset val="100"/>
-      </c:catAx>
-      <c:valAx>
-        <c:axId val="46413312"/>
-        <c:scaling>
-          <c:orientation val="minMax"/>
-        </c:scaling>
-        <c:delete val="1"/>
-        <c:axPos val="l"/>
-        <c:majorGridlines/>
-        <c:numFmt formatCode="General" sourceLinked="1"/>
-        <c:tickLblPos val="none"/>
-        <c:crossAx val="46411776"/>
-        <c:crosses val="autoZero"/>
-        <c:crossBetween val="between"/>
-      </c:valAx>
-    </c:plotArea>
-    <c:plotVisOnly val="1"/>
-  </c:chart>
-  <c:txPr>
-    <a:bodyPr/>
-    <a:lstStyle/>
-    <a:p>
-      <a:pPr>
-        <a:defRPr sz="1800"/>
-      </a:pPr>
-      <a:endParaRPr lang="fr-FR"/>
-    </a:p>
-  </c:txPr>
-  <c:externalData r:id="rId1"/>
-</c:chartSpace>
+<file path=ppt/comments/comment2.xml><?xml version="1.0" encoding="utf-8"?>
+<p:cmLst xmlns:a="http://schemas.openxmlformats.org/drawingml/2006/main" xmlns:r="http://schemas.openxmlformats.org/officeDocument/2006/relationships" xmlns:p="http://schemas.openxmlformats.org/presentationml/2006/main">
+  <p:cm authorId="0" dt="2011-02-15T23:42:44.111" idx="3">
+    <p:pos x="5326" y="1207"/>
+    <p:text>1 ou 2 lignes d'explications, avantages ?</p:text>
+  </p:cm>
+</p:cmLst>
+</file>
+
+<file path=ppt/comments/comment3.xml><?xml version="1.0" encoding="utf-8"?>
+<p:cmLst xmlns:a="http://schemas.openxmlformats.org/drawingml/2006/main" xmlns:r="http://schemas.openxmlformats.org/officeDocument/2006/relationships" xmlns:p="http://schemas.openxmlformats.org/presentationml/2006/main">
+  <p:cm authorId="0" dt="2011-02-16T10:54:07.275" idx="4">
+    <p:pos x="2669" y="1005"/>
+    <p:text>Mise en forme
+Image BDD cylindre / Excel</p:text>
+  </p:cm>
+</p:cmLst>
+</file>
+
+<file path=ppt/notesMasters/notesMaster1.xml><?xml version="1.0" encoding="utf-8"?>
+<p:notesMaster xmlns:a="http://schemas.openxmlformats.org/drawingml/2006/main" xmlns:r="http://schemas.openxmlformats.org/officeDocument/2006/relationships" xmlns:p="http://schemas.openxmlformats.org/presentationml/2006/main">
+  <p:cSld>
+    <p:bg>
+      <p:bgRef idx="1001">
+        <a:schemeClr val="bg1"/>
+      </p:bgRef>
+    </p:bg>
+    <p:spTree>
+      <p:nvGrpSpPr>
+        <p:cNvPr id="1" name=""/>
+        <p:cNvGrpSpPr/>
+        <p:nvPr/>
+      </p:nvGrpSpPr>
+      <p:grpSpPr>
+        <a:xfrm>
+          <a:off x="0" y="0"/>
+          <a:ext cx="0" cy="0"/>
+          <a:chOff x="0" y="0"/>
+          <a:chExt cx="0" cy="0"/>
+        </a:xfrm>
+      </p:grpSpPr>
+      <p:sp>
+        <p:nvSpPr>
+          <p:cNvPr id="2" name="Espace réservé de l'en-tête 1"/>
+          <p:cNvSpPr>
+            <a:spLocks noGrp="1"/>
+          </p:cNvSpPr>
+          <p:nvPr>
+            <p:ph type="hdr" sz="quarter"/>
+          </p:nvPr>
+        </p:nvSpPr>
+        <p:spPr>
+          <a:xfrm>
+            <a:off x="0" y="0"/>
+            <a:ext cx="2971800" cy="457200"/>
+          </a:xfrm>
+          <a:prstGeom prst="rect">
+            <a:avLst/>
+          </a:prstGeom>
+        </p:spPr>
+        <p:txBody>
+          <a:bodyPr vert="horz" lIns="91440" tIns="45720" rIns="91440" bIns="45720" rtlCol="0"/>
+          <a:lstStyle>
+            <a:lvl1pPr algn="l">
+              <a:defRPr sz="1200"/>
+            </a:lvl1pPr>
+          </a:lstStyle>
+          <a:p>
+            <a:endParaRPr lang="fr-FR"/>
+          </a:p>
+        </p:txBody>
+      </p:sp>
+      <p:sp>
+        <p:nvSpPr>
+          <p:cNvPr id="3" name="Espace réservé de la date 2"/>
+          <p:cNvSpPr>
+            <a:spLocks noGrp="1"/>
+          </p:cNvSpPr>
+          <p:nvPr>
+            <p:ph type="dt" idx="1"/>
+          </p:nvPr>
+        </p:nvSpPr>
+        <p:spPr>
+          <a:xfrm>
+            <a:off x="3884613" y="0"/>
+            <a:ext cx="2971800" cy="457200"/>
+          </a:xfrm>
+          <a:prstGeom prst="rect">
+            <a:avLst/>
+          </a:prstGeom>
+        </p:spPr>
+        <p:txBody>
+          <a:bodyPr vert="horz" lIns="91440" tIns="45720" rIns="91440" bIns="45720" rtlCol="0"/>
+          <a:lstStyle>
+            <a:lvl1pPr algn="r">
+              <a:defRPr sz="1200"/>
+            </a:lvl1pPr>
+          </a:lstStyle>
+          <a:p>
+            <a:fld id="{8798973C-2AD1-4264-8FF9-A737130549D4}" type="datetimeFigureOut">
+              <a:rPr lang="fr-FR" smtClean="0"/>
+              <a:t>20/02/2011</a:t>
+            </a:fld>
+            <a:endParaRPr lang="fr-FR"/>
+          </a:p>
+        </p:txBody>
+      </p:sp>
+      <p:sp>
+        <p:nvSpPr>
+          <p:cNvPr id="4" name="Espace réservé de l'image des diapositives 3"/>
+          <p:cNvSpPr>
+            <a:spLocks noGrp="1" noRot="1" noChangeAspect="1"/>
+          </p:cNvSpPr>
+          <p:nvPr>
+            <p:ph type="sldImg" idx="2"/>
+          </p:nvPr>
+        </p:nvSpPr>
+        <p:spPr>
+          <a:xfrm>
+            <a:off x="1143000" y="685800"/>
+            <a:ext cx="4572000" cy="3429000"/>
+          </a:xfrm>
+          <a:prstGeom prst="rect">
+            <a:avLst/>
+          </a:prstGeom>
+          <a:noFill/>
+          <a:ln w="12700">
+            <a:solidFill>
+              <a:prstClr val="black"/>
+            </a:solidFill>
+          </a:ln>
+        </p:spPr>
+        <p:txBody>
+          <a:bodyPr vert="horz" lIns="91440" tIns="45720" rIns="91440" bIns="45720" rtlCol="0" anchor="ctr"/>
+          <a:lstStyle/>
+          <a:p>
+            <a:endParaRPr lang="fr-FR"/>
+          </a:p>
+        </p:txBody>
+      </p:sp>
+      <p:sp>
+        <p:nvSpPr>
+          <p:cNvPr id="5" name="Espace réservé des commentaires 4"/>
+          <p:cNvSpPr>
+            <a:spLocks noGrp="1"/>
+          </p:cNvSpPr>
+          <p:nvPr>
+            <p:ph type="body" sz="quarter" idx="3"/>
+          </p:nvPr>
+        </p:nvSpPr>
+        <p:spPr>
+          <a:xfrm>
+            <a:off x="685800" y="4343400"/>
+            <a:ext cx="5486400" cy="4114800"/>
+          </a:xfrm>
+          <a:prstGeom prst="rect">
+            <a:avLst/>
+          </a:prstGeom>
+        </p:spPr>
+        <p:txBody>
+          <a:bodyPr vert="horz" lIns="91440" tIns="45720" rIns="91440" bIns="45720" rtlCol="0">
+            <a:normAutofit/>
+          </a:bodyPr>
+          <a:lstStyle/>
+          <a:p>
+            <a:pPr lvl="0"/>
+            <a:r>
+              <a:rPr lang="fr-FR" smtClean="0"/>
+              <a:t>Cliquez pour modifier les styles du texte du masque</a:t>
+            </a:r>
+          </a:p>
+          <a:p>
+            <a:pPr lvl="1"/>
+            <a:r>
+              <a:rPr lang="fr-FR" smtClean="0"/>
+              <a:t>Deuxième niveau</a:t>
+            </a:r>
+          </a:p>
+          <a:p>
+            <a:pPr lvl="2"/>
+            <a:r>
+              <a:rPr lang="fr-FR" smtClean="0"/>
+              <a:t>Troisième niveau</a:t>
+            </a:r>
+          </a:p>
+          <a:p>
+            <a:pPr lvl="3"/>
+            <a:r>
+              <a:rPr lang="fr-FR" smtClean="0"/>
+              <a:t>Quatrième niveau</a:t>
+            </a:r>
+          </a:p>
+          <a:p>
+            <a:pPr lvl="4"/>
+            <a:r>
+              <a:rPr lang="fr-FR" smtClean="0"/>
+              <a:t>Cinquième niveau</a:t>
+            </a:r>
+            <a:endParaRPr lang="fr-FR"/>
+          </a:p>
+        </p:txBody>
+      </p:sp>
+      <p:sp>
+        <p:nvSpPr>
+          <p:cNvPr id="6" name="Espace réservé du pied de page 5"/>
+          <p:cNvSpPr>
+            <a:spLocks noGrp="1"/>
+          </p:cNvSpPr>
+          <p:nvPr>
+            <p:ph type="ftr" sz="quarter" idx="4"/>
+          </p:nvPr>
+        </p:nvSpPr>
+        <p:spPr>
+          <a:xfrm>
+            <a:off x="0" y="8685213"/>
+            <a:ext cx="2971800" cy="457200"/>
+          </a:xfrm>
+          <a:prstGeom prst="rect">
+            <a:avLst/>
+          </a:prstGeom>
+        </p:spPr>
+        <p:txBody>
+          <a:bodyPr vert="horz" lIns="91440" tIns="45720" rIns="91440" bIns="45720" rtlCol="0" anchor="b"/>
+          <a:lstStyle>
+            <a:lvl1pPr algn="l">
+              <a:defRPr sz="1200"/>
+            </a:lvl1pPr>
+          </a:lstStyle>
+          <a:p>
+            <a:endParaRPr lang="fr-FR"/>
+          </a:p>
+        </p:txBody>
+      </p:sp>
+      <p:sp>
+        <p:nvSpPr>
+          <p:cNvPr id="7" name="Espace réservé du numéro de diapositive 6"/>
+          <p:cNvSpPr>
+            <a:spLocks noGrp="1"/>
+          </p:cNvSpPr>
+          <p:nvPr>
+            <p:ph type="sldNum" sz="quarter" idx="5"/>
+          </p:nvPr>
+        </p:nvSpPr>
+        <p:spPr>
+          <a:xfrm>
+            <a:off x="3884613" y="8685213"/>
+            <a:ext cx="2971800" cy="457200"/>
+          </a:xfrm>
+          <a:prstGeom prst="rect">
+            <a:avLst/>
+          </a:prstGeom>
+        </p:spPr>
+        <p:txBody>
+          <a:bodyPr vert="horz" lIns="91440" tIns="45720" rIns="91440" bIns="45720" rtlCol="0" anchor="b"/>
+          <a:lstStyle>
+            <a:lvl1pPr algn="r">
+              <a:defRPr sz="1200"/>
+            </a:lvl1pPr>
+          </a:lstStyle>
+          <a:p>
+            <a:fld id="{DA72C4E7-06A9-4167-9B51-12919F8FAAAA}" type="slidenum">
+              <a:rPr lang="fr-FR" smtClean="0"/>
+              <a:t>‹N°›</a:t>
+            </a:fld>
+            <a:endParaRPr lang="fr-FR"/>
+          </a:p>
+        </p:txBody>
+      </p:sp>
+    </p:spTree>
+  </p:cSld>
+  <p:clrMap bg1="lt1" tx1="dk1" bg2="lt2" tx2="dk2" accent1="accent1" accent2="accent2" accent3="accent3" accent4="accent4" accent5="accent5" accent6="accent6" hlink="hlink" folHlink="folHlink"/>
+  <p:notesStyle>
+    <a:lvl1pPr marL="0" algn="l" defTabSz="914400" rtl="0" eaLnBrk="1" latinLnBrk="0" hangingPunct="1">
+      <a:defRPr sz="1200" kern="1200">
+        <a:solidFill>
+          <a:schemeClr val="tx1"/>
+        </a:solidFill>
+        <a:latin typeface="+mn-lt"/>
+        <a:ea typeface="+mn-ea"/>
+        <a:cs typeface="+mn-cs"/>
+      </a:defRPr>
+    </a:lvl1pPr>
+    <a:lvl2pPr marL="457200" algn="l" defTabSz="914400" rtl="0" eaLnBrk="1" latinLnBrk="0" hangingPunct="1">
+      <a:defRPr sz="1200" kern="1200">
+        <a:solidFill>
+          <a:schemeClr val="tx1"/>
+        </a:solidFill>
+        <a:latin typeface="+mn-lt"/>
+        <a:ea typeface="+mn-ea"/>
+        <a:cs typeface="+mn-cs"/>
+      </a:defRPr>
+    </a:lvl2pPr>
+    <a:lvl3pPr marL="914400" algn="l" defTabSz="914400" rtl="0" eaLnBrk="1" latinLnBrk="0" hangingPunct="1">
+      <a:defRPr sz="1200" kern="1200">
+        <a:solidFill>
+          <a:schemeClr val="tx1"/>
+        </a:solidFill>
+        <a:latin typeface="+mn-lt"/>
+        <a:ea typeface="+mn-ea"/>
+        <a:cs typeface="+mn-cs"/>
+      </a:defRPr>
+    </a:lvl3pPr>
+    <a:lvl4pPr marL="1371600" algn="l" defTabSz="914400" rtl="0" eaLnBrk="1" latinLnBrk="0" hangingPunct="1">
+      <a:defRPr sz="1200" kern="1200">
+        <a:solidFill>
+          <a:schemeClr val="tx1"/>
+        </a:solidFill>
+        <a:latin typeface="+mn-lt"/>
+        <a:ea typeface="+mn-ea"/>
+        <a:cs typeface="+mn-cs"/>
+      </a:defRPr>
+    </a:lvl4pPr>
+    <a:lvl5pPr marL="1828800" algn="l" defTabSz="914400" rtl="0" eaLnBrk="1" latinLnBrk="0" hangingPunct="1">
+      <a:defRPr sz="1200" kern="1200">
+        <a:solidFill>
+          <a:schemeClr val="tx1"/>
+        </a:solidFill>
+        <a:latin typeface="+mn-lt"/>
+        <a:ea typeface="+mn-ea"/>
+        <a:cs typeface="+mn-cs"/>
+      </a:defRPr>
+    </a:lvl5pPr>
+    <a:lvl6pPr marL="2286000" algn="l" defTabSz="914400" rtl="0" eaLnBrk="1" latinLnBrk="0" hangingPunct="1">
+      <a:defRPr sz="1200" kern="1200">
+        <a:solidFill>
+          <a:schemeClr val="tx1"/>
+        </a:solidFill>
+        <a:latin typeface="+mn-lt"/>
+        <a:ea typeface="+mn-ea"/>
+        <a:cs typeface="+mn-cs"/>
+      </a:defRPr>
+    </a:lvl6pPr>
+    <a:lvl7pPr marL="2743200" algn="l" defTabSz="914400" rtl="0" eaLnBrk="1" latinLnBrk="0" hangingPunct="1">
+      <a:defRPr sz="1200" kern="1200">
+        <a:solidFill>
+          <a:schemeClr val="tx1"/>
+        </a:solidFill>
+        <a:latin typeface="+mn-lt"/>
+        <a:ea typeface="+mn-ea"/>
+        <a:cs typeface="+mn-cs"/>
+      </a:defRPr>
+    </a:lvl7pPr>
+    <a:lvl8pPr marL="3200400" algn="l" defTabSz="914400" rtl="0" eaLnBrk="1" latinLnBrk="0" hangingPunct="1">
+      <a:defRPr sz="1200" kern="1200">
+        <a:solidFill>
+          <a:schemeClr val="tx1"/>
+        </a:solidFill>
+        <a:latin typeface="+mn-lt"/>
+        <a:ea typeface="+mn-ea"/>
+        <a:cs typeface="+mn-cs"/>
+      </a:defRPr>
+    </a:lvl8pPr>
+    <a:lvl9pPr marL="3657600" algn="l" defTabSz="914400" rtl="0" eaLnBrk="1" latinLnBrk="0" hangingPunct="1">
+      <a:defRPr sz="1200" kern="1200">
+        <a:solidFill>
+          <a:schemeClr val="tx1"/>
+        </a:solidFill>
+        <a:latin typeface="+mn-lt"/>
+        <a:ea typeface="+mn-ea"/>
+        <a:cs typeface="+mn-cs"/>
+      </a:defRPr>
+    </a:lvl9pPr>
+  </p:notesStyle>
+</p:notesMaster>
+</file>
+
+<file path=ppt/notesSlides/notesSlide1.xml><?xml version="1.0" encoding="utf-8"?>
+<p:notes xmlns:a="http://schemas.openxmlformats.org/drawingml/2006/main" xmlns:r="http://schemas.openxmlformats.org/officeDocument/2006/relationships" xmlns:p="http://schemas.openxmlformats.org/presentationml/2006/main">
+  <p:cSld>
+    <p:spTree>
+      <p:nvGrpSpPr>
+        <p:cNvPr id="1" name=""/>
+        <p:cNvGrpSpPr/>
+        <p:nvPr/>
+      </p:nvGrpSpPr>
+      <p:grpSpPr>
+        <a:xfrm>
+          <a:off x="0" y="0"/>
+          <a:ext cx="0" cy="0"/>
+          <a:chOff x="0" y="0"/>
+          <a:chExt cx="0" cy="0"/>
+        </a:xfrm>
+      </p:grpSpPr>
+      <p:sp>
+        <p:nvSpPr>
+          <p:cNvPr id="2" name="Espace réservé de l'image des diapositives 1"/>
+          <p:cNvSpPr>
+            <a:spLocks noGrp="1" noRot="1" noChangeAspect="1"/>
+          </p:cNvSpPr>
+          <p:nvPr>
+            <p:ph type="sldImg"/>
+          </p:nvPr>
+        </p:nvSpPr>
+        <p:spPr/>
+      </p:sp>
+      <p:sp>
+        <p:nvSpPr>
+          <p:cNvPr id="3" name="Espace réservé des commentaires 2"/>
+          <p:cNvSpPr>
+            <a:spLocks noGrp="1"/>
+          </p:cNvSpPr>
+          <p:nvPr>
+            <p:ph type="body" idx="1"/>
+          </p:nvPr>
+        </p:nvSpPr>
+        <p:spPr/>
+        <p:txBody>
+          <a:bodyPr/>
+          <a:lstStyle/>
+          <a:p>
+            <a:endParaRPr lang="fr-FR"/>
+          </a:p>
+        </p:txBody>
+      </p:sp>
+      <p:sp>
+        <p:nvSpPr>
+          <p:cNvPr id="4" name="Espace réservé du numéro de diapositive 3"/>
+          <p:cNvSpPr>
+            <a:spLocks noGrp="1"/>
+          </p:cNvSpPr>
+          <p:nvPr>
+            <p:ph type="sldNum" sz="quarter" idx="10"/>
+          </p:nvPr>
+        </p:nvSpPr>
+        <p:spPr/>
+        <p:txBody>
+          <a:bodyPr/>
+          <a:lstStyle/>
+          <a:p>
+            <a:fld id="{AA2D7D2D-C587-49A8-9D05-AF87BEB26811}" type="slidenum">
+              <a:rPr lang="fr-FR" smtClean="0"/>
+              <a:pPr/>
+              <a:t>1</a:t>
+            </a:fld>
+            <a:endParaRPr lang="fr-FR"/>
+          </a:p>
+        </p:txBody>
+      </p:sp>
+    </p:spTree>
+    <p:extLst>
+      <p:ext uri="{BB962C8B-B14F-4D97-AF65-F5344CB8AC3E}">
+        <p14:creationId xmlns:p14="http://schemas.microsoft.com/office/powerpoint/2010/main" xmlns="" val="3610990907"/>
+      </p:ext>
+    </p:extLst>
+  </p:cSld>
+  <p:clrMapOvr>
+    <a:masterClrMapping/>
+  </p:clrMapOvr>
+</p:notes>
+</file>
+
+<file path=ppt/notesSlides/notesSlide2.xml><?xml version="1.0" encoding="utf-8"?>
+<p:notes xmlns:a="http://schemas.openxmlformats.org/drawingml/2006/main" xmlns:r="http://schemas.openxmlformats.org/officeDocument/2006/relationships" xmlns:p="http://schemas.openxmlformats.org/presentationml/2006/main">
+  <p:cSld>
+    <p:spTree>
+      <p:nvGrpSpPr>
+        <p:cNvPr id="1" name=""/>
+        <p:cNvGrpSpPr/>
+        <p:nvPr/>
+      </p:nvGrpSpPr>
+      <p:grpSpPr>
+        <a:xfrm>
+          <a:off x="0" y="0"/>
+          <a:ext cx="0" cy="0"/>
+          <a:chOff x="0" y="0"/>
+          <a:chExt cx="0" cy="0"/>
+        </a:xfrm>
+      </p:grpSpPr>
+      <p:sp>
+        <p:nvSpPr>
+          <p:cNvPr id="2" name="Espace réservé de l'image des diapositives 1"/>
+          <p:cNvSpPr>
+            <a:spLocks noGrp="1" noRot="1" noChangeAspect="1"/>
+          </p:cNvSpPr>
+          <p:nvPr>
+            <p:ph type="sldImg"/>
+          </p:nvPr>
+        </p:nvSpPr>
+        <p:spPr/>
+      </p:sp>
+      <p:sp>
+        <p:nvSpPr>
+          <p:cNvPr id="3" name="Espace réservé des commentaires 2"/>
+          <p:cNvSpPr>
+            <a:spLocks noGrp="1"/>
+          </p:cNvSpPr>
+          <p:nvPr>
+            <p:ph type="body" idx="1"/>
+          </p:nvPr>
+        </p:nvSpPr>
+        <p:spPr/>
+        <p:txBody>
+          <a:bodyPr/>
+          <a:lstStyle/>
+          <a:p>
+            <a:endParaRPr lang="fr-FR"/>
+          </a:p>
+        </p:txBody>
+      </p:sp>
+      <p:sp>
+        <p:nvSpPr>
+          <p:cNvPr id="4" name="Espace réservé du numéro de diapositive 3"/>
+          <p:cNvSpPr>
+            <a:spLocks noGrp="1"/>
+          </p:cNvSpPr>
+          <p:nvPr>
+            <p:ph type="sldNum" sz="quarter" idx="10"/>
+          </p:nvPr>
+        </p:nvSpPr>
+        <p:spPr/>
+        <p:txBody>
+          <a:bodyPr/>
+          <a:lstStyle/>
+          <a:p>
+            <a:fld id="{AA2D7D2D-C587-49A8-9D05-AF87BEB26811}" type="slidenum">
+              <a:rPr lang="fr-FR" smtClean="0"/>
+              <a:pPr/>
+              <a:t>2</a:t>
+            </a:fld>
+            <a:endParaRPr lang="fr-FR"/>
+          </a:p>
+        </p:txBody>
+      </p:sp>
+    </p:spTree>
+    <p:extLst>
+      <p:ext uri="{BB962C8B-B14F-4D97-AF65-F5344CB8AC3E}">
+        <p14:creationId xmlns:p14="http://schemas.microsoft.com/office/powerpoint/2010/main" xmlns="" val="3610990907"/>
+      </p:ext>
+    </p:extLst>
+  </p:cSld>
+  <p:clrMapOvr>
+    <a:masterClrMapping/>
+  </p:clrMapOvr>
+</p:notes>
+</file>
+
+<file path=ppt/notesSlides/notesSlide3.xml><?xml version="1.0" encoding="utf-8"?>
+<p:notes xmlns:a="http://schemas.openxmlformats.org/drawingml/2006/main" xmlns:r="http://schemas.openxmlformats.org/officeDocument/2006/relationships" xmlns:p="http://schemas.openxmlformats.org/presentationml/2006/main">
+  <p:cSld>
+    <p:spTree>
+      <p:nvGrpSpPr>
+        <p:cNvPr id="1" name=""/>
+        <p:cNvGrpSpPr/>
+        <p:nvPr/>
+      </p:nvGrpSpPr>
+      <p:grpSpPr>
+        <a:xfrm>
+          <a:off x="0" y="0"/>
+          <a:ext cx="0" cy="0"/>
+          <a:chOff x="0" y="0"/>
+          <a:chExt cx="0" cy="0"/>
+        </a:xfrm>
+      </p:grpSpPr>
+      <p:sp>
+        <p:nvSpPr>
+          <p:cNvPr id="2" name="Espace réservé de l'image des diapositives 1"/>
+          <p:cNvSpPr>
+            <a:spLocks noGrp="1" noRot="1" noChangeAspect="1"/>
+          </p:cNvSpPr>
+          <p:nvPr>
+            <p:ph type="sldImg"/>
+          </p:nvPr>
+        </p:nvSpPr>
+        <p:spPr/>
+      </p:sp>
+      <p:sp>
+        <p:nvSpPr>
+          <p:cNvPr id="3" name="Espace réservé des commentaires 2"/>
+          <p:cNvSpPr>
+            <a:spLocks noGrp="1"/>
+          </p:cNvSpPr>
+          <p:nvPr>
+            <p:ph type="body" idx="1"/>
+          </p:nvPr>
+        </p:nvSpPr>
+        <p:spPr/>
+        <p:txBody>
+          <a:bodyPr/>
+          <a:lstStyle/>
+          <a:p>
+            <a:endParaRPr lang="fr-FR"/>
+          </a:p>
+        </p:txBody>
+      </p:sp>
+      <p:sp>
+        <p:nvSpPr>
+          <p:cNvPr id="4" name="Espace réservé du numéro de diapositive 3"/>
+          <p:cNvSpPr>
+            <a:spLocks noGrp="1"/>
+          </p:cNvSpPr>
+          <p:nvPr>
+            <p:ph type="sldNum" sz="quarter" idx="10"/>
+          </p:nvPr>
+        </p:nvSpPr>
+        <p:spPr/>
+        <p:txBody>
+          <a:bodyPr/>
+          <a:lstStyle/>
+          <a:p>
+            <a:fld id="{AA2D7D2D-C587-49A8-9D05-AF87BEB26811}" type="slidenum">
+              <a:rPr lang="fr-FR" smtClean="0"/>
+              <a:pPr/>
+              <a:t>3</a:t>
+            </a:fld>
+            <a:endParaRPr lang="fr-FR"/>
+          </a:p>
+        </p:txBody>
+      </p:sp>
+    </p:spTree>
+    <p:extLst>
+      <p:ext uri="{BB962C8B-B14F-4D97-AF65-F5344CB8AC3E}">
+        <p14:creationId xmlns:p14="http://schemas.microsoft.com/office/powerpoint/2010/main" xmlns="" val="3610990907"/>
+      </p:ext>
+    </p:extLst>
+  </p:cSld>
+  <p:clrMapOvr>
+    <a:masterClrMapping/>
+  </p:clrMapOvr>
+</p:notes>
 </file>
 
 <file path=ppt/slideLayouts/slideLayout1.xml><?xml version="1.0" encoding="utf-8"?>
@@ -845,8 +1024,8 @@
         </p:nvSpPr>
         <p:spPr>
           <a:xfrm>
-            <a:off x="812006" y="2522485"/>
-            <a:ext cx="9202738" cy="1740551"/>
+            <a:off x="685800" y="2130425"/>
+            <a:ext cx="7772400" cy="1470025"/>
           </a:xfrm>
         </p:spPr>
         <p:txBody>
@@ -873,8 +1052,8 @@
         </p:nvSpPr>
         <p:spPr>
           <a:xfrm>
-            <a:off x="1624013" y="4601369"/>
-            <a:ext cx="7578725" cy="2075127"/>
+            <a:off x="1371600" y="3886200"/>
+            <a:ext cx="6400800" cy="1752600"/>
           </a:xfrm>
         </p:spPr>
         <p:txBody>
@@ -890,7 +1069,7 @@
                 </a:solidFill>
               </a:defRPr>
             </a:lvl1pPr>
-            <a:lvl2pPr marL="516727" indent="0" algn="ctr">
+            <a:lvl2pPr marL="457200" indent="0" algn="ctr">
               <a:buNone/>
               <a:defRPr>
                 <a:solidFill>
@@ -900,7 +1079,7 @@
                 </a:solidFill>
               </a:defRPr>
             </a:lvl2pPr>
-            <a:lvl3pPr marL="1033455" indent="0" algn="ctr">
+            <a:lvl3pPr marL="914400" indent="0" algn="ctr">
               <a:buNone/>
               <a:defRPr>
                 <a:solidFill>
@@ -910,7 +1089,7 @@
                 </a:solidFill>
               </a:defRPr>
             </a:lvl3pPr>
-            <a:lvl4pPr marL="1550182" indent="0" algn="ctr">
+            <a:lvl4pPr marL="1371600" indent="0" algn="ctr">
               <a:buNone/>
               <a:defRPr>
                 <a:solidFill>
@@ -920,7 +1099,7 @@
                 </a:solidFill>
               </a:defRPr>
             </a:lvl4pPr>
-            <a:lvl5pPr marL="2066910" indent="0" algn="ctr">
+            <a:lvl5pPr marL="1828800" indent="0" algn="ctr">
               <a:buNone/>
               <a:defRPr>
                 <a:solidFill>
@@ -930,7 +1109,7 @@
                 </a:solidFill>
               </a:defRPr>
             </a:lvl5pPr>
-            <a:lvl6pPr marL="2583637" indent="0" algn="ctr">
+            <a:lvl6pPr marL="2286000" indent="0" algn="ctr">
               <a:buNone/>
               <a:defRPr>
                 <a:solidFill>
@@ -940,7 +1119,7 @@
                 </a:solidFill>
               </a:defRPr>
             </a:lvl6pPr>
-            <a:lvl7pPr marL="3100365" indent="0" algn="ctr">
+            <a:lvl7pPr marL="2743200" indent="0" algn="ctr">
               <a:buNone/>
               <a:defRPr>
                 <a:solidFill>
@@ -950,7 +1129,7 @@
                 </a:solidFill>
               </a:defRPr>
             </a:lvl7pPr>
-            <a:lvl8pPr marL="3617092" indent="0" algn="ctr">
+            <a:lvl8pPr marL="3200400" indent="0" algn="ctr">
               <a:buNone/>
               <a:defRPr>
                 <a:solidFill>
@@ -960,7 +1139,7 @@
                 </a:solidFill>
               </a:defRPr>
             </a:lvl8pPr>
-            <a:lvl9pPr marL="4133820" indent="0" algn="ctr">
+            <a:lvl9pPr marL="3657600" indent="0" algn="ctr">
               <a:buNone/>
               <a:defRPr>
                 <a:solidFill>
@@ -995,10 +1174,9 @@
           <a:bodyPr/>
           <a:lstStyle/>
           <a:p>
-            <a:fld id="{0A90FFF3-2E21-4070-BE91-A74CB3DF92AD}" type="datetimeFigureOut">
-              <a:rPr lang="fr-FR" smtClean="0"/>
-              <a:pPr/>
-              <a:t>13/02/2011</a:t>
+            <a:fld id="{6937E032-EB51-4D6C-8527-C0CC400D03CD}" type="datetimeFigureOut">
+              <a:rPr lang="fr-FR" smtClean="0"/>
+              <a:t>20/02/2011</a:t>
             </a:fld>
             <a:endParaRPr lang="fr-FR"/>
           </a:p>
@@ -1038,9 +1216,8 @@
           <a:bodyPr/>
           <a:lstStyle/>
           <a:p>
-            <a:fld id="{5B4DBDC1-9E1A-4073-9BE6-F88C98AF088D}" type="slidenum">
-              <a:rPr lang="fr-FR" smtClean="0"/>
-              <a:pPr/>
+            <a:fld id="{B2CC150D-48D4-4BF4-A733-ED24346DA9FE}" type="slidenum">
+              <a:rPr lang="fr-FR" smtClean="0"/>
               <a:t>‹N°›</a:t>
             </a:fld>
             <a:endParaRPr lang="fr-FR"/>
@@ -1162,10 +1339,9 @@
           <a:bodyPr/>
           <a:lstStyle/>
           <a:p>
-            <a:fld id="{0A90FFF3-2E21-4070-BE91-A74CB3DF92AD}" type="datetimeFigureOut">
-              <a:rPr lang="fr-FR" smtClean="0"/>
-              <a:pPr/>
-              <a:t>13/02/2011</a:t>
+            <a:fld id="{6937E032-EB51-4D6C-8527-C0CC400D03CD}" type="datetimeFigureOut">
+              <a:rPr lang="fr-FR" smtClean="0"/>
+              <a:t>20/02/2011</a:t>
             </a:fld>
             <a:endParaRPr lang="fr-FR"/>
           </a:p>
@@ -1205,9 +1381,8 @@
           <a:bodyPr/>
           <a:lstStyle/>
           <a:p>
-            <a:fld id="{5B4DBDC1-9E1A-4073-9BE6-F88C98AF088D}" type="slidenum">
-              <a:rPr lang="fr-FR" smtClean="0"/>
-              <a:pPr/>
+            <a:fld id="{B2CC150D-48D4-4BF4-A733-ED24346DA9FE}" type="slidenum">
+              <a:rPr lang="fr-FR" smtClean="0"/>
               <a:t>‹N°›</a:t>
             </a:fld>
             <a:endParaRPr lang="fr-FR"/>
@@ -1251,8 +1426,8 @@
         </p:nvSpPr>
         <p:spPr>
           <a:xfrm>
-            <a:off x="7849394" y="325181"/>
-            <a:ext cx="2436019" cy="6928369"/>
+            <a:off x="6629400" y="274638"/>
+            <a:ext cx="2057400" cy="5851525"/>
           </a:xfrm>
         </p:spPr>
         <p:txBody>
@@ -1279,8 +1454,8 @@
         </p:nvSpPr>
         <p:spPr>
           <a:xfrm>
-            <a:off x="541338" y="325181"/>
-            <a:ext cx="7127610" cy="6928369"/>
+            <a:off x="457200" y="274638"/>
+            <a:ext cx="6019800" cy="5851525"/>
           </a:xfrm>
         </p:spPr>
         <p:txBody>
@@ -1339,10 +1514,9 @@
           <a:bodyPr/>
           <a:lstStyle/>
           <a:p>
-            <a:fld id="{0A90FFF3-2E21-4070-BE91-A74CB3DF92AD}" type="datetimeFigureOut">
-              <a:rPr lang="fr-FR" smtClean="0"/>
-              <a:pPr/>
-              <a:t>13/02/2011</a:t>
+            <a:fld id="{6937E032-EB51-4D6C-8527-C0CC400D03CD}" type="datetimeFigureOut">
+              <a:rPr lang="fr-FR" smtClean="0"/>
+              <a:t>20/02/2011</a:t>
             </a:fld>
             <a:endParaRPr lang="fr-FR"/>
           </a:p>
@@ -1382,9 +1556,8 @@
           <a:bodyPr/>
           <a:lstStyle/>
           <a:p>
-            <a:fld id="{5B4DBDC1-9E1A-4073-9BE6-F88C98AF088D}" type="slidenum">
-              <a:rPr lang="fr-FR" smtClean="0"/>
-              <a:pPr/>
+            <a:fld id="{B2CC150D-48D4-4BF4-A733-ED24346DA9FE}" type="slidenum">
+              <a:rPr lang="fr-FR" smtClean="0"/>
               <a:t>‹N°›</a:t>
             </a:fld>
             <a:endParaRPr lang="fr-FR"/>
@@ -1396,6 +1569,602 @@
   <p:clrMapOvr>
     <a:masterClrMapping/>
   </p:clrMapOvr>
+</p:sldLayout>
+</file>
+
+<file path=ppt/slideLayouts/slideLayout12.xml><?xml version="1.0" encoding="utf-8"?>
+<p:sldLayout xmlns:a="http://schemas.openxmlformats.org/drawingml/2006/main" xmlns:r="http://schemas.openxmlformats.org/officeDocument/2006/relationships" xmlns:p="http://schemas.openxmlformats.org/presentationml/2006/main" userDrawn="1">
+  <p:cSld name="Solution technique">
+    <p:spTree>
+      <p:nvGrpSpPr>
+        <p:cNvPr id="1" name=""/>
+        <p:cNvGrpSpPr/>
+        <p:nvPr/>
+      </p:nvGrpSpPr>
+      <p:grpSpPr>
+        <a:xfrm>
+          <a:off x="0" y="0"/>
+          <a:ext cx="0" cy="0"/>
+          <a:chOff x="0" y="0"/>
+          <a:chExt cx="0" cy="0"/>
+        </a:xfrm>
+      </p:grpSpPr>
+      <p:sp>
+        <p:nvSpPr>
+          <p:cNvPr id="4" name="Espace réservé de la date 3"/>
+          <p:cNvSpPr>
+            <a:spLocks noGrp="1"/>
+          </p:cNvSpPr>
+          <p:nvPr>
+            <p:ph type="dt" sz="half" idx="10"/>
+          </p:nvPr>
+        </p:nvSpPr>
+        <p:spPr/>
+        <p:txBody>
+          <a:bodyPr/>
+          <a:lstStyle/>
+          <a:p>
+            <a:fld id="{3E2F0B67-9623-4FD7-83CE-49ACD1045228}" type="datetime1">
+              <a:rPr lang="fr-FR" smtClean="0"/>
+              <a:pPr/>
+              <a:t>20/02/2011</a:t>
+            </a:fld>
+            <a:endParaRPr lang="fr-FR"/>
+          </a:p>
+        </p:txBody>
+      </p:sp>
+      <p:sp>
+        <p:nvSpPr>
+          <p:cNvPr id="5" name="Espace réservé du pied de page 4"/>
+          <p:cNvSpPr>
+            <a:spLocks noGrp="1"/>
+          </p:cNvSpPr>
+          <p:nvPr>
+            <p:ph type="ftr" sz="quarter" idx="11"/>
+          </p:nvPr>
+        </p:nvSpPr>
+        <p:spPr/>
+        <p:txBody>
+          <a:bodyPr/>
+          <a:lstStyle/>
+          <a:p>
+            <a:endParaRPr lang="fr-FR"/>
+          </a:p>
+        </p:txBody>
+      </p:sp>
+      <p:sp>
+        <p:nvSpPr>
+          <p:cNvPr id="8" name="ZoneTexte 14"/>
+          <p:cNvSpPr txBox="1">
+            <a:spLocks noChangeArrowheads="1"/>
+          </p:cNvSpPr>
+          <p:nvPr userDrawn="1"/>
+        </p:nvSpPr>
+        <p:spPr bwMode="auto">
+          <a:xfrm>
+            <a:off x="251520" y="1124744"/>
+            <a:ext cx="2664832" cy="276999"/>
+          </a:xfrm>
+          <a:prstGeom prst="rect">
+            <a:avLst/>
+          </a:prstGeom>
+          <a:noFill/>
+          <a:ln w="9525">
+            <a:noFill/>
+            <a:miter lim="800000"/>
+            <a:headEnd/>
+            <a:tailEnd/>
+          </a:ln>
+        </p:spPr>
+        <p:txBody>
+          <a:bodyPr wrap="none">
+            <a:spAutoFit/>
+          </a:bodyPr>
+          <a:lstStyle/>
+          <a:p>
+            <a:r>
+              <a:rPr lang="fr-FR" sz="1200" b="1" u="sng" dirty="0">
+                <a:solidFill>
+                  <a:schemeClr val="bg1"/>
+                </a:solidFill>
+                <a:latin typeface="+mn-lt"/>
+              </a:rPr>
+              <a:t>SUJET &amp; BESOINS</a:t>
+            </a:r>
+            <a:r>
+              <a:rPr lang="fr-FR" sz="1200" b="1" dirty="0">
+                <a:solidFill>
+                  <a:schemeClr val="bg1"/>
+                </a:solidFill>
+                <a:latin typeface="+mn-lt"/>
+              </a:rPr>
+              <a:t> | SOLUTION | BILAN</a:t>
+            </a:r>
+            <a:r>
+              <a:rPr lang="fr-FR" sz="1200" b="1" dirty="0">
+                <a:latin typeface="+mn-lt"/>
+              </a:rPr>
+              <a:t> </a:t>
+            </a:r>
+          </a:p>
+        </p:txBody>
+      </p:sp>
+      <p:sp>
+        <p:nvSpPr>
+          <p:cNvPr id="9" name="Text Box 20"/>
+          <p:cNvSpPr txBox="1">
+            <a:spLocks noChangeArrowheads="1"/>
+          </p:cNvSpPr>
+          <p:nvPr userDrawn="1"/>
+        </p:nvSpPr>
+        <p:spPr bwMode="auto">
+          <a:xfrm>
+            <a:off x="217215" y="1988840"/>
+            <a:ext cx="1093826" cy="307777"/>
+          </a:xfrm>
+          <a:prstGeom prst="rect">
+            <a:avLst/>
+          </a:prstGeom>
+          <a:noFill/>
+          <a:ln w="9525">
+            <a:noFill/>
+            <a:miter lim="800000"/>
+            <a:headEnd/>
+            <a:tailEnd/>
+          </a:ln>
+          <a:effectLst/>
+        </p:spPr>
+        <p:txBody>
+          <a:bodyPr wrap="none">
+            <a:spAutoFit/>
+          </a:bodyPr>
+          <a:lstStyle/>
+          <a:p>
+            <a:r>
+              <a:rPr lang="en-US" sz="1400" u="none" dirty="0" smtClean="0">
+                <a:solidFill>
+                  <a:srgbClr val="002232"/>
+                </a:solidFill>
+                <a:latin typeface="+mn-lt"/>
+              </a:rPr>
+              <a:t>Introduction</a:t>
+            </a:r>
+            <a:endParaRPr lang="fr-FR" sz="1400" u="none" dirty="0">
+              <a:solidFill>
+                <a:srgbClr val="002232"/>
+              </a:solidFill>
+              <a:latin typeface="+mn-lt"/>
+            </a:endParaRPr>
+          </a:p>
+        </p:txBody>
+      </p:sp>
+      <p:sp>
+        <p:nvSpPr>
+          <p:cNvPr id="11" name="Text Box 20"/>
+          <p:cNvSpPr txBox="1">
+            <a:spLocks noChangeArrowheads="1"/>
+          </p:cNvSpPr>
+          <p:nvPr userDrawn="1"/>
+        </p:nvSpPr>
+        <p:spPr bwMode="auto">
+          <a:xfrm>
+            <a:off x="223584" y="2329135"/>
+            <a:ext cx="1324080" cy="307777"/>
+          </a:xfrm>
+          <a:prstGeom prst="rect">
+            <a:avLst/>
+          </a:prstGeom>
+          <a:noFill/>
+          <a:ln w="9525">
+            <a:noFill/>
+            <a:miter lim="800000"/>
+            <a:headEnd/>
+            <a:tailEnd/>
+          </a:ln>
+          <a:effectLst/>
+        </p:spPr>
+        <p:txBody>
+          <a:bodyPr wrap="none">
+            <a:spAutoFit/>
+          </a:bodyPr>
+          <a:lstStyle/>
+          <a:p>
+            <a:r>
+              <a:rPr lang="fr-FR" sz="1400" u="none" noProof="0" dirty="0" smtClean="0">
+                <a:solidFill>
+                  <a:srgbClr val="002232"/>
+                </a:solidFill>
+                <a:latin typeface="+mn-lt"/>
+              </a:rPr>
+              <a:t>Contexte projet</a:t>
+            </a:r>
+            <a:endParaRPr lang="fr-FR" sz="1400" u="none" noProof="0" dirty="0">
+              <a:solidFill>
+                <a:srgbClr val="002232"/>
+              </a:solidFill>
+              <a:latin typeface="+mn-lt"/>
+            </a:endParaRPr>
+          </a:p>
+        </p:txBody>
+      </p:sp>
+      <p:sp>
+        <p:nvSpPr>
+          <p:cNvPr id="12" name="Text Box 20"/>
+          <p:cNvSpPr txBox="1">
+            <a:spLocks noChangeArrowheads="1"/>
+          </p:cNvSpPr>
+          <p:nvPr userDrawn="1"/>
+        </p:nvSpPr>
+        <p:spPr bwMode="auto">
+          <a:xfrm>
+            <a:off x="223584" y="2636912"/>
+            <a:ext cx="1562928" cy="307777"/>
+          </a:xfrm>
+          <a:prstGeom prst="rect">
+            <a:avLst/>
+          </a:prstGeom>
+          <a:noFill/>
+          <a:ln w="9525">
+            <a:noFill/>
+            <a:miter lim="800000"/>
+            <a:headEnd/>
+            <a:tailEnd/>
+          </a:ln>
+          <a:effectLst/>
+        </p:spPr>
+        <p:txBody>
+          <a:bodyPr wrap="none">
+            <a:spAutoFit/>
+          </a:bodyPr>
+          <a:lstStyle/>
+          <a:p>
+            <a:r>
+              <a:rPr lang="fr-FR" sz="1400" u="sng" noProof="0" dirty="0" smtClean="0">
+                <a:solidFill>
+                  <a:srgbClr val="002232"/>
+                </a:solidFill>
+                <a:latin typeface="+mn-lt"/>
+              </a:rPr>
+              <a:t>Solution technique</a:t>
+            </a:r>
+            <a:endParaRPr lang="fr-FR" sz="1400" u="sng" noProof="0" dirty="0">
+              <a:solidFill>
+                <a:srgbClr val="002232"/>
+              </a:solidFill>
+              <a:latin typeface="+mn-lt"/>
+            </a:endParaRPr>
+          </a:p>
+        </p:txBody>
+      </p:sp>
+      <p:sp>
+        <p:nvSpPr>
+          <p:cNvPr id="13" name="Text Box 20"/>
+          <p:cNvSpPr txBox="1">
+            <a:spLocks noChangeArrowheads="1"/>
+          </p:cNvSpPr>
+          <p:nvPr userDrawn="1"/>
+        </p:nvSpPr>
+        <p:spPr bwMode="auto">
+          <a:xfrm>
+            <a:off x="200760" y="3212976"/>
+            <a:ext cx="1208023" cy="523220"/>
+          </a:xfrm>
+          <a:prstGeom prst="rect">
+            <a:avLst/>
+          </a:prstGeom>
+          <a:noFill/>
+          <a:ln w="9525">
+            <a:noFill/>
+            <a:miter lim="800000"/>
+            <a:headEnd/>
+            <a:tailEnd/>
+          </a:ln>
+          <a:effectLst/>
+        </p:spPr>
+        <p:txBody>
+          <a:bodyPr wrap="none">
+            <a:spAutoFit/>
+          </a:bodyPr>
+          <a:lstStyle/>
+          <a:p>
+            <a:r>
+              <a:rPr lang="fr-FR" sz="1400" u="none" noProof="0" dirty="0" smtClean="0">
+                <a:solidFill>
+                  <a:srgbClr val="002232"/>
+                </a:solidFill>
+                <a:latin typeface="+mn-lt"/>
+              </a:rPr>
+              <a:t>Démarche et </a:t>
+            </a:r>
+          </a:p>
+          <a:p>
+            <a:r>
+              <a:rPr lang="fr-FR" sz="1400" u="none" noProof="0" dirty="0" smtClean="0">
+                <a:solidFill>
+                  <a:srgbClr val="002232"/>
+                </a:solidFill>
+                <a:latin typeface="+mn-lt"/>
+              </a:rPr>
+              <a:t>méthodologie</a:t>
+            </a:r>
+            <a:endParaRPr lang="fr-FR" sz="1400" u="none" noProof="0" dirty="0">
+              <a:solidFill>
+                <a:srgbClr val="002232"/>
+              </a:solidFill>
+              <a:latin typeface="+mn-lt"/>
+            </a:endParaRPr>
+          </a:p>
+        </p:txBody>
+      </p:sp>
+      <p:sp>
+        <p:nvSpPr>
+          <p:cNvPr id="14" name="Text Box 20"/>
+          <p:cNvSpPr txBox="1">
+            <a:spLocks noChangeArrowheads="1"/>
+          </p:cNvSpPr>
+          <p:nvPr userDrawn="1"/>
+        </p:nvSpPr>
+        <p:spPr bwMode="auto">
+          <a:xfrm>
+            <a:off x="369615" y="2924944"/>
+            <a:ext cx="1289584" cy="276999"/>
+          </a:xfrm>
+          <a:prstGeom prst="rect">
+            <a:avLst/>
+          </a:prstGeom>
+          <a:noFill/>
+          <a:ln w="9525">
+            <a:noFill/>
+            <a:miter lim="800000"/>
+            <a:headEnd/>
+            <a:tailEnd/>
+          </a:ln>
+          <a:effectLst/>
+        </p:spPr>
+        <p:txBody>
+          <a:bodyPr wrap="none">
+            <a:spAutoFit/>
+          </a:bodyPr>
+          <a:lstStyle/>
+          <a:p>
+            <a:pPr>
+              <a:buFont typeface="Arial" pitchFamily="34" charset="0"/>
+              <a:buChar char="•"/>
+            </a:pPr>
+            <a:r>
+              <a:rPr lang="en-US" sz="1200" u="none" dirty="0" smtClean="0">
+                <a:solidFill>
+                  <a:srgbClr val="002232"/>
+                </a:solidFill>
+                <a:latin typeface="+mn-lt"/>
+              </a:rPr>
+              <a:t> Charlotte GALZY</a:t>
+            </a:r>
+          </a:p>
+        </p:txBody>
+      </p:sp>
+      <p:sp>
+        <p:nvSpPr>
+          <p:cNvPr id="16" name="Espace réservé du numéro de diapositive 5"/>
+          <p:cNvSpPr>
+            <a:spLocks noGrp="1"/>
+          </p:cNvSpPr>
+          <p:nvPr>
+            <p:ph type="sldNum" sz="quarter" idx="4"/>
+          </p:nvPr>
+        </p:nvSpPr>
+        <p:spPr>
+          <a:xfrm>
+            <a:off x="6553200" y="6356350"/>
+            <a:ext cx="2133600" cy="365125"/>
+          </a:xfrm>
+          <a:prstGeom prst="rect">
+            <a:avLst/>
+          </a:prstGeom>
+        </p:spPr>
+        <p:txBody>
+          <a:bodyPr vert="horz" lIns="91440" tIns="45720" rIns="91440" bIns="45720" rtlCol="0" anchor="ctr"/>
+          <a:lstStyle>
+            <a:lvl1pPr algn="r">
+              <a:defRPr sz="1200" b="1">
+                <a:solidFill>
+                  <a:srgbClr val="002232"/>
+                </a:solidFill>
+              </a:defRPr>
+            </a:lvl1pPr>
+          </a:lstStyle>
+          <a:p>
+            <a:r>
+              <a:rPr lang="fr-FR" dirty="0" smtClean="0"/>
+              <a:t>Groupe 2 : Diapositive </a:t>
+            </a:r>
+            <a:fld id="{DD0687C1-896A-4A7D-8F8C-EE6B0ED28203}" type="slidenum">
+              <a:rPr lang="fr-FR" smtClean="0"/>
+              <a:pPr/>
+              <a:t>‹N°›</a:t>
+            </a:fld>
+            <a:r>
+              <a:rPr lang="fr-FR" dirty="0" smtClean="0"/>
+              <a:t> / X</a:t>
+            </a:r>
+            <a:endParaRPr lang="fr-FR" dirty="0"/>
+          </a:p>
+        </p:txBody>
+      </p:sp>
+      <p:sp>
+        <p:nvSpPr>
+          <p:cNvPr id="17" name="Espace réservé du contenu 2"/>
+          <p:cNvSpPr>
+            <a:spLocks noGrp="1"/>
+          </p:cNvSpPr>
+          <p:nvPr>
+            <p:ph idx="1"/>
+          </p:nvPr>
+        </p:nvSpPr>
+        <p:spPr>
+          <a:xfrm>
+            <a:off x="1979712" y="1916832"/>
+            <a:ext cx="6707088" cy="4209331"/>
+          </a:xfrm>
+        </p:spPr>
+        <p:txBody>
+          <a:bodyPr/>
+          <a:lstStyle/>
+          <a:p>
+            <a:pPr lvl="0"/>
+            <a:r>
+              <a:rPr lang="fr-FR" dirty="0" smtClean="0"/>
+              <a:t>Cliquez pour modifier les styles du texte du masque</a:t>
+            </a:r>
+          </a:p>
+          <a:p>
+            <a:pPr lvl="1"/>
+            <a:r>
+              <a:rPr lang="fr-FR" dirty="0" smtClean="0"/>
+              <a:t>Deuxième niveau</a:t>
+            </a:r>
+          </a:p>
+          <a:p>
+            <a:pPr lvl="2"/>
+            <a:r>
+              <a:rPr lang="fr-FR" dirty="0" smtClean="0"/>
+              <a:t>Troisième niveau</a:t>
+            </a:r>
+          </a:p>
+          <a:p>
+            <a:pPr lvl="3"/>
+            <a:r>
+              <a:rPr lang="fr-FR" dirty="0" smtClean="0"/>
+              <a:t>Quatrième niveau</a:t>
+            </a:r>
+          </a:p>
+          <a:p>
+            <a:pPr lvl="4"/>
+            <a:r>
+              <a:rPr lang="fr-FR" dirty="0" smtClean="0"/>
+              <a:t>Cinquième niveau</a:t>
+            </a:r>
+            <a:endParaRPr lang="fr-FR" dirty="0"/>
+          </a:p>
+        </p:txBody>
+      </p:sp>
+      <p:sp>
+        <p:nvSpPr>
+          <p:cNvPr id="18" name="ZoneTexte 14"/>
+          <p:cNvSpPr txBox="1">
+            <a:spLocks noChangeArrowheads="1"/>
+          </p:cNvSpPr>
+          <p:nvPr userDrawn="1"/>
+        </p:nvSpPr>
+        <p:spPr bwMode="auto">
+          <a:xfrm>
+            <a:off x="1835696" y="1556792"/>
+            <a:ext cx="1986826" cy="369332"/>
+          </a:xfrm>
+          <a:prstGeom prst="rect">
+            <a:avLst/>
+          </a:prstGeom>
+          <a:noFill/>
+          <a:ln w="9525">
+            <a:noFill/>
+            <a:miter lim="800000"/>
+            <a:headEnd/>
+            <a:tailEnd/>
+          </a:ln>
+        </p:spPr>
+        <p:txBody>
+          <a:bodyPr wrap="none">
+            <a:spAutoFit/>
+          </a:bodyPr>
+          <a:lstStyle/>
+          <a:p>
+            <a:r>
+              <a:rPr lang="fr-FR" sz="1800" b="1" dirty="0" smtClean="0">
+                <a:solidFill>
+                  <a:srgbClr val="002232"/>
+                </a:solidFill>
+                <a:latin typeface="+mn-lt"/>
+              </a:rPr>
+              <a:t>Solution</a:t>
+            </a:r>
+            <a:r>
+              <a:rPr lang="fr-FR" sz="1800" b="1" baseline="0" dirty="0" smtClean="0">
+                <a:solidFill>
+                  <a:srgbClr val="002232"/>
+                </a:solidFill>
+                <a:latin typeface="+mn-lt"/>
+              </a:rPr>
+              <a:t> technique</a:t>
+            </a:r>
+            <a:endParaRPr lang="fr-FR" sz="1800" b="1" dirty="0">
+              <a:solidFill>
+                <a:srgbClr val="002232"/>
+              </a:solidFill>
+              <a:latin typeface="+mn-lt"/>
+            </a:endParaRPr>
+          </a:p>
+        </p:txBody>
+      </p:sp>
+      <p:sp>
+        <p:nvSpPr>
+          <p:cNvPr id="19" name="ZoneTexte 14"/>
+          <p:cNvSpPr txBox="1">
+            <a:spLocks noChangeArrowheads="1"/>
+          </p:cNvSpPr>
+          <p:nvPr userDrawn="1"/>
+        </p:nvSpPr>
+        <p:spPr bwMode="auto">
+          <a:xfrm>
+            <a:off x="107504" y="1556792"/>
+            <a:ext cx="953210" cy="369332"/>
+          </a:xfrm>
+          <a:prstGeom prst="rect">
+            <a:avLst/>
+          </a:prstGeom>
+          <a:noFill/>
+          <a:ln w="9525">
+            <a:noFill/>
+            <a:miter lim="800000"/>
+            <a:headEnd/>
+            <a:tailEnd/>
+          </a:ln>
+        </p:spPr>
+        <p:txBody>
+          <a:bodyPr wrap="none">
+            <a:spAutoFit/>
+          </a:bodyPr>
+          <a:lstStyle/>
+          <a:p>
+            <a:r>
+              <a:rPr lang="fr-FR" sz="1800" b="1" dirty="0" smtClean="0">
+                <a:solidFill>
+                  <a:srgbClr val="002232"/>
+                </a:solidFill>
+                <a:latin typeface="+mn-lt"/>
+              </a:rPr>
+              <a:t>PARTIES</a:t>
+            </a:r>
+            <a:endParaRPr lang="fr-FR" sz="1800" b="1" dirty="0">
+              <a:solidFill>
+                <a:srgbClr val="002232"/>
+              </a:solidFill>
+              <a:latin typeface="+mn-lt"/>
+            </a:endParaRPr>
+          </a:p>
+        </p:txBody>
+      </p:sp>
+    </p:spTree>
+  </p:cSld>
+  <p:clrMapOvr>
+    <a:masterClrMapping/>
+  </p:clrMapOvr>
+  <p:timing>
+    <p:tnLst>
+      <p:par>
+        <p:cTn id="1" dur="indefinite" restart="never" nodeType="tmRoot"/>
+      </p:par>
+    </p:tnLst>
+  </p:timing>
 </p:sldLayout>
 </file>
 
@@ -1506,10 +2275,9 @@
           <a:bodyPr/>
           <a:lstStyle/>
           <a:p>
-            <a:fld id="{0A90FFF3-2E21-4070-BE91-A74CB3DF92AD}" type="datetimeFigureOut">
-              <a:rPr lang="fr-FR" smtClean="0"/>
-              <a:pPr/>
-              <a:t>13/02/2011</a:t>
+            <a:fld id="{6937E032-EB51-4D6C-8527-C0CC400D03CD}" type="datetimeFigureOut">
+              <a:rPr lang="fr-FR" smtClean="0"/>
+              <a:t>20/02/2011</a:t>
             </a:fld>
             <a:endParaRPr lang="fr-FR"/>
           </a:p>
@@ -1549,9 +2317,8 @@
           <a:bodyPr/>
           <a:lstStyle/>
           <a:p>
-            <a:fld id="{5B4DBDC1-9E1A-4073-9BE6-F88C98AF088D}" type="slidenum">
-              <a:rPr lang="fr-FR" smtClean="0"/>
-              <a:pPr/>
+            <a:fld id="{B2CC150D-48D4-4BF4-A733-ED24346DA9FE}" type="slidenum">
+              <a:rPr lang="fr-FR" smtClean="0"/>
               <a:t>‹N°›</a:t>
             </a:fld>
             <a:endParaRPr lang="fr-FR"/>
@@ -1595,15 +2362,15 @@
         </p:nvSpPr>
         <p:spPr>
           <a:xfrm>
-            <a:off x="855239" y="5217894"/>
-            <a:ext cx="9202738" cy="1612735"/>
+            <a:off x="722313" y="4406900"/>
+            <a:ext cx="7772400" cy="1362075"/>
           </a:xfrm>
         </p:spPr>
         <p:txBody>
           <a:bodyPr anchor="t"/>
           <a:lstStyle>
             <a:lvl1pPr algn="l">
-              <a:defRPr sz="4500" b="1" cap="all"/>
+              <a:defRPr sz="4000" b="1" cap="all"/>
             </a:lvl1pPr>
           </a:lstStyle>
           <a:p>
@@ -1627,24 +2394,14 @@
         </p:nvSpPr>
         <p:spPr>
           <a:xfrm>
-            <a:off x="855239" y="3441632"/>
-            <a:ext cx="9202738" cy="1776263"/>
+            <a:off x="722313" y="2906713"/>
+            <a:ext cx="7772400" cy="1500187"/>
           </a:xfrm>
         </p:spPr>
         <p:txBody>
           <a:bodyPr anchor="b"/>
           <a:lstStyle>
             <a:lvl1pPr marL="0" indent="0">
-              <a:buNone/>
-              <a:defRPr sz="2300">
-                <a:solidFill>
-                  <a:schemeClr val="tx1">
-                    <a:tint val="75000"/>
-                  </a:schemeClr>
-                </a:solidFill>
-              </a:defRPr>
-            </a:lvl1pPr>
-            <a:lvl2pPr marL="516727" indent="0">
               <a:buNone/>
               <a:defRPr sz="2000">
                 <a:solidFill>
@@ -1653,8 +2410,8 @@
                   </a:schemeClr>
                 </a:solidFill>
               </a:defRPr>
-            </a:lvl2pPr>
-            <a:lvl3pPr marL="1033455" indent="0">
+            </a:lvl1pPr>
+            <a:lvl2pPr marL="457200" indent="0">
               <a:buNone/>
               <a:defRPr sz="1800">
                 <a:solidFill>
@@ -1663,8 +2420,8 @@
                   </a:schemeClr>
                 </a:solidFill>
               </a:defRPr>
-            </a:lvl3pPr>
-            <a:lvl4pPr marL="1550182" indent="0">
+            </a:lvl2pPr>
+            <a:lvl3pPr marL="914400" indent="0">
               <a:buNone/>
               <a:defRPr sz="1600">
                 <a:solidFill>
@@ -1673,10 +2430,20 @@
                   </a:schemeClr>
                 </a:solidFill>
               </a:defRPr>
+            </a:lvl3pPr>
+            <a:lvl4pPr marL="1371600" indent="0">
+              <a:buNone/>
+              <a:defRPr sz="1400">
+                <a:solidFill>
+                  <a:schemeClr val="tx1">
+                    <a:tint val="75000"/>
+                  </a:schemeClr>
+                </a:solidFill>
+              </a:defRPr>
             </a:lvl4pPr>
-            <a:lvl5pPr marL="2066910" indent="0">
+            <a:lvl5pPr marL="1828800" indent="0">
               <a:buNone/>
-              <a:defRPr sz="1600">
+              <a:defRPr sz="1400">
                 <a:solidFill>
                   <a:schemeClr val="tx1">
                     <a:tint val="75000"/>
@@ -1684,9 +2451,9 @@
                 </a:solidFill>
               </a:defRPr>
             </a:lvl5pPr>
-            <a:lvl6pPr marL="2583637" indent="0">
+            <a:lvl6pPr marL="2286000" indent="0">
               <a:buNone/>
-              <a:defRPr sz="1600">
+              <a:defRPr sz="1400">
                 <a:solidFill>
                   <a:schemeClr val="tx1">
                     <a:tint val="75000"/>
@@ -1694,9 +2461,9 @@
                 </a:solidFill>
               </a:defRPr>
             </a:lvl6pPr>
-            <a:lvl7pPr marL="3100365" indent="0">
+            <a:lvl7pPr marL="2743200" indent="0">
               <a:buNone/>
-              <a:defRPr sz="1600">
+              <a:defRPr sz="1400">
                 <a:solidFill>
                   <a:schemeClr val="tx1">
                     <a:tint val="75000"/>
@@ -1704,9 +2471,9 @@
                 </a:solidFill>
               </a:defRPr>
             </a:lvl7pPr>
-            <a:lvl8pPr marL="3617092" indent="0">
+            <a:lvl8pPr marL="3200400" indent="0">
               <a:buNone/>
-              <a:defRPr sz="1600">
+              <a:defRPr sz="1400">
                 <a:solidFill>
                   <a:schemeClr val="tx1">
                     <a:tint val="75000"/>
@@ -1714,9 +2481,9 @@
                 </a:solidFill>
               </a:defRPr>
             </a:lvl8pPr>
-            <a:lvl9pPr marL="4133820" indent="0">
+            <a:lvl9pPr marL="3657600" indent="0">
               <a:buNone/>
-              <a:defRPr sz="1600">
+              <a:defRPr sz="1400">
                 <a:solidFill>
                   <a:schemeClr val="tx1">
                     <a:tint val="75000"/>
@@ -1749,10 +2516,9 @@
           <a:bodyPr/>
           <a:lstStyle/>
           <a:p>
-            <a:fld id="{0A90FFF3-2E21-4070-BE91-A74CB3DF92AD}" type="datetimeFigureOut">
-              <a:rPr lang="fr-FR" smtClean="0"/>
-              <a:pPr/>
-              <a:t>13/02/2011</a:t>
+            <a:fld id="{6937E032-EB51-4D6C-8527-C0CC400D03CD}" type="datetimeFigureOut">
+              <a:rPr lang="fr-FR" smtClean="0"/>
+              <a:t>20/02/2011</a:t>
             </a:fld>
             <a:endParaRPr lang="fr-FR"/>
           </a:p>
@@ -1792,9 +2558,8 @@
           <a:bodyPr/>
           <a:lstStyle/>
           <a:p>
-            <a:fld id="{5B4DBDC1-9E1A-4073-9BE6-F88C98AF088D}" type="slidenum">
-              <a:rPr lang="fr-FR" smtClean="0"/>
-              <a:pPr/>
+            <a:fld id="{B2CC150D-48D4-4BF4-A733-ED24346DA9FE}" type="slidenum">
+              <a:rPr lang="fr-FR" smtClean="0"/>
               <a:t>‹N°›</a:t>
             </a:fld>
             <a:endParaRPr lang="fr-FR"/>
@@ -1861,39 +2626,39 @@
         </p:nvSpPr>
         <p:spPr>
           <a:xfrm>
-            <a:off x="541337" y="1894684"/>
-            <a:ext cx="4781815" cy="5358866"/>
+            <a:off x="457200" y="1600200"/>
+            <a:ext cx="4038600" cy="4525963"/>
           </a:xfrm>
         </p:spPr>
         <p:txBody>
           <a:bodyPr/>
           <a:lstStyle>
             <a:lvl1pPr>
-              <a:defRPr sz="3200"/>
+              <a:defRPr sz="2800"/>
             </a:lvl1pPr>
             <a:lvl2pPr>
-              <a:defRPr sz="2700"/>
+              <a:defRPr sz="2400"/>
             </a:lvl2pPr>
             <a:lvl3pPr>
-              <a:defRPr sz="2300"/>
+              <a:defRPr sz="2000"/>
             </a:lvl3pPr>
             <a:lvl4pPr>
-              <a:defRPr sz="2000"/>
+              <a:defRPr sz="1800"/>
             </a:lvl4pPr>
             <a:lvl5pPr>
-              <a:defRPr sz="2000"/>
+              <a:defRPr sz="1800"/>
             </a:lvl5pPr>
             <a:lvl6pPr>
-              <a:defRPr sz="2000"/>
+              <a:defRPr sz="1800"/>
             </a:lvl6pPr>
             <a:lvl7pPr>
-              <a:defRPr sz="2000"/>
+              <a:defRPr sz="1800"/>
             </a:lvl7pPr>
             <a:lvl8pPr>
-              <a:defRPr sz="2000"/>
+              <a:defRPr sz="1800"/>
             </a:lvl8pPr>
             <a:lvl9pPr>
-              <a:defRPr sz="2000"/>
+              <a:defRPr sz="1800"/>
             </a:lvl9pPr>
           </a:lstStyle>
           <a:p>
@@ -1946,39 +2711,39 @@
         </p:nvSpPr>
         <p:spPr>
           <a:xfrm>
-            <a:off x="5503598" y="1894684"/>
-            <a:ext cx="4781815" cy="5358866"/>
+            <a:off x="4648200" y="1600200"/>
+            <a:ext cx="4038600" cy="4525963"/>
           </a:xfrm>
         </p:spPr>
         <p:txBody>
           <a:bodyPr/>
           <a:lstStyle>
             <a:lvl1pPr>
-              <a:defRPr sz="3200"/>
+              <a:defRPr sz="2800"/>
             </a:lvl1pPr>
             <a:lvl2pPr>
-              <a:defRPr sz="2700"/>
+              <a:defRPr sz="2400"/>
             </a:lvl2pPr>
             <a:lvl3pPr>
-              <a:defRPr sz="2300"/>
+              <a:defRPr sz="2000"/>
             </a:lvl3pPr>
             <a:lvl4pPr>
-              <a:defRPr sz="2000"/>
+              <a:defRPr sz="1800"/>
             </a:lvl4pPr>
             <a:lvl5pPr>
-              <a:defRPr sz="2000"/>
+              <a:defRPr sz="1800"/>
             </a:lvl5pPr>
             <a:lvl6pPr>
-              <a:defRPr sz="2000"/>
+              <a:defRPr sz="1800"/>
             </a:lvl6pPr>
             <a:lvl7pPr>
-              <a:defRPr sz="2000"/>
+              <a:defRPr sz="1800"/>
             </a:lvl7pPr>
             <a:lvl8pPr>
-              <a:defRPr sz="2000"/>
+              <a:defRPr sz="1800"/>
             </a:lvl8pPr>
             <a:lvl9pPr>
-              <a:defRPr sz="2000"/>
+              <a:defRPr sz="1800"/>
             </a:lvl9pPr>
           </a:lstStyle>
           <a:p>
@@ -2034,10 +2799,9 @@
           <a:bodyPr/>
           <a:lstStyle/>
           <a:p>
-            <a:fld id="{0A90FFF3-2E21-4070-BE91-A74CB3DF92AD}" type="datetimeFigureOut">
-              <a:rPr lang="fr-FR" smtClean="0"/>
-              <a:pPr/>
-              <a:t>13/02/2011</a:t>
+            <a:fld id="{6937E032-EB51-4D6C-8527-C0CC400D03CD}" type="datetimeFigureOut">
+              <a:rPr lang="fr-FR" smtClean="0"/>
+              <a:t>20/02/2011</a:t>
             </a:fld>
             <a:endParaRPr lang="fr-FR"/>
           </a:p>
@@ -2077,9 +2841,8 @@
           <a:bodyPr/>
           <a:lstStyle/>
           <a:p>
-            <a:fld id="{5B4DBDC1-9E1A-4073-9BE6-F88C98AF088D}" type="slidenum">
-              <a:rPr lang="fr-FR" smtClean="0"/>
-              <a:pPr/>
+            <a:fld id="{B2CC150D-48D4-4BF4-A733-ED24346DA9FE}" type="slidenum">
+              <a:rPr lang="fr-FR" smtClean="0"/>
               <a:t>‹N°›</a:t>
             </a:fld>
             <a:endParaRPr lang="fr-FR"/>
@@ -2150,8 +2913,8 @@
         </p:nvSpPr>
         <p:spPr>
           <a:xfrm>
-            <a:off x="541339" y="1817617"/>
-            <a:ext cx="4783694" cy="757496"/>
+            <a:off x="457200" y="1535113"/>
+            <a:ext cx="4040188" cy="639762"/>
           </a:xfrm>
         </p:spPr>
         <p:txBody>
@@ -2159,39 +2922,39 @@
           <a:lstStyle>
             <a:lvl1pPr marL="0" indent="0">
               <a:buNone/>
-              <a:defRPr sz="2700" b="1"/>
+              <a:defRPr sz="2400" b="1"/>
             </a:lvl1pPr>
-            <a:lvl2pPr marL="516727" indent="0">
-              <a:buNone/>
-              <a:defRPr sz="2300" b="1"/>
-            </a:lvl2pPr>
-            <a:lvl3pPr marL="1033455" indent="0">
+            <a:lvl2pPr marL="457200" indent="0">
               <a:buNone/>
               <a:defRPr sz="2000" b="1"/>
-            </a:lvl3pPr>
-            <a:lvl4pPr marL="1550182" indent="0">
+            </a:lvl2pPr>
+            <a:lvl3pPr marL="914400" indent="0">
               <a:buNone/>
               <a:defRPr sz="1800" b="1"/>
+            </a:lvl3pPr>
+            <a:lvl4pPr marL="1371600" indent="0">
+              <a:buNone/>
+              <a:defRPr sz="1600" b="1"/>
             </a:lvl4pPr>
-            <a:lvl5pPr marL="2066910" indent="0">
+            <a:lvl5pPr marL="1828800" indent="0">
               <a:buNone/>
-              <a:defRPr sz="1800" b="1"/>
+              <a:defRPr sz="1600" b="1"/>
             </a:lvl5pPr>
-            <a:lvl6pPr marL="2583637" indent="0">
+            <a:lvl6pPr marL="2286000" indent="0">
               <a:buNone/>
-              <a:defRPr sz="1800" b="1"/>
+              <a:defRPr sz="1600" b="1"/>
             </a:lvl6pPr>
-            <a:lvl7pPr marL="3100365" indent="0">
+            <a:lvl7pPr marL="2743200" indent="0">
               <a:buNone/>
-              <a:defRPr sz="1800" b="1"/>
+              <a:defRPr sz="1600" b="1"/>
             </a:lvl7pPr>
-            <a:lvl8pPr marL="3617092" indent="0">
+            <a:lvl8pPr marL="3200400" indent="0">
               <a:buNone/>
-              <a:defRPr sz="1800" b="1"/>
+              <a:defRPr sz="1600" b="1"/>
             </a:lvl8pPr>
-            <a:lvl9pPr marL="4133820" indent="0">
+            <a:lvl9pPr marL="3657600" indent="0">
               <a:buNone/>
-              <a:defRPr sz="1800" b="1"/>
+              <a:defRPr sz="1600" b="1"/>
             </a:lvl9pPr>
           </a:lstStyle>
           <a:p>
@@ -2215,39 +2978,39 @@
         </p:nvSpPr>
         <p:spPr>
           <a:xfrm>
-            <a:off x="541339" y="2575113"/>
-            <a:ext cx="4783694" cy="4678435"/>
+            <a:off x="457200" y="2174875"/>
+            <a:ext cx="4040188" cy="3951288"/>
           </a:xfrm>
         </p:spPr>
         <p:txBody>
           <a:bodyPr/>
           <a:lstStyle>
             <a:lvl1pPr>
-              <a:defRPr sz="2700"/>
+              <a:defRPr sz="2400"/>
             </a:lvl1pPr>
             <a:lvl2pPr>
-              <a:defRPr sz="2300"/>
+              <a:defRPr sz="2000"/>
             </a:lvl2pPr>
             <a:lvl3pPr>
-              <a:defRPr sz="2000"/>
+              <a:defRPr sz="1800"/>
             </a:lvl3pPr>
             <a:lvl4pPr>
-              <a:defRPr sz="1800"/>
+              <a:defRPr sz="1600"/>
             </a:lvl4pPr>
             <a:lvl5pPr>
-              <a:defRPr sz="1800"/>
+              <a:defRPr sz="1600"/>
             </a:lvl5pPr>
             <a:lvl6pPr>
-              <a:defRPr sz="1800"/>
+              <a:defRPr sz="1600"/>
             </a:lvl6pPr>
             <a:lvl7pPr>
-              <a:defRPr sz="1800"/>
+              <a:defRPr sz="1600"/>
             </a:lvl7pPr>
             <a:lvl8pPr>
-              <a:defRPr sz="1800"/>
+              <a:defRPr sz="1600"/>
             </a:lvl8pPr>
             <a:lvl9pPr>
-              <a:defRPr sz="1800"/>
+              <a:defRPr sz="1600"/>
             </a:lvl9pPr>
           </a:lstStyle>
           <a:p>
@@ -2300,8 +3063,8 @@
         </p:nvSpPr>
         <p:spPr>
           <a:xfrm>
-            <a:off x="5499841" y="1817617"/>
-            <a:ext cx="4785574" cy="757496"/>
+            <a:off x="4645025" y="1535113"/>
+            <a:ext cx="4041775" cy="639762"/>
           </a:xfrm>
         </p:spPr>
         <p:txBody>
@@ -2309,39 +3072,39 @@
           <a:lstStyle>
             <a:lvl1pPr marL="0" indent="0">
               <a:buNone/>
-              <a:defRPr sz="2700" b="1"/>
+              <a:defRPr sz="2400" b="1"/>
             </a:lvl1pPr>
-            <a:lvl2pPr marL="516727" indent="0">
-              <a:buNone/>
-              <a:defRPr sz="2300" b="1"/>
-            </a:lvl2pPr>
-            <a:lvl3pPr marL="1033455" indent="0">
+            <a:lvl2pPr marL="457200" indent="0">
               <a:buNone/>
               <a:defRPr sz="2000" b="1"/>
-            </a:lvl3pPr>
-            <a:lvl4pPr marL="1550182" indent="0">
+            </a:lvl2pPr>
+            <a:lvl3pPr marL="914400" indent="0">
               <a:buNone/>
               <a:defRPr sz="1800" b="1"/>
+            </a:lvl3pPr>
+            <a:lvl4pPr marL="1371600" indent="0">
+              <a:buNone/>
+              <a:defRPr sz="1600" b="1"/>
             </a:lvl4pPr>
-            <a:lvl5pPr marL="2066910" indent="0">
+            <a:lvl5pPr marL="1828800" indent="0">
               <a:buNone/>
-              <a:defRPr sz="1800" b="1"/>
+              <a:defRPr sz="1600" b="1"/>
             </a:lvl5pPr>
-            <a:lvl6pPr marL="2583637" indent="0">
+            <a:lvl6pPr marL="2286000" indent="0">
               <a:buNone/>
-              <a:defRPr sz="1800" b="1"/>
+              <a:defRPr sz="1600" b="1"/>
             </a:lvl6pPr>
-            <a:lvl7pPr marL="3100365" indent="0">
+            <a:lvl7pPr marL="2743200" indent="0">
               <a:buNone/>
-              <a:defRPr sz="1800" b="1"/>
+              <a:defRPr sz="1600" b="1"/>
             </a:lvl7pPr>
-            <a:lvl8pPr marL="3617092" indent="0">
+            <a:lvl8pPr marL="3200400" indent="0">
               <a:buNone/>
-              <a:defRPr sz="1800" b="1"/>
+              <a:defRPr sz="1600" b="1"/>
             </a:lvl8pPr>
-            <a:lvl9pPr marL="4133820" indent="0">
+            <a:lvl9pPr marL="3657600" indent="0">
               <a:buNone/>
-              <a:defRPr sz="1800" b="1"/>
+              <a:defRPr sz="1600" b="1"/>
             </a:lvl9pPr>
           </a:lstStyle>
           <a:p>
@@ -2365,39 +3128,39 @@
         </p:nvSpPr>
         <p:spPr>
           <a:xfrm>
-            <a:off x="5499841" y="2575113"/>
-            <a:ext cx="4785574" cy="4678435"/>
+            <a:off x="4645025" y="2174875"/>
+            <a:ext cx="4041775" cy="3951288"/>
           </a:xfrm>
         </p:spPr>
         <p:txBody>
           <a:bodyPr/>
           <a:lstStyle>
             <a:lvl1pPr>
-              <a:defRPr sz="2700"/>
+              <a:defRPr sz="2400"/>
             </a:lvl1pPr>
             <a:lvl2pPr>
-              <a:defRPr sz="2300"/>
+              <a:defRPr sz="2000"/>
             </a:lvl2pPr>
             <a:lvl3pPr>
-              <a:defRPr sz="2000"/>
+              <a:defRPr sz="1800"/>
             </a:lvl3pPr>
             <a:lvl4pPr>
-              <a:defRPr sz="1800"/>
+              <a:defRPr sz="1600"/>
             </a:lvl4pPr>
             <a:lvl5pPr>
-              <a:defRPr sz="1800"/>
+              <a:defRPr sz="1600"/>
             </a:lvl5pPr>
             <a:lvl6pPr>
-              <a:defRPr sz="1800"/>
+              <a:defRPr sz="1600"/>
             </a:lvl6pPr>
             <a:lvl7pPr>
-              <a:defRPr sz="1800"/>
+              <a:defRPr sz="1600"/>
             </a:lvl7pPr>
             <a:lvl8pPr>
-              <a:defRPr sz="1800"/>
+              <a:defRPr sz="1600"/>
             </a:lvl8pPr>
             <a:lvl9pPr>
-              <a:defRPr sz="1800"/>
+              <a:defRPr sz="1600"/>
             </a:lvl9pPr>
           </a:lstStyle>
           <a:p>
@@ -2453,10 +3216,9 @@
           <a:bodyPr/>
           <a:lstStyle/>
           <a:p>
-            <a:fld id="{0A90FFF3-2E21-4070-BE91-A74CB3DF92AD}" type="datetimeFigureOut">
-              <a:rPr lang="fr-FR" smtClean="0"/>
-              <a:pPr/>
-              <a:t>13/02/2011</a:t>
+            <a:fld id="{6937E032-EB51-4D6C-8527-C0CC400D03CD}" type="datetimeFigureOut">
+              <a:rPr lang="fr-FR" smtClean="0"/>
+              <a:t>20/02/2011</a:t>
             </a:fld>
             <a:endParaRPr lang="fr-FR"/>
           </a:p>
@@ -2496,9 +3258,8 @@
           <a:bodyPr/>
           <a:lstStyle/>
           <a:p>
-            <a:fld id="{5B4DBDC1-9E1A-4073-9BE6-F88C98AF088D}" type="slidenum">
-              <a:rPr lang="fr-FR" smtClean="0"/>
-              <a:pPr/>
+            <a:fld id="{B2CC150D-48D4-4BF4-A733-ED24346DA9FE}" type="slidenum">
+              <a:rPr lang="fr-FR" smtClean="0"/>
               <a:t>‹N°›</a:t>
             </a:fld>
             <a:endParaRPr lang="fr-FR"/>
@@ -2568,10 +3329,9 @@
           <a:bodyPr/>
           <a:lstStyle/>
           <a:p>
-            <a:fld id="{0A90FFF3-2E21-4070-BE91-A74CB3DF92AD}" type="datetimeFigureOut">
-              <a:rPr lang="fr-FR" smtClean="0"/>
-              <a:pPr/>
-              <a:t>13/02/2011</a:t>
+            <a:fld id="{6937E032-EB51-4D6C-8527-C0CC400D03CD}" type="datetimeFigureOut">
+              <a:rPr lang="fr-FR" smtClean="0"/>
+              <a:t>20/02/2011</a:t>
             </a:fld>
             <a:endParaRPr lang="fr-FR"/>
           </a:p>
@@ -2611,9 +3371,8 @@
           <a:bodyPr/>
           <a:lstStyle/>
           <a:p>
-            <a:fld id="{5B4DBDC1-9E1A-4073-9BE6-F88C98AF088D}" type="slidenum">
-              <a:rPr lang="fr-FR" smtClean="0"/>
-              <a:pPr/>
+            <a:fld id="{B2CC150D-48D4-4BF4-A733-ED24346DA9FE}" type="slidenum">
+              <a:rPr lang="fr-FR" smtClean="0"/>
               <a:t>‹N°›</a:t>
             </a:fld>
             <a:endParaRPr lang="fr-FR"/>
@@ -2660,10 +3419,9 @@
           <a:bodyPr/>
           <a:lstStyle/>
           <a:p>
-            <a:fld id="{0A90FFF3-2E21-4070-BE91-A74CB3DF92AD}" type="datetimeFigureOut">
-              <a:rPr lang="fr-FR" smtClean="0"/>
-              <a:pPr/>
-              <a:t>13/02/2011</a:t>
+            <a:fld id="{6937E032-EB51-4D6C-8527-C0CC400D03CD}" type="datetimeFigureOut">
+              <a:rPr lang="fr-FR" smtClean="0"/>
+              <a:t>20/02/2011</a:t>
             </a:fld>
             <a:endParaRPr lang="fr-FR"/>
           </a:p>
@@ -2703,9 +3461,8 @@
           <a:bodyPr/>
           <a:lstStyle/>
           <a:p>
-            <a:fld id="{5B4DBDC1-9E1A-4073-9BE6-F88C98AF088D}" type="slidenum">
-              <a:rPr lang="fr-FR" smtClean="0"/>
-              <a:pPr/>
+            <a:fld id="{B2CC150D-48D4-4BF4-A733-ED24346DA9FE}" type="slidenum">
+              <a:rPr lang="fr-FR" smtClean="0"/>
               <a:t>‹N°›</a:t>
             </a:fld>
             <a:endParaRPr lang="fr-FR"/>
@@ -2749,15 +3506,15 @@
         </p:nvSpPr>
         <p:spPr>
           <a:xfrm>
-            <a:off x="541340" y="323299"/>
-            <a:ext cx="3561926" cy="1375900"/>
+            <a:off x="457200" y="273050"/>
+            <a:ext cx="3008313" cy="1162050"/>
           </a:xfrm>
         </p:spPr>
         <p:txBody>
           <a:bodyPr anchor="b"/>
           <a:lstStyle>
             <a:lvl1pPr algn="l">
-              <a:defRPr sz="2300" b="1"/>
+              <a:defRPr sz="2000" b="1"/>
             </a:lvl1pPr>
           </a:lstStyle>
           <a:p>
@@ -2781,39 +3538,39 @@
         </p:nvSpPr>
         <p:spPr>
           <a:xfrm>
-            <a:off x="4232960" y="323302"/>
-            <a:ext cx="6052455" cy="6930249"/>
+            <a:off x="3575050" y="273050"/>
+            <a:ext cx="5111750" cy="5853113"/>
           </a:xfrm>
         </p:spPr>
         <p:txBody>
           <a:bodyPr/>
           <a:lstStyle>
             <a:lvl1pPr>
-              <a:defRPr sz="3600"/>
+              <a:defRPr sz="3200"/>
             </a:lvl1pPr>
             <a:lvl2pPr>
-              <a:defRPr sz="3200"/>
+              <a:defRPr sz="2800"/>
             </a:lvl2pPr>
             <a:lvl3pPr>
-              <a:defRPr sz="2700"/>
+              <a:defRPr sz="2400"/>
             </a:lvl3pPr>
             <a:lvl4pPr>
-              <a:defRPr sz="2300"/>
+              <a:defRPr sz="2000"/>
             </a:lvl4pPr>
             <a:lvl5pPr>
-              <a:defRPr sz="2300"/>
+              <a:defRPr sz="2000"/>
             </a:lvl5pPr>
             <a:lvl6pPr>
-              <a:defRPr sz="2300"/>
+              <a:defRPr sz="2000"/>
             </a:lvl6pPr>
             <a:lvl7pPr>
-              <a:defRPr sz="2300"/>
+              <a:defRPr sz="2000"/>
             </a:lvl7pPr>
             <a:lvl8pPr>
-              <a:defRPr sz="2300"/>
+              <a:defRPr sz="2000"/>
             </a:lvl8pPr>
             <a:lvl9pPr>
-              <a:defRPr sz="2300"/>
+              <a:defRPr sz="2000"/>
             </a:lvl9pPr>
           </a:lstStyle>
           <a:p>
@@ -2866,8 +3623,8 @@
         </p:nvSpPr>
         <p:spPr>
           <a:xfrm>
-            <a:off x="541340" y="1699201"/>
-            <a:ext cx="3561926" cy="5554349"/>
+            <a:off x="457200" y="1435100"/>
+            <a:ext cx="3008313" cy="4691063"/>
           </a:xfrm>
         </p:spPr>
         <p:txBody>
@@ -2875,39 +3632,39 @@
           <a:lstStyle>
             <a:lvl1pPr marL="0" indent="0">
               <a:buNone/>
-              <a:defRPr sz="1600"/>
+              <a:defRPr sz="1400"/>
             </a:lvl1pPr>
-            <a:lvl2pPr marL="516727" indent="0">
+            <a:lvl2pPr marL="457200" indent="0">
               <a:buNone/>
-              <a:defRPr sz="1400"/>
+              <a:defRPr sz="1200"/>
             </a:lvl2pPr>
-            <a:lvl3pPr marL="1033455" indent="0">
-              <a:buNone/>
-              <a:defRPr sz="1100"/>
-            </a:lvl3pPr>
-            <a:lvl4pPr marL="1550182" indent="0">
+            <a:lvl3pPr marL="914400" indent="0">
               <a:buNone/>
               <a:defRPr sz="1000"/>
+            </a:lvl3pPr>
+            <a:lvl4pPr marL="1371600" indent="0">
+              <a:buNone/>
+              <a:defRPr sz="900"/>
             </a:lvl4pPr>
-            <a:lvl5pPr marL="2066910" indent="0">
+            <a:lvl5pPr marL="1828800" indent="0">
               <a:buNone/>
-              <a:defRPr sz="1000"/>
+              <a:defRPr sz="900"/>
             </a:lvl5pPr>
-            <a:lvl6pPr marL="2583637" indent="0">
+            <a:lvl6pPr marL="2286000" indent="0">
               <a:buNone/>
-              <a:defRPr sz="1000"/>
+              <a:defRPr sz="900"/>
             </a:lvl6pPr>
-            <a:lvl7pPr marL="3100365" indent="0">
+            <a:lvl7pPr marL="2743200" indent="0">
               <a:buNone/>
-              <a:defRPr sz="1000"/>
+              <a:defRPr sz="900"/>
             </a:lvl7pPr>
-            <a:lvl8pPr marL="3617092" indent="0">
+            <a:lvl8pPr marL="3200400" indent="0">
               <a:buNone/>
-              <a:defRPr sz="1000"/>
+              <a:defRPr sz="900"/>
             </a:lvl8pPr>
-            <a:lvl9pPr marL="4133820" indent="0">
+            <a:lvl9pPr marL="3657600" indent="0">
               <a:buNone/>
-              <a:defRPr sz="1000"/>
+              <a:defRPr sz="900"/>
             </a:lvl9pPr>
           </a:lstStyle>
           <a:p>
@@ -2934,10 +3691,9 @@
           <a:bodyPr/>
           <a:lstStyle/>
           <a:p>
-            <a:fld id="{0A90FFF3-2E21-4070-BE91-A74CB3DF92AD}" type="datetimeFigureOut">
-              <a:rPr lang="fr-FR" smtClean="0"/>
-              <a:pPr/>
-              <a:t>13/02/2011</a:t>
+            <a:fld id="{6937E032-EB51-4D6C-8527-C0CC400D03CD}" type="datetimeFigureOut">
+              <a:rPr lang="fr-FR" smtClean="0"/>
+              <a:t>20/02/2011</a:t>
             </a:fld>
             <a:endParaRPr lang="fr-FR"/>
           </a:p>
@@ -2977,9 +3733,8 @@
           <a:bodyPr/>
           <a:lstStyle/>
           <a:p>
-            <a:fld id="{5B4DBDC1-9E1A-4073-9BE6-F88C98AF088D}" type="slidenum">
-              <a:rPr lang="fr-FR" smtClean="0"/>
-              <a:pPr/>
+            <a:fld id="{B2CC150D-48D4-4BF4-A733-ED24346DA9FE}" type="slidenum">
+              <a:rPr lang="fr-FR" smtClean="0"/>
               <a:t>‹N°›</a:t>
             </a:fld>
             <a:endParaRPr lang="fr-FR"/>
@@ -3023,15 +3778,15 @@
         </p:nvSpPr>
         <p:spPr>
           <a:xfrm>
-            <a:off x="2122118" y="5684045"/>
-            <a:ext cx="6496050" cy="671034"/>
+            <a:off x="1792288" y="4800600"/>
+            <a:ext cx="5486400" cy="566738"/>
           </a:xfrm>
         </p:spPr>
         <p:txBody>
           <a:bodyPr anchor="b"/>
           <a:lstStyle>
             <a:lvl1pPr algn="l">
-              <a:defRPr sz="2300" b="1"/>
+              <a:defRPr sz="2000" b="1"/>
             </a:lvl1pPr>
           </a:lstStyle>
           <a:p>
@@ -3055,8 +3810,8 @@
         </p:nvSpPr>
         <p:spPr>
           <a:xfrm>
-            <a:off x="2122118" y="725543"/>
-            <a:ext cx="6496050" cy="4872038"/>
+            <a:off x="1792288" y="612775"/>
+            <a:ext cx="5486400" cy="4114800"/>
           </a:xfrm>
         </p:spPr>
         <p:txBody>
@@ -3064,39 +3819,39 @@
           <a:lstStyle>
             <a:lvl1pPr marL="0" indent="0">
               <a:buNone/>
-              <a:defRPr sz="3600"/>
+              <a:defRPr sz="3200"/>
             </a:lvl1pPr>
-            <a:lvl2pPr marL="516727" indent="0">
+            <a:lvl2pPr marL="457200" indent="0">
               <a:buNone/>
-              <a:defRPr sz="3200"/>
+              <a:defRPr sz="2800"/>
             </a:lvl2pPr>
-            <a:lvl3pPr marL="1033455" indent="0">
+            <a:lvl3pPr marL="914400" indent="0">
               <a:buNone/>
-              <a:defRPr sz="2700"/>
+              <a:defRPr sz="2400"/>
             </a:lvl3pPr>
-            <a:lvl4pPr marL="1550182" indent="0">
+            <a:lvl4pPr marL="1371600" indent="0">
               <a:buNone/>
-              <a:defRPr sz="2300"/>
+              <a:defRPr sz="2000"/>
             </a:lvl4pPr>
-            <a:lvl5pPr marL="2066910" indent="0">
+            <a:lvl5pPr marL="1828800" indent="0">
               <a:buNone/>
-              <a:defRPr sz="2300"/>
+              <a:defRPr sz="2000"/>
             </a:lvl5pPr>
-            <a:lvl6pPr marL="2583637" indent="0">
+            <a:lvl6pPr marL="2286000" indent="0">
               <a:buNone/>
-              <a:defRPr sz="2300"/>
+              <a:defRPr sz="2000"/>
             </a:lvl6pPr>
-            <a:lvl7pPr marL="3100365" indent="0">
+            <a:lvl7pPr marL="2743200" indent="0">
               <a:buNone/>
-              <a:defRPr sz="2300"/>
+              <a:defRPr sz="2000"/>
             </a:lvl7pPr>
-            <a:lvl8pPr marL="3617092" indent="0">
+            <a:lvl8pPr marL="3200400" indent="0">
               <a:buNone/>
-              <a:defRPr sz="2300"/>
+              <a:defRPr sz="2000"/>
             </a:lvl8pPr>
-            <a:lvl9pPr marL="4133820" indent="0">
+            <a:lvl9pPr marL="3657600" indent="0">
               <a:buNone/>
-              <a:defRPr sz="2300"/>
+              <a:defRPr sz="2000"/>
             </a:lvl9pPr>
           </a:lstStyle>
           <a:p>
@@ -3116,8 +3871,8 @@
         </p:nvSpPr>
         <p:spPr>
           <a:xfrm>
-            <a:off x="2122118" y="6355079"/>
-            <a:ext cx="6496050" cy="952979"/>
+            <a:off x="1792288" y="5367338"/>
+            <a:ext cx="5486400" cy="804862"/>
           </a:xfrm>
         </p:spPr>
         <p:txBody>
@@ -3125,39 +3880,39 @@
           <a:lstStyle>
             <a:lvl1pPr marL="0" indent="0">
               <a:buNone/>
-              <a:defRPr sz="1600"/>
+              <a:defRPr sz="1400"/>
             </a:lvl1pPr>
-            <a:lvl2pPr marL="516727" indent="0">
+            <a:lvl2pPr marL="457200" indent="0">
               <a:buNone/>
-              <a:defRPr sz="1400"/>
+              <a:defRPr sz="1200"/>
             </a:lvl2pPr>
-            <a:lvl3pPr marL="1033455" indent="0">
-              <a:buNone/>
-              <a:defRPr sz="1100"/>
-            </a:lvl3pPr>
-            <a:lvl4pPr marL="1550182" indent="0">
+            <a:lvl3pPr marL="914400" indent="0">
               <a:buNone/>
               <a:defRPr sz="1000"/>
+            </a:lvl3pPr>
+            <a:lvl4pPr marL="1371600" indent="0">
+              <a:buNone/>
+              <a:defRPr sz="900"/>
             </a:lvl4pPr>
-            <a:lvl5pPr marL="2066910" indent="0">
+            <a:lvl5pPr marL="1828800" indent="0">
               <a:buNone/>
-              <a:defRPr sz="1000"/>
+              <a:defRPr sz="900"/>
             </a:lvl5pPr>
-            <a:lvl6pPr marL="2583637" indent="0">
+            <a:lvl6pPr marL="2286000" indent="0">
               <a:buNone/>
-              <a:defRPr sz="1000"/>
+              <a:defRPr sz="900"/>
             </a:lvl6pPr>
-            <a:lvl7pPr marL="3100365" indent="0">
+            <a:lvl7pPr marL="2743200" indent="0">
               <a:buNone/>
-              <a:defRPr sz="1000"/>
+              <a:defRPr sz="900"/>
             </a:lvl7pPr>
-            <a:lvl8pPr marL="3617092" indent="0">
+            <a:lvl8pPr marL="3200400" indent="0">
               <a:buNone/>
-              <a:defRPr sz="1000"/>
+              <a:defRPr sz="900"/>
             </a:lvl8pPr>
-            <a:lvl9pPr marL="4133820" indent="0">
+            <a:lvl9pPr marL="3657600" indent="0">
               <a:buNone/>
-              <a:defRPr sz="1000"/>
+              <a:defRPr sz="900"/>
             </a:lvl9pPr>
           </a:lstStyle>
           <a:p>
@@ -3184,10 +3939,9 @@
           <a:bodyPr/>
           <a:lstStyle/>
           <a:p>
-            <a:fld id="{0A90FFF3-2E21-4070-BE91-A74CB3DF92AD}" type="datetimeFigureOut">
-              <a:rPr lang="fr-FR" smtClean="0"/>
-              <a:pPr/>
-              <a:t>13/02/2011</a:t>
+            <a:fld id="{6937E032-EB51-4D6C-8527-C0CC400D03CD}" type="datetimeFigureOut">
+              <a:rPr lang="fr-FR" smtClean="0"/>
+              <a:t>20/02/2011</a:t>
             </a:fld>
             <a:endParaRPr lang="fr-FR"/>
           </a:p>
@@ -3227,9 +3981,8 @@
           <a:bodyPr/>
           <a:lstStyle/>
           <a:p>
-            <a:fld id="{5B4DBDC1-9E1A-4073-9BE6-F88C98AF088D}" type="slidenum">
-              <a:rPr lang="fr-FR" smtClean="0"/>
-              <a:pPr/>
+            <a:fld id="{B2CC150D-48D4-4BF4-A733-ED24346DA9FE}" type="slidenum">
+              <a:rPr lang="fr-FR" smtClean="0"/>
               <a:t>‹N°›</a:t>
             </a:fld>
             <a:endParaRPr lang="fr-FR"/>
@@ -3278,15 +4031,15 @@
         </p:nvSpPr>
         <p:spPr>
           <a:xfrm>
-            <a:off x="541338" y="325179"/>
-            <a:ext cx="9744075" cy="1353344"/>
+            <a:off x="457200" y="274638"/>
+            <a:ext cx="8229600" cy="1143000"/>
           </a:xfrm>
           <a:prstGeom prst="rect">
             <a:avLst/>
           </a:prstGeom>
         </p:spPr>
         <p:txBody>
-          <a:bodyPr vert="horz" lIns="103345" tIns="51673" rIns="103345" bIns="51673" rtlCol="0" anchor="ctr">
+          <a:bodyPr vert="horz" lIns="91440" tIns="45720" rIns="91440" bIns="45720" rtlCol="0" anchor="ctr">
             <a:normAutofit/>
           </a:bodyPr>
           <a:lstStyle/>
@@ -3311,15 +4064,15 @@
         </p:nvSpPr>
         <p:spPr>
           <a:xfrm>
-            <a:off x="541338" y="1894684"/>
-            <a:ext cx="9744075" cy="5358866"/>
+            <a:off x="457200" y="1600200"/>
+            <a:ext cx="8229600" cy="4525963"/>
           </a:xfrm>
           <a:prstGeom prst="rect">
             <a:avLst/>
           </a:prstGeom>
         </p:spPr>
         <p:txBody>
-          <a:bodyPr vert="horz" lIns="103345" tIns="51673" rIns="103345" bIns="51673" rtlCol="0">
+          <a:bodyPr vert="horz" lIns="91440" tIns="45720" rIns="91440" bIns="45720" rtlCol="0">
             <a:normAutofit/>
           </a:bodyPr>
           <a:lstStyle/>
@@ -3373,18 +4126,18 @@
         </p:nvSpPr>
         <p:spPr>
           <a:xfrm>
-            <a:off x="541337" y="7526098"/>
-            <a:ext cx="2526242" cy="432318"/>
+            <a:off x="457200" y="6356350"/>
+            <a:ext cx="2133600" cy="365125"/>
           </a:xfrm>
           <a:prstGeom prst="rect">
             <a:avLst/>
           </a:prstGeom>
         </p:spPr>
         <p:txBody>
-          <a:bodyPr vert="horz" lIns="103345" tIns="51673" rIns="103345" bIns="51673" rtlCol="0" anchor="ctr"/>
+          <a:bodyPr vert="horz" lIns="91440" tIns="45720" rIns="91440" bIns="45720" rtlCol="0" anchor="ctr"/>
           <a:lstStyle>
             <a:lvl1pPr algn="l">
-              <a:defRPr sz="1400">
+              <a:defRPr sz="1200">
                 <a:solidFill>
                   <a:schemeClr val="tx1">
                     <a:tint val="75000"/>
@@ -3394,10 +4147,9 @@
             </a:lvl1pPr>
           </a:lstStyle>
           <a:p>
-            <a:fld id="{0A90FFF3-2E21-4070-BE91-A74CB3DF92AD}" type="datetimeFigureOut">
-              <a:rPr lang="fr-FR" smtClean="0"/>
-              <a:pPr/>
-              <a:t>13/02/2011</a:t>
+            <a:fld id="{6937E032-EB51-4D6C-8527-C0CC400D03CD}" type="datetimeFigureOut">
+              <a:rPr lang="fr-FR" smtClean="0"/>
+              <a:t>20/02/2011</a:t>
             </a:fld>
             <a:endParaRPr lang="fr-FR"/>
           </a:p>
@@ -3415,18 +4167,18 @@
         </p:nvSpPr>
         <p:spPr>
           <a:xfrm>
-            <a:off x="3699140" y="7526098"/>
-            <a:ext cx="3428471" cy="432318"/>
+            <a:off x="3124200" y="6356350"/>
+            <a:ext cx="2895600" cy="365125"/>
           </a:xfrm>
           <a:prstGeom prst="rect">
             <a:avLst/>
           </a:prstGeom>
         </p:spPr>
         <p:txBody>
-          <a:bodyPr vert="horz" lIns="103345" tIns="51673" rIns="103345" bIns="51673" rtlCol="0" anchor="ctr"/>
+          <a:bodyPr vert="horz" lIns="91440" tIns="45720" rIns="91440" bIns="45720" rtlCol="0" anchor="ctr"/>
           <a:lstStyle>
             <a:lvl1pPr algn="ctr">
-              <a:defRPr sz="1400">
+              <a:defRPr sz="1200">
                 <a:solidFill>
                   <a:schemeClr val="tx1">
                     <a:tint val="75000"/>
@@ -3452,18 +4204,18 @@
         </p:nvSpPr>
         <p:spPr>
           <a:xfrm>
-            <a:off x="7759171" y="7526098"/>
-            <a:ext cx="2526242" cy="432318"/>
+            <a:off x="6553200" y="6356350"/>
+            <a:ext cx="2133600" cy="365125"/>
           </a:xfrm>
           <a:prstGeom prst="rect">
             <a:avLst/>
           </a:prstGeom>
         </p:spPr>
         <p:txBody>
-          <a:bodyPr vert="horz" lIns="103345" tIns="51673" rIns="103345" bIns="51673" rtlCol="0" anchor="ctr"/>
+          <a:bodyPr vert="horz" lIns="91440" tIns="45720" rIns="91440" bIns="45720" rtlCol="0" anchor="ctr"/>
           <a:lstStyle>
             <a:lvl1pPr algn="r">
-              <a:defRPr sz="1400">
+              <a:defRPr sz="1200">
                 <a:solidFill>
                   <a:schemeClr val="tx1">
                     <a:tint val="75000"/>
@@ -3473,9 +4225,8 @@
             </a:lvl1pPr>
           </a:lstStyle>
           <a:p>
-            <a:fld id="{5B4DBDC1-9E1A-4073-9BE6-F88C98AF088D}" type="slidenum">
-              <a:rPr lang="fr-FR" smtClean="0"/>
-              <a:pPr/>
+            <a:fld id="{B2CC150D-48D4-4BF4-A733-ED24346DA9FE}" type="slidenum">
+              <a:rPr lang="fr-FR" smtClean="0"/>
               <a:t>‹N°›</a:t>
             </a:fld>
             <a:endParaRPr lang="fr-FR"/>
@@ -3497,15 +4248,16 @@
     <p:sldLayoutId id="2147483657" r:id="rId9"/>
     <p:sldLayoutId id="2147483658" r:id="rId10"/>
     <p:sldLayoutId id="2147483659" r:id="rId11"/>
+    <p:sldLayoutId id="2147483660" r:id="rId12"/>
   </p:sldLayoutIdLst>
   <p:txStyles>
     <p:titleStyle>
-      <a:lvl1pPr algn="ctr" defTabSz="1033455" rtl="0" eaLnBrk="1" latinLnBrk="0" hangingPunct="1">
+      <a:lvl1pPr algn="ctr" defTabSz="914400" rtl="0" eaLnBrk="1" latinLnBrk="0" hangingPunct="1">
         <a:spcBef>
           <a:spcPct val="0"/>
         </a:spcBef>
         <a:buNone/>
-        <a:defRPr sz="5000" kern="1200">
+        <a:defRPr sz="4400" kern="1200">
           <a:solidFill>
             <a:schemeClr val="tx1"/>
           </a:solidFill>
@@ -3516,13 +4268,13 @@
       </a:lvl1pPr>
     </p:titleStyle>
     <p:bodyStyle>
-      <a:lvl1pPr marL="387546" indent="-387546" algn="l" defTabSz="1033455" rtl="0" eaLnBrk="1" latinLnBrk="0" hangingPunct="1">
+      <a:lvl1pPr marL="342900" indent="-342900" algn="l" defTabSz="914400" rtl="0" eaLnBrk="1" latinLnBrk="0" hangingPunct="1">
         <a:spcBef>
           <a:spcPct val="20000"/>
         </a:spcBef>
         <a:buFont typeface="Arial" pitchFamily="34" charset="0"/>
         <a:buChar char="•"/>
-        <a:defRPr sz="3600" kern="1200">
+        <a:defRPr sz="3200" kern="1200">
           <a:solidFill>
             <a:schemeClr val="tx1"/>
           </a:solidFill>
@@ -3531,13 +4283,13 @@
           <a:cs typeface="+mn-cs"/>
         </a:defRPr>
       </a:lvl1pPr>
-      <a:lvl2pPr marL="839682" indent="-322955" algn="l" defTabSz="1033455" rtl="0" eaLnBrk="1" latinLnBrk="0" hangingPunct="1">
+      <a:lvl2pPr marL="742950" indent="-285750" algn="l" defTabSz="914400" rtl="0" eaLnBrk="1" latinLnBrk="0" hangingPunct="1">
         <a:spcBef>
           <a:spcPct val="20000"/>
         </a:spcBef>
         <a:buFont typeface="Arial" pitchFamily="34" charset="0"/>
         <a:buChar char="–"/>
-        <a:defRPr sz="3200" kern="1200">
+        <a:defRPr sz="2800" kern="1200">
           <a:solidFill>
             <a:schemeClr val="tx1"/>
           </a:solidFill>
@@ -3546,13 +4298,13 @@
           <a:cs typeface="+mn-cs"/>
         </a:defRPr>
       </a:lvl2pPr>
-      <a:lvl3pPr marL="1291819" indent="-258364" algn="l" defTabSz="1033455" rtl="0" eaLnBrk="1" latinLnBrk="0" hangingPunct="1">
+      <a:lvl3pPr marL="1143000" indent="-228600" algn="l" defTabSz="914400" rtl="0" eaLnBrk="1" latinLnBrk="0" hangingPunct="1">
         <a:spcBef>
           <a:spcPct val="20000"/>
         </a:spcBef>
         <a:buFont typeface="Arial" pitchFamily="34" charset="0"/>
         <a:buChar char="•"/>
-        <a:defRPr sz="2700" kern="1200">
+        <a:defRPr sz="2400" kern="1200">
           <a:solidFill>
             <a:schemeClr val="tx1"/>
           </a:solidFill>
@@ -3561,13 +4313,13 @@
           <a:cs typeface="+mn-cs"/>
         </a:defRPr>
       </a:lvl3pPr>
-      <a:lvl4pPr marL="1808546" indent="-258364" algn="l" defTabSz="1033455" rtl="0" eaLnBrk="1" latinLnBrk="0" hangingPunct="1">
+      <a:lvl4pPr marL="1600200" indent="-228600" algn="l" defTabSz="914400" rtl="0" eaLnBrk="1" latinLnBrk="0" hangingPunct="1">
         <a:spcBef>
           <a:spcPct val="20000"/>
         </a:spcBef>
         <a:buFont typeface="Arial" pitchFamily="34" charset="0"/>
         <a:buChar char="–"/>
-        <a:defRPr sz="2300" kern="1200">
+        <a:defRPr sz="2000" kern="1200">
           <a:solidFill>
             <a:schemeClr val="tx1"/>
           </a:solidFill>
@@ -3576,13 +4328,13 @@
           <a:cs typeface="+mn-cs"/>
         </a:defRPr>
       </a:lvl4pPr>
-      <a:lvl5pPr marL="2325273" indent="-258364" algn="l" defTabSz="1033455" rtl="0" eaLnBrk="1" latinLnBrk="0" hangingPunct="1">
+      <a:lvl5pPr marL="2057400" indent="-228600" algn="l" defTabSz="914400" rtl="0" eaLnBrk="1" latinLnBrk="0" hangingPunct="1">
         <a:spcBef>
           <a:spcPct val="20000"/>
         </a:spcBef>
         <a:buFont typeface="Arial" pitchFamily="34" charset="0"/>
         <a:buChar char="»"/>
-        <a:defRPr sz="2300" kern="1200">
+        <a:defRPr sz="2000" kern="1200">
           <a:solidFill>
             <a:schemeClr val="tx1"/>
           </a:solidFill>
@@ -3591,13 +4343,13 @@
           <a:cs typeface="+mn-cs"/>
         </a:defRPr>
       </a:lvl5pPr>
-      <a:lvl6pPr marL="2842001" indent="-258364" algn="l" defTabSz="1033455" rtl="0" eaLnBrk="1" latinLnBrk="0" hangingPunct="1">
+      <a:lvl6pPr marL="2514600" indent="-228600" algn="l" defTabSz="914400" rtl="0" eaLnBrk="1" latinLnBrk="0" hangingPunct="1">
         <a:spcBef>
           <a:spcPct val="20000"/>
         </a:spcBef>
         <a:buFont typeface="Arial" pitchFamily="34" charset="0"/>
         <a:buChar char="•"/>
-        <a:defRPr sz="2300" kern="1200">
+        <a:defRPr sz="2000" kern="1200">
           <a:solidFill>
             <a:schemeClr val="tx1"/>
           </a:solidFill>
@@ -3606,13 +4358,13 @@
           <a:cs typeface="+mn-cs"/>
         </a:defRPr>
       </a:lvl6pPr>
-      <a:lvl7pPr marL="3358728" indent="-258364" algn="l" defTabSz="1033455" rtl="0" eaLnBrk="1" latinLnBrk="0" hangingPunct="1">
+      <a:lvl7pPr marL="2971800" indent="-228600" algn="l" defTabSz="914400" rtl="0" eaLnBrk="1" latinLnBrk="0" hangingPunct="1">
         <a:spcBef>
           <a:spcPct val="20000"/>
         </a:spcBef>
         <a:buFont typeface="Arial" pitchFamily="34" charset="0"/>
         <a:buChar char="•"/>
-        <a:defRPr sz="2300" kern="1200">
+        <a:defRPr sz="2000" kern="1200">
           <a:solidFill>
             <a:schemeClr val="tx1"/>
           </a:solidFill>
@@ -3621,13 +4373,13 @@
           <a:cs typeface="+mn-cs"/>
         </a:defRPr>
       </a:lvl7pPr>
-      <a:lvl8pPr marL="3875456" indent="-258364" algn="l" defTabSz="1033455" rtl="0" eaLnBrk="1" latinLnBrk="0" hangingPunct="1">
+      <a:lvl8pPr marL="3429000" indent="-228600" algn="l" defTabSz="914400" rtl="0" eaLnBrk="1" latinLnBrk="0" hangingPunct="1">
         <a:spcBef>
           <a:spcPct val="20000"/>
         </a:spcBef>
         <a:buFont typeface="Arial" pitchFamily="34" charset="0"/>
         <a:buChar char="•"/>
-        <a:defRPr sz="2300" kern="1200">
+        <a:defRPr sz="2000" kern="1200">
           <a:solidFill>
             <a:schemeClr val="tx1"/>
           </a:solidFill>
@@ -3636,13 +4388,13 @@
           <a:cs typeface="+mn-cs"/>
         </a:defRPr>
       </a:lvl8pPr>
-      <a:lvl9pPr marL="4392183" indent="-258364" algn="l" defTabSz="1033455" rtl="0" eaLnBrk="1" latinLnBrk="0" hangingPunct="1">
+      <a:lvl9pPr marL="3886200" indent="-228600" algn="l" defTabSz="914400" rtl="0" eaLnBrk="1" latinLnBrk="0" hangingPunct="1">
         <a:spcBef>
           <a:spcPct val="20000"/>
         </a:spcBef>
         <a:buFont typeface="Arial" pitchFamily="34" charset="0"/>
         <a:buChar char="•"/>
-        <a:defRPr sz="2300" kern="1200">
+        <a:defRPr sz="2000" kern="1200">
           <a:solidFill>
             <a:schemeClr val="tx1"/>
           </a:solidFill>
@@ -3656,8 +4408,8 @@
       <a:defPPr>
         <a:defRPr lang="fr-FR"/>
       </a:defPPr>
-      <a:lvl1pPr marL="0" algn="l" defTabSz="1033455" rtl="0" eaLnBrk="1" latinLnBrk="0" hangingPunct="1">
-        <a:defRPr sz="2000" kern="1200">
+      <a:lvl1pPr marL="0" algn="l" defTabSz="914400" rtl="0" eaLnBrk="1" latinLnBrk="0" hangingPunct="1">
+        <a:defRPr sz="1800" kern="1200">
           <a:solidFill>
             <a:schemeClr val="tx1"/>
           </a:solidFill>
@@ -3666,8 +4418,8 @@
           <a:cs typeface="+mn-cs"/>
         </a:defRPr>
       </a:lvl1pPr>
-      <a:lvl2pPr marL="516727" algn="l" defTabSz="1033455" rtl="0" eaLnBrk="1" latinLnBrk="0" hangingPunct="1">
-        <a:defRPr sz="2000" kern="1200">
+      <a:lvl2pPr marL="457200" algn="l" defTabSz="914400" rtl="0" eaLnBrk="1" latinLnBrk="0" hangingPunct="1">
+        <a:defRPr sz="1800" kern="1200">
           <a:solidFill>
             <a:schemeClr val="tx1"/>
           </a:solidFill>
@@ -3676,8 +4428,8 @@
           <a:cs typeface="+mn-cs"/>
         </a:defRPr>
       </a:lvl2pPr>
-      <a:lvl3pPr marL="1033455" algn="l" defTabSz="1033455" rtl="0" eaLnBrk="1" latinLnBrk="0" hangingPunct="1">
-        <a:defRPr sz="2000" kern="1200">
+      <a:lvl3pPr marL="914400" algn="l" defTabSz="914400" rtl="0" eaLnBrk="1" latinLnBrk="0" hangingPunct="1">
+        <a:defRPr sz="1800" kern="1200">
           <a:solidFill>
             <a:schemeClr val="tx1"/>
           </a:solidFill>
@@ -3686,8 +4438,8 @@
           <a:cs typeface="+mn-cs"/>
         </a:defRPr>
       </a:lvl3pPr>
-      <a:lvl4pPr marL="1550182" algn="l" defTabSz="1033455" rtl="0" eaLnBrk="1" latinLnBrk="0" hangingPunct="1">
-        <a:defRPr sz="2000" kern="1200">
+      <a:lvl4pPr marL="1371600" algn="l" defTabSz="914400" rtl="0" eaLnBrk="1" latinLnBrk="0" hangingPunct="1">
+        <a:defRPr sz="1800" kern="1200">
           <a:solidFill>
             <a:schemeClr val="tx1"/>
           </a:solidFill>
@@ -3696,8 +4448,8 @@
           <a:cs typeface="+mn-cs"/>
         </a:defRPr>
       </a:lvl4pPr>
-      <a:lvl5pPr marL="2066910" algn="l" defTabSz="1033455" rtl="0" eaLnBrk="1" latinLnBrk="0" hangingPunct="1">
-        <a:defRPr sz="2000" kern="1200">
+      <a:lvl5pPr marL="1828800" algn="l" defTabSz="914400" rtl="0" eaLnBrk="1" latinLnBrk="0" hangingPunct="1">
+        <a:defRPr sz="1800" kern="1200">
           <a:solidFill>
             <a:schemeClr val="tx1"/>
           </a:solidFill>
@@ -3706,8 +4458,8 @@
           <a:cs typeface="+mn-cs"/>
         </a:defRPr>
       </a:lvl5pPr>
-      <a:lvl6pPr marL="2583637" algn="l" defTabSz="1033455" rtl="0" eaLnBrk="1" latinLnBrk="0" hangingPunct="1">
-        <a:defRPr sz="2000" kern="1200">
+      <a:lvl6pPr marL="2286000" algn="l" defTabSz="914400" rtl="0" eaLnBrk="1" latinLnBrk="0" hangingPunct="1">
+        <a:defRPr sz="1800" kern="1200">
           <a:solidFill>
             <a:schemeClr val="tx1"/>
           </a:solidFill>
@@ -3716,8 +4468,8 @@
           <a:cs typeface="+mn-cs"/>
         </a:defRPr>
       </a:lvl6pPr>
-      <a:lvl7pPr marL="3100365" algn="l" defTabSz="1033455" rtl="0" eaLnBrk="1" latinLnBrk="0" hangingPunct="1">
-        <a:defRPr sz="2000" kern="1200">
+      <a:lvl7pPr marL="2743200" algn="l" defTabSz="914400" rtl="0" eaLnBrk="1" latinLnBrk="0" hangingPunct="1">
+        <a:defRPr sz="1800" kern="1200">
           <a:solidFill>
             <a:schemeClr val="tx1"/>
           </a:solidFill>
@@ -3726,8 +4478,8 @@
           <a:cs typeface="+mn-cs"/>
         </a:defRPr>
       </a:lvl7pPr>
-      <a:lvl8pPr marL="3617092" algn="l" defTabSz="1033455" rtl="0" eaLnBrk="1" latinLnBrk="0" hangingPunct="1">
-        <a:defRPr sz="2000" kern="1200">
+      <a:lvl8pPr marL="3200400" algn="l" defTabSz="914400" rtl="0" eaLnBrk="1" latinLnBrk="0" hangingPunct="1">
+        <a:defRPr sz="1800" kern="1200">
           <a:solidFill>
             <a:schemeClr val="tx1"/>
           </a:solidFill>
@@ -3736,8 +4488,8 @@
           <a:cs typeface="+mn-cs"/>
         </a:defRPr>
       </a:lvl8pPr>
-      <a:lvl9pPr marL="4133820" algn="l" defTabSz="1033455" rtl="0" eaLnBrk="1" latinLnBrk="0" hangingPunct="1">
-        <a:defRPr sz="2000" kern="1200">
+      <a:lvl9pPr marL="3657600" algn="l" defTabSz="914400" rtl="0" eaLnBrk="1" latinLnBrk="0" hangingPunct="1">
+        <a:defRPr sz="1800" kern="1200">
           <a:solidFill>
             <a:schemeClr val="tx1"/>
           </a:solidFill>
@@ -3770,12 +4522,12 @@
       </p:grpSpPr>
       <p:sp>
         <p:nvSpPr>
-          <p:cNvPr id="2" name="Titre 1"/>
-          <p:cNvSpPr>
-            <a:spLocks noGrp="1"/>
-          </p:cNvSpPr>
-          <p:nvPr>
-            <p:ph type="title"/>
+          <p:cNvPr id="2" name="Espace réservé du numéro de diapositive 1"/>
+          <p:cNvSpPr>
+            <a:spLocks noGrp="1"/>
+          </p:cNvSpPr>
+          <p:nvPr>
+            <p:ph type="sldNum" sz="quarter" idx="4"/>
           </p:nvPr>
         </p:nvSpPr>
         <p:spPr/>
@@ -3785,7 +4537,16 @@
           <a:p>
             <a:r>
               <a:rPr lang="fr-FR" dirty="0" smtClean="0"/>
-              <a:t>Solution</a:t>
+              <a:t>Groupe 2 : Diapositive </a:t>
+            </a:r>
+            <a:fld id="{DD0687C1-896A-4A7D-8F8C-EE6B0ED28203}" type="slidenum">
+              <a:rPr lang="fr-FR" smtClean="0"/>
+              <a:pPr/>
+              <a:t>1</a:t>
+            </a:fld>
+            <a:r>
+              <a:rPr lang="fr-FR" dirty="0" smtClean="0"/>
+              <a:t> / X</a:t>
             </a:r>
             <a:endParaRPr lang="fr-FR" dirty="0"/>
           </a:p>
@@ -3793,76 +4554,222 @@
       </p:sp>
       <p:sp>
         <p:nvSpPr>
-          <p:cNvPr id="3" name="Espace réservé du contenu 2"/>
+          <p:cNvPr id="5" name="Espace réservé du contenu 2"/>
           <p:cNvSpPr>
             <a:spLocks noGrp="1"/>
           </p:cNvSpPr>
           <p:nvPr>
             <p:ph idx="1"/>
           </p:nvPr>
+        </p:nvSpPr>
+        <p:spPr>
+          <a:prstGeom prst="rect">
+            <a:avLst/>
+          </a:prstGeom>
+        </p:spPr>
+        <p:txBody>
+          <a:bodyPr vert="horz" lIns="103345" tIns="51673" rIns="103345" bIns="51673" rtlCol="0">
+            <a:normAutofit/>
+          </a:bodyPr>
+          <a:lstStyle>
+            <a:lvl1pPr marL="387546" indent="-387546" algn="l" defTabSz="1033455" rtl="0" eaLnBrk="1" latinLnBrk="0" hangingPunct="1">
+              <a:spcBef>
+                <a:spcPct val="20000"/>
+              </a:spcBef>
+              <a:buFont typeface="Arial" pitchFamily="34" charset="0"/>
+              <a:buChar char="•"/>
+              <a:defRPr sz="3600" kern="1200">
+                <a:solidFill>
+                  <a:schemeClr val="tx1"/>
+                </a:solidFill>
+                <a:latin typeface="+mn-lt"/>
+                <a:ea typeface="+mn-ea"/>
+                <a:cs typeface="+mn-cs"/>
+              </a:defRPr>
+            </a:lvl1pPr>
+            <a:lvl2pPr marL="839682" indent="-322955" algn="l" defTabSz="1033455" rtl="0" eaLnBrk="1" latinLnBrk="0" hangingPunct="1">
+              <a:spcBef>
+                <a:spcPct val="20000"/>
+              </a:spcBef>
+              <a:buFont typeface="Arial" pitchFamily="34" charset="0"/>
+              <a:buChar char="–"/>
+              <a:defRPr sz="3200" kern="1200">
+                <a:solidFill>
+                  <a:schemeClr val="tx1"/>
+                </a:solidFill>
+                <a:latin typeface="+mn-lt"/>
+                <a:ea typeface="+mn-ea"/>
+                <a:cs typeface="+mn-cs"/>
+              </a:defRPr>
+            </a:lvl2pPr>
+            <a:lvl3pPr marL="1291819" indent="-258364" algn="l" defTabSz="1033455" rtl="0" eaLnBrk="1" latinLnBrk="0" hangingPunct="1">
+              <a:spcBef>
+                <a:spcPct val="20000"/>
+              </a:spcBef>
+              <a:buFont typeface="Arial" pitchFamily="34" charset="0"/>
+              <a:buChar char="•"/>
+              <a:defRPr sz="2700" kern="1200">
+                <a:solidFill>
+                  <a:schemeClr val="tx1"/>
+                </a:solidFill>
+                <a:latin typeface="+mn-lt"/>
+                <a:ea typeface="+mn-ea"/>
+                <a:cs typeface="+mn-cs"/>
+              </a:defRPr>
+            </a:lvl3pPr>
+            <a:lvl4pPr marL="1808546" indent="-258364" algn="l" defTabSz="1033455" rtl="0" eaLnBrk="1" latinLnBrk="0" hangingPunct="1">
+              <a:spcBef>
+                <a:spcPct val="20000"/>
+              </a:spcBef>
+              <a:buFont typeface="Arial" pitchFamily="34" charset="0"/>
+              <a:buChar char="–"/>
+              <a:defRPr sz="2300" kern="1200">
+                <a:solidFill>
+                  <a:schemeClr val="tx1"/>
+                </a:solidFill>
+                <a:latin typeface="+mn-lt"/>
+                <a:ea typeface="+mn-ea"/>
+                <a:cs typeface="+mn-cs"/>
+              </a:defRPr>
+            </a:lvl4pPr>
+            <a:lvl5pPr marL="2325273" indent="-258364" algn="l" defTabSz="1033455" rtl="0" eaLnBrk="1" latinLnBrk="0" hangingPunct="1">
+              <a:spcBef>
+                <a:spcPct val="20000"/>
+              </a:spcBef>
+              <a:buFont typeface="Arial" pitchFamily="34" charset="0"/>
+              <a:buChar char="»"/>
+              <a:defRPr sz="2300" kern="1200">
+                <a:solidFill>
+                  <a:schemeClr val="tx1"/>
+                </a:solidFill>
+                <a:latin typeface="+mn-lt"/>
+                <a:ea typeface="+mn-ea"/>
+                <a:cs typeface="+mn-cs"/>
+              </a:defRPr>
+            </a:lvl5pPr>
+            <a:lvl6pPr marL="2842001" indent="-258364" algn="l" defTabSz="1033455" rtl="0" eaLnBrk="1" latinLnBrk="0" hangingPunct="1">
+              <a:spcBef>
+                <a:spcPct val="20000"/>
+              </a:spcBef>
+              <a:buFont typeface="Arial" pitchFamily="34" charset="0"/>
+              <a:buChar char="•"/>
+              <a:defRPr sz="2300" kern="1200">
+                <a:solidFill>
+                  <a:schemeClr val="tx1"/>
+                </a:solidFill>
+                <a:latin typeface="+mn-lt"/>
+                <a:ea typeface="+mn-ea"/>
+                <a:cs typeface="+mn-cs"/>
+              </a:defRPr>
+            </a:lvl6pPr>
+            <a:lvl7pPr marL="3358728" indent="-258364" algn="l" defTabSz="1033455" rtl="0" eaLnBrk="1" latinLnBrk="0" hangingPunct="1">
+              <a:spcBef>
+                <a:spcPct val="20000"/>
+              </a:spcBef>
+              <a:buFont typeface="Arial" pitchFamily="34" charset="0"/>
+              <a:buChar char="•"/>
+              <a:defRPr sz="2300" kern="1200">
+                <a:solidFill>
+                  <a:schemeClr val="tx1"/>
+                </a:solidFill>
+                <a:latin typeface="+mn-lt"/>
+                <a:ea typeface="+mn-ea"/>
+                <a:cs typeface="+mn-cs"/>
+              </a:defRPr>
+            </a:lvl7pPr>
+            <a:lvl8pPr marL="3875456" indent="-258364" algn="l" defTabSz="1033455" rtl="0" eaLnBrk="1" latinLnBrk="0" hangingPunct="1">
+              <a:spcBef>
+                <a:spcPct val="20000"/>
+              </a:spcBef>
+              <a:buFont typeface="Arial" pitchFamily="34" charset="0"/>
+              <a:buChar char="•"/>
+              <a:defRPr sz="2300" kern="1200">
+                <a:solidFill>
+                  <a:schemeClr val="tx1"/>
+                </a:solidFill>
+                <a:latin typeface="+mn-lt"/>
+                <a:ea typeface="+mn-ea"/>
+                <a:cs typeface="+mn-cs"/>
+              </a:defRPr>
+            </a:lvl8pPr>
+            <a:lvl9pPr marL="4392183" indent="-258364" algn="l" defTabSz="1033455" rtl="0" eaLnBrk="1" latinLnBrk="0" hangingPunct="1">
+              <a:spcBef>
+                <a:spcPct val="20000"/>
+              </a:spcBef>
+              <a:buFont typeface="Arial" pitchFamily="34" charset="0"/>
+              <a:buChar char="•"/>
+              <a:defRPr sz="2300" kern="1200">
+                <a:solidFill>
+                  <a:schemeClr val="tx1"/>
+                </a:solidFill>
+                <a:latin typeface="+mn-lt"/>
+                <a:ea typeface="+mn-ea"/>
+                <a:cs typeface="+mn-cs"/>
+              </a:defRPr>
+            </a:lvl9pPr>
+          </a:lstStyle>
+          <a:p>
+            <a:r>
+              <a:rPr lang="fr-FR" sz="2000" dirty="0" smtClean="0"/>
+              <a:t>ETL : </a:t>
+            </a:r>
+            <a:r>
+              <a:rPr lang="fr-FR" sz="2000" dirty="0" err="1" smtClean="0"/>
+              <a:t>Extract</a:t>
+            </a:r>
+            <a:r>
+              <a:rPr lang="fr-FR" sz="2000" dirty="0" smtClean="0"/>
+              <a:t>, </a:t>
+            </a:r>
+            <a:r>
+              <a:rPr lang="fr-FR" sz="2000" dirty="0" err="1" smtClean="0"/>
+              <a:t>Tranform</a:t>
+            </a:r>
+            <a:r>
+              <a:rPr lang="fr-FR" sz="2000" dirty="0" smtClean="0"/>
+              <a:t> and </a:t>
+            </a:r>
+            <a:r>
+              <a:rPr lang="fr-FR" sz="2000" dirty="0" err="1" smtClean="0"/>
+              <a:t>Load</a:t>
+            </a:r>
+            <a:endParaRPr lang="fr-FR" sz="2000" dirty="0" smtClean="0"/>
+          </a:p>
+          <a:p>
+            <a:endParaRPr lang="fr-FR" sz="2000" dirty="0" smtClean="0"/>
+          </a:p>
+          <a:p>
+            <a:endParaRPr lang="fr-FR" sz="2000" dirty="0" smtClean="0"/>
+          </a:p>
+          <a:p>
+            <a:endParaRPr lang="fr-FR" sz="2000" dirty="0" smtClean="0"/>
+          </a:p>
+          <a:p>
+            <a:endParaRPr lang="fr-FR" sz="2000" dirty="0" smtClean="0"/>
+          </a:p>
+          <a:p>
+            <a:endParaRPr lang="fr-FR" sz="2000" dirty="0"/>
+          </a:p>
+          <a:p>
+            <a:r>
+              <a:rPr lang="fr-FR" sz="2000" dirty="0" smtClean="0"/>
+              <a:t>Outil de restitution : mise en forme des données</a:t>
+            </a:r>
+          </a:p>
+          <a:p>
+            <a:endParaRPr lang="fr-FR" sz="2000" dirty="0" smtClean="0"/>
+          </a:p>
+        </p:txBody>
+      </p:sp>
+      <p:sp>
+        <p:nvSpPr>
+          <p:cNvPr id="6" name="Ellipse 5"/>
+          <p:cNvSpPr/>
+          <p:nvPr/>
         </p:nvSpPr>
         <p:spPr>
           <a:xfrm>
-            <a:off x="516831" y="1899791"/>
-            <a:ext cx="9744075" cy="5358866"/>
-          </a:xfrm>
-        </p:spPr>
-        <p:txBody>
-          <a:bodyPr/>
-          <a:lstStyle/>
-          <a:p>
-            <a:r>
-              <a:rPr lang="fr-FR" dirty="0" smtClean="0"/>
-              <a:t>ETL : </a:t>
-            </a:r>
-            <a:r>
-              <a:rPr lang="fr-FR" dirty="0" err="1" smtClean="0"/>
-              <a:t>Extract</a:t>
-            </a:r>
-            <a:r>
-              <a:rPr lang="fr-FR" dirty="0" smtClean="0"/>
-              <a:t>, </a:t>
-            </a:r>
-            <a:r>
-              <a:rPr lang="fr-FR" dirty="0" err="1" smtClean="0"/>
-              <a:t>Tranform</a:t>
-            </a:r>
-            <a:r>
-              <a:rPr lang="fr-FR" dirty="0" smtClean="0"/>
-              <a:t> and </a:t>
-            </a:r>
-            <a:r>
-              <a:rPr lang="fr-FR" dirty="0" err="1" smtClean="0"/>
-              <a:t>Load</a:t>
-            </a:r>
-            <a:endParaRPr lang="fr-FR" dirty="0" smtClean="0"/>
-          </a:p>
-          <a:p>
-            <a:endParaRPr lang="fr-FR" dirty="0" smtClean="0"/>
-          </a:p>
-          <a:p>
-            <a:endParaRPr lang="fr-FR" dirty="0" smtClean="0"/>
-          </a:p>
-          <a:p>
-            <a:endParaRPr lang="fr-FR" dirty="0" smtClean="0"/>
-          </a:p>
-          <a:p>
-            <a:r>
-              <a:rPr lang="fr-FR" dirty="0" smtClean="0"/>
-              <a:t>Outil de restitution : mise en forme des données</a:t>
-            </a:r>
-          </a:p>
-        </p:txBody>
-      </p:sp>
-      <p:sp>
-        <p:nvSpPr>
-          <p:cNvPr id="9" name="Ellipse 8"/>
-          <p:cNvSpPr/>
-          <p:nvPr/>
-        </p:nvSpPr>
-        <p:spPr>
-          <a:xfrm>
-            <a:off x="4333255" y="3123927"/>
+            <a:off x="4333255" y="2802412"/>
             <a:ext cx="792088" cy="504056"/>
           </a:xfrm>
           <a:prstGeom prst="ellipse">
@@ -3900,57 +4807,13 @@
       </p:sp>
       <p:sp>
         <p:nvSpPr>
-          <p:cNvPr id="13" name="Cylindre 12"/>
+          <p:cNvPr id="8" name="Flèche droite 7"/>
           <p:cNvSpPr/>
           <p:nvPr/>
         </p:nvSpPr>
         <p:spPr>
-          <a:xfrm>
-            <a:off x="3037111" y="3483967"/>
-            <a:ext cx="576064" cy="648072"/>
-          </a:xfrm>
-          <a:prstGeom prst="can">
-            <a:avLst/>
-          </a:prstGeom>
-        </p:spPr>
-        <p:style>
-          <a:lnRef idx="2">
-            <a:schemeClr val="accent4">
-              <a:shade val="50000"/>
-            </a:schemeClr>
-          </a:lnRef>
-          <a:fillRef idx="1">
-            <a:schemeClr val="accent4"/>
-          </a:fillRef>
-          <a:effectRef idx="0">
-            <a:schemeClr val="accent4"/>
-          </a:effectRef>
-          <a:fontRef idx="minor">
-            <a:schemeClr val="lt1"/>
-          </a:fontRef>
-        </p:style>
-        <p:txBody>
-          <a:bodyPr rtlCol="0" anchor="ctr"/>
-          <a:lstStyle/>
-          <a:p>
-            <a:pPr algn="ctr"/>
-            <a:r>
-              <a:rPr lang="fr-FR" sz="1200" dirty="0" smtClean="0"/>
-              <a:t>BDD2</a:t>
-            </a:r>
-            <a:endParaRPr lang="fr-FR" sz="1200" dirty="0"/>
-          </a:p>
-        </p:txBody>
-      </p:sp>
-      <p:sp>
-        <p:nvSpPr>
-          <p:cNvPr id="14" name="Flèche droite 13"/>
-          <p:cNvSpPr/>
-          <p:nvPr/>
-        </p:nvSpPr>
-        <p:spPr>
           <a:xfrm rot="1261768">
-            <a:off x="3735217" y="3112689"/>
+            <a:off x="3735217" y="2791174"/>
             <a:ext cx="504056" cy="216024"/>
           </a:xfrm>
           <a:prstGeom prst="rightArrow">
@@ -3984,13 +4847,13 @@
       </p:sp>
       <p:sp>
         <p:nvSpPr>
-          <p:cNvPr id="15" name="Flèche droite 14"/>
+          <p:cNvPr id="9" name="Flèche droite 8"/>
           <p:cNvSpPr/>
           <p:nvPr/>
         </p:nvSpPr>
         <p:spPr>
           <a:xfrm rot="20774759">
-            <a:off x="3738737" y="3571159"/>
+            <a:off x="3738737" y="3249644"/>
             <a:ext cx="504056" cy="216024"/>
           </a:xfrm>
           <a:prstGeom prst="rightArrow">
@@ -4024,13 +4887,13 @@
       </p:sp>
       <p:sp>
         <p:nvSpPr>
-          <p:cNvPr id="16" name="Cylindre 15"/>
+          <p:cNvPr id="10" name="Cylindre 9"/>
           <p:cNvSpPr/>
           <p:nvPr/>
         </p:nvSpPr>
         <p:spPr>
           <a:xfrm>
-            <a:off x="5853807" y="2979911"/>
+            <a:off x="5853807" y="2658396"/>
             <a:ext cx="1215752" cy="783704"/>
           </a:xfrm>
           <a:prstGeom prst="can">
@@ -4074,7 +4937,7 @@
         </p:nvSpPr>
         <p:spPr>
           <a:xfrm>
-            <a:off x="5197351" y="3267943"/>
+            <a:off x="5197351" y="2946428"/>
             <a:ext cx="504056" cy="216024"/>
           </a:xfrm>
           <a:prstGeom prst="rightArrow">
@@ -4108,13 +4971,57 @@
       </p:sp>
       <p:sp>
         <p:nvSpPr>
-          <p:cNvPr id="12" name="Ellipse 11"/>
+          <p:cNvPr id="12" name="Cylindre 11"/>
           <p:cNvSpPr/>
           <p:nvPr/>
         </p:nvSpPr>
         <p:spPr>
           <a:xfrm>
-            <a:off x="3901207" y="5837755"/>
+            <a:off x="3037111" y="2442372"/>
+            <a:ext cx="576064" cy="648072"/>
+          </a:xfrm>
+          <a:prstGeom prst="can">
+            <a:avLst/>
+          </a:prstGeom>
+        </p:spPr>
+        <p:style>
+          <a:lnRef idx="2">
+            <a:schemeClr val="accent5">
+              <a:shade val="50000"/>
+            </a:schemeClr>
+          </a:lnRef>
+          <a:fillRef idx="1">
+            <a:schemeClr val="accent5"/>
+          </a:fillRef>
+          <a:effectRef idx="0">
+            <a:schemeClr val="accent5"/>
+          </a:effectRef>
+          <a:fontRef idx="minor">
+            <a:schemeClr val="lt1"/>
+          </a:fontRef>
+        </p:style>
+        <p:txBody>
+          <a:bodyPr rtlCol="0" anchor="ctr"/>
+          <a:lstStyle/>
+          <a:p>
+            <a:pPr algn="ctr"/>
+            <a:r>
+              <a:rPr lang="fr-FR" sz="1200" dirty="0" smtClean="0"/>
+              <a:t>BDD</a:t>
+            </a:r>
+            <a:endParaRPr lang="fr-FR" sz="1200" dirty="0"/>
+          </a:p>
+        </p:txBody>
+      </p:sp>
+      <p:sp>
+        <p:nvSpPr>
+          <p:cNvPr id="27" name="Ellipse 26"/>
+          <p:cNvSpPr/>
+          <p:nvPr/>
+        </p:nvSpPr>
+        <p:spPr>
+          <a:xfrm>
+            <a:off x="4916488" y="4774676"/>
             <a:ext cx="1800200" cy="864096"/>
           </a:xfrm>
           <a:prstGeom prst="ellipse">
@@ -4152,13 +5059,13 @@
       </p:sp>
       <p:sp>
         <p:nvSpPr>
-          <p:cNvPr id="19" name="Flèche gauche 18"/>
+          <p:cNvPr id="28" name="Flèche gauche 27"/>
           <p:cNvSpPr/>
           <p:nvPr/>
         </p:nvSpPr>
         <p:spPr>
-          <a:xfrm>
-            <a:off x="3253135" y="6125787"/>
+          <a:xfrm rot="10800000">
+            <a:off x="4268416" y="5062708"/>
             <a:ext cx="504056" cy="216024"/>
           </a:xfrm>
           <a:prstGeom prst="leftArrow">
@@ -4192,15 +5099,21 @@
       </p:sp>
       <p:graphicFrame>
         <p:nvGraphicFramePr>
-          <p:cNvPr id="20" name="Tableau 19"/>
+          <p:cNvPr id="29" name="Tableau 28"/>
           <p:cNvGraphicFramePr>
             <a:graphicFrameLocks noGrp="1"/>
           </p:cNvGraphicFramePr>
-          <p:nvPr/>
+          <p:nvPr>
+            <p:extLst>
+              <p:ext uri="{D42A27DB-BD31-4B8C-83A1-F6EECF244321}">
+                <p14:modId xmlns:p14="http://schemas.microsoft.com/office/powerpoint/2010/main" xmlns="" val="3976121672"/>
+              </p:ext>
+            </p:extLst>
+          </p:nvPr>
         </p:nvGraphicFramePr>
         <p:xfrm>
-          <a:off x="6565503" y="5284167"/>
-          <a:ext cx="720080" cy="792480"/>
+          <a:off x="7580784" y="4221088"/>
+          <a:ext cx="720080" cy="731520"/>
         </p:xfrm>
         <a:graphic>
           <a:graphicData uri="http://schemas.openxmlformats.org/drawingml/2006/table">
@@ -4262,29 +5175,35 @@
       </p:graphicFrame>
       <p:graphicFrame>
         <p:nvGraphicFramePr>
-          <p:cNvPr id="21" name="Graphique 20"/>
+          <p:cNvPr id="30" name="Graphique 29"/>
           <p:cNvGraphicFramePr/>
-          <p:nvPr/>
+          <p:nvPr>
+            <p:extLst>
+              <p:ext uri="{D42A27DB-BD31-4B8C-83A1-F6EECF244321}">
+                <p14:modId xmlns:p14="http://schemas.microsoft.com/office/powerpoint/2010/main" xmlns="" val="2207000607"/>
+              </p:ext>
+            </p:extLst>
+          </p:nvPr>
         </p:nvGraphicFramePr>
         <p:xfrm>
-          <a:off x="6205463" y="6292279"/>
+          <a:off x="7220744" y="5229200"/>
           <a:ext cx="1383704" cy="1152128"/>
         </p:xfrm>
         <a:graphic>
           <a:graphicData uri="http://schemas.openxmlformats.org/drawingml/2006/chart">
-            <c:chart xmlns:c="http://schemas.openxmlformats.org/drawingml/2006/chart" xmlns:r="http://schemas.openxmlformats.org/officeDocument/2006/relationships" r:id="rId2"/>
+            <c:chart xmlns:c="http://schemas.openxmlformats.org/drawingml/2006/chart" xmlns:r="http://schemas.openxmlformats.org/officeDocument/2006/relationships" r:id="rId3"/>
           </a:graphicData>
         </a:graphic>
       </p:graphicFrame>
       <p:sp>
         <p:nvSpPr>
-          <p:cNvPr id="22" name="Flèche droite 21"/>
+          <p:cNvPr id="31" name="Flèche droite 30"/>
           <p:cNvSpPr/>
           <p:nvPr/>
         </p:nvSpPr>
         <p:spPr>
           <a:xfrm rot="20326257">
-            <a:off x="5795424" y="5920318"/>
+            <a:off x="6810705" y="4857239"/>
             <a:ext cx="504056" cy="216024"/>
           </a:xfrm>
           <a:prstGeom prst="rightArrow">
@@ -4318,13 +5237,13 @@
       </p:sp>
       <p:sp>
         <p:nvSpPr>
-          <p:cNvPr id="23" name="Flèche droite 22"/>
+          <p:cNvPr id="32" name="Flèche droite 31"/>
           <p:cNvSpPr/>
           <p:nvPr/>
         </p:nvSpPr>
         <p:spPr>
           <a:xfrm rot="1261768">
-            <a:off x="5751441" y="6519541"/>
+            <a:off x="6766722" y="5456462"/>
             <a:ext cx="504056" cy="216024"/>
           </a:xfrm>
           <a:prstGeom prst="rightArrow">
@@ -4358,57 +5277,13 @@
       </p:sp>
       <p:sp>
         <p:nvSpPr>
-          <p:cNvPr id="18" name="Cylindre 17"/>
+          <p:cNvPr id="33" name="Cylindre 32"/>
           <p:cNvSpPr/>
           <p:nvPr/>
         </p:nvSpPr>
         <p:spPr>
           <a:xfrm>
-            <a:off x="3037111" y="2763887"/>
-            <a:ext cx="576064" cy="648072"/>
-          </a:xfrm>
-          <a:prstGeom prst="can">
-            <a:avLst/>
-          </a:prstGeom>
-        </p:spPr>
-        <p:style>
-          <a:lnRef idx="2">
-            <a:schemeClr val="accent5">
-              <a:shade val="50000"/>
-            </a:schemeClr>
-          </a:lnRef>
-          <a:fillRef idx="1">
-            <a:schemeClr val="accent5"/>
-          </a:fillRef>
-          <a:effectRef idx="0">
-            <a:schemeClr val="accent5"/>
-          </a:effectRef>
-          <a:fontRef idx="minor">
-            <a:schemeClr val="lt1"/>
-          </a:fontRef>
-        </p:style>
-        <p:txBody>
-          <a:bodyPr rtlCol="0" anchor="ctr"/>
-          <a:lstStyle/>
-          <a:p>
-            <a:pPr algn="ctr"/>
-            <a:r>
-              <a:rPr lang="fr-FR" sz="1200" dirty="0" smtClean="0"/>
-              <a:t>BDD1</a:t>
-            </a:r>
-            <a:endParaRPr lang="fr-FR" sz="1200" dirty="0"/>
-          </a:p>
-        </p:txBody>
-      </p:sp>
-      <p:sp>
-        <p:nvSpPr>
-          <p:cNvPr id="25" name="Cylindre 24"/>
-          <p:cNvSpPr/>
-          <p:nvPr/>
-        </p:nvSpPr>
-        <p:spPr>
-          <a:xfrm>
-            <a:off x="1884983" y="5860231"/>
+            <a:off x="2900264" y="4797152"/>
             <a:ext cx="1215752" cy="783704"/>
           </a:xfrm>
           <a:prstGeom prst="can">
@@ -4444,11 +5319,47 @@
           </a:p>
         </p:txBody>
       </p:sp>
+      <p:pic>
+        <p:nvPicPr>
+          <p:cNvPr id="18" name="Image 17" descr="C:\Users\EMRIC\AppData\Local\Temp\1297793448_application-vnd.ms-excel.png"/>
+          <p:cNvPicPr/>
+          <p:nvPr/>
+        </p:nvPicPr>
+        <p:blipFill>
+          <a:blip r:embed="rId4" cstate="print">
+            <a:extLst>
+              <a:ext uri="{28A0092B-C50C-407E-A947-70E740481C1C}">
+                <a14:useLocalDpi xmlns="" xmlns:wpc="http://schemas.microsoft.com/office/word/2010/wordprocessingCanvas" xmlns:mc="http://schemas.openxmlformats.org/markup-compatibility/2006" xmlns:o="urn:schemas-microsoft-com:office:office" xmlns:m="http://schemas.openxmlformats.org/officeDocument/2006/math" xmlns:v="urn:schemas-microsoft-com:vml" xmlns:wp14="http://schemas.microsoft.com/office/word/2010/wordprocessingDrawing" xmlns:wp="http://schemas.openxmlformats.org/drawingml/2006/wordprocessingDrawing" xmlns:w10="urn:schemas-microsoft-com:office:word" xmlns:w="http://schemas.openxmlformats.org/wordprocessingml/2006/main" xmlns:w14="http://schemas.microsoft.com/office/word/2010/wordml" xmlns:wpg="http://schemas.microsoft.com/office/word/2010/wordprocessingGroup" xmlns:wpi="http://schemas.microsoft.com/office/word/2010/wordprocessingInk" xmlns:wne="http://schemas.microsoft.com/office/word/2006/wordml" xmlns:wps="http://schemas.microsoft.com/office/word/2010/wordprocessingShape" xmlns:a14="http://schemas.microsoft.com/office/drawing/2010/main" xmlns:pic="http://schemas.openxmlformats.org/drawingml/2006/picture" xmlns:lc="http://schemas.openxmlformats.org/drawingml/2006/lockedCanvas" val="0"/>
+              </a:ext>
+            </a:extLst>
+          </a:blip>
+          <a:srcRect/>
+          <a:stretch>
+            <a:fillRect/>
+          </a:stretch>
+        </p:blipFill>
+        <p:spPr bwMode="auto">
+          <a:xfrm>
+            <a:off x="2965103" y="3212976"/>
+            <a:ext cx="720080" cy="648072"/>
+          </a:xfrm>
+          <a:prstGeom prst="rect">
+            <a:avLst/>
+          </a:prstGeom>
+          <a:noFill/>
+          <a:ln>
+            <a:noFill/>
+          </a:ln>
+        </p:spPr>
+      </p:pic>
     </p:spTree>
   </p:cSld>
   <p:clrMapOvr>
     <a:masterClrMapping/>
   </p:clrMapOvr>
+  <p:transition>
+    <p:fade/>
+  </p:transition>
   <p:timing>
     <p:tnLst>
       <p:par>
@@ -4478,41 +5389,18 @@
       </p:grpSpPr>
       <p:sp>
         <p:nvSpPr>
-          <p:cNvPr id="2" name="Titre 1"/>
-          <p:cNvSpPr>
-            <a:spLocks noGrp="1"/>
-          </p:cNvSpPr>
-          <p:nvPr>
-            <p:ph type="title"/>
-          </p:nvPr>
-        </p:nvSpPr>
-        <p:spPr/>
-        <p:txBody>
-          <a:bodyPr/>
-          <a:lstStyle/>
-          <a:p>
-            <a:r>
-              <a:rPr lang="fr-FR" dirty="0" smtClean="0"/>
-              <a:t>Solution</a:t>
-            </a:r>
-            <a:endParaRPr lang="fr-FR" dirty="0"/>
-          </a:p>
-        </p:txBody>
-      </p:sp>
-      <p:sp>
-        <p:nvSpPr>
-          <p:cNvPr id="3" name="Espace réservé du contenu 2"/>
-          <p:cNvSpPr>
-            <a:spLocks noGrp="1"/>
-          </p:cNvSpPr>
-          <p:nvPr>
-            <p:ph idx="1"/>
+          <p:cNvPr id="2" name="Espace réservé du numéro de diapositive 1"/>
+          <p:cNvSpPr>
+            <a:spLocks noGrp="1"/>
+          </p:cNvSpPr>
+          <p:nvPr>
+            <p:ph type="sldNum" sz="quarter" idx="4"/>
           </p:nvPr>
         </p:nvSpPr>
         <p:spPr>
           <a:xfrm>
-            <a:off x="516831" y="1899791"/>
-            <a:ext cx="9744075" cy="5358866"/>
+            <a:off x="6320897" y="6356350"/>
+            <a:ext cx="2133600" cy="365125"/>
           </a:xfrm>
         </p:spPr>
         <p:txBody>
@@ -4520,8 +5408,17 @@
           <a:lstStyle/>
           <a:p>
             <a:r>
-              <a:rPr lang="fr-FR" dirty="0" smtClean="0"/>
-              <a:t>Entrepôt de données : modèle en flocon</a:t>
+              <a:rPr lang="fr-FR" smtClean="0"/>
+              <a:t>Groupe 2 : Diapositive </a:t>
+            </a:r>
+            <a:fld id="{DD0687C1-896A-4A7D-8F8C-EE6B0ED28203}" type="slidenum">
+              <a:rPr lang="fr-FR" smtClean="0"/>
+              <a:pPr/>
+              <a:t>2</a:t>
+            </a:fld>
+            <a:r>
+              <a:rPr lang="fr-FR" smtClean="0"/>
+              <a:t> / X</a:t>
             </a:r>
             <a:endParaRPr lang="fr-FR" dirty="0"/>
           </a:p>
@@ -4529,13 +5426,231 @@
       </p:sp>
       <p:sp>
         <p:nvSpPr>
-          <p:cNvPr id="4" name="Rectangle à coins arrondis 3"/>
+          <p:cNvPr id="5" name="Espace réservé du contenu 2"/>
+          <p:cNvSpPr>
+            <a:spLocks noGrp="1"/>
+          </p:cNvSpPr>
+          <p:nvPr>
+            <p:ph idx="1"/>
+          </p:nvPr>
+        </p:nvSpPr>
+        <p:spPr>
+          <a:xfrm>
+            <a:off x="1747409" y="1916832"/>
+            <a:ext cx="6707088" cy="4209331"/>
+          </a:xfrm>
+          <a:prstGeom prst="rect">
+            <a:avLst/>
+          </a:prstGeom>
+        </p:spPr>
+        <p:txBody>
+          <a:bodyPr vert="horz" lIns="103345" tIns="51673" rIns="103345" bIns="51673" rtlCol="0">
+            <a:normAutofit/>
+          </a:bodyPr>
+          <a:lstStyle>
+            <a:lvl1pPr marL="387546" indent="-387546" algn="l" defTabSz="1033455" rtl="0" eaLnBrk="1" latinLnBrk="0" hangingPunct="1">
+              <a:spcBef>
+                <a:spcPct val="20000"/>
+              </a:spcBef>
+              <a:buFont typeface="Arial" pitchFamily="34" charset="0"/>
+              <a:buChar char="•"/>
+              <a:defRPr sz="3600" kern="1200">
+                <a:solidFill>
+                  <a:schemeClr val="tx1"/>
+                </a:solidFill>
+                <a:latin typeface="+mn-lt"/>
+                <a:ea typeface="+mn-ea"/>
+                <a:cs typeface="+mn-cs"/>
+              </a:defRPr>
+            </a:lvl1pPr>
+            <a:lvl2pPr marL="839682" indent="-322955" algn="l" defTabSz="1033455" rtl="0" eaLnBrk="1" latinLnBrk="0" hangingPunct="1">
+              <a:spcBef>
+                <a:spcPct val="20000"/>
+              </a:spcBef>
+              <a:buFont typeface="Arial" pitchFamily="34" charset="0"/>
+              <a:buChar char="–"/>
+              <a:defRPr sz="3200" kern="1200">
+                <a:solidFill>
+                  <a:schemeClr val="tx1"/>
+                </a:solidFill>
+                <a:latin typeface="+mn-lt"/>
+                <a:ea typeface="+mn-ea"/>
+                <a:cs typeface="+mn-cs"/>
+              </a:defRPr>
+            </a:lvl2pPr>
+            <a:lvl3pPr marL="1291819" indent="-258364" algn="l" defTabSz="1033455" rtl="0" eaLnBrk="1" latinLnBrk="0" hangingPunct="1">
+              <a:spcBef>
+                <a:spcPct val="20000"/>
+              </a:spcBef>
+              <a:buFont typeface="Arial" pitchFamily="34" charset="0"/>
+              <a:buChar char="•"/>
+              <a:defRPr sz="2700" kern="1200">
+                <a:solidFill>
+                  <a:schemeClr val="tx1"/>
+                </a:solidFill>
+                <a:latin typeface="+mn-lt"/>
+                <a:ea typeface="+mn-ea"/>
+                <a:cs typeface="+mn-cs"/>
+              </a:defRPr>
+            </a:lvl3pPr>
+            <a:lvl4pPr marL="1808546" indent="-258364" algn="l" defTabSz="1033455" rtl="0" eaLnBrk="1" latinLnBrk="0" hangingPunct="1">
+              <a:spcBef>
+                <a:spcPct val="20000"/>
+              </a:spcBef>
+              <a:buFont typeface="Arial" pitchFamily="34" charset="0"/>
+              <a:buChar char="–"/>
+              <a:defRPr sz="2300" kern="1200">
+                <a:solidFill>
+                  <a:schemeClr val="tx1"/>
+                </a:solidFill>
+                <a:latin typeface="+mn-lt"/>
+                <a:ea typeface="+mn-ea"/>
+                <a:cs typeface="+mn-cs"/>
+              </a:defRPr>
+            </a:lvl4pPr>
+            <a:lvl5pPr marL="2325273" indent="-258364" algn="l" defTabSz="1033455" rtl="0" eaLnBrk="1" latinLnBrk="0" hangingPunct="1">
+              <a:spcBef>
+                <a:spcPct val="20000"/>
+              </a:spcBef>
+              <a:buFont typeface="Arial" pitchFamily="34" charset="0"/>
+              <a:buChar char="»"/>
+              <a:defRPr sz="2300" kern="1200">
+                <a:solidFill>
+                  <a:schemeClr val="tx1"/>
+                </a:solidFill>
+                <a:latin typeface="+mn-lt"/>
+                <a:ea typeface="+mn-ea"/>
+                <a:cs typeface="+mn-cs"/>
+              </a:defRPr>
+            </a:lvl5pPr>
+            <a:lvl6pPr marL="2842001" indent="-258364" algn="l" defTabSz="1033455" rtl="0" eaLnBrk="1" latinLnBrk="0" hangingPunct="1">
+              <a:spcBef>
+                <a:spcPct val="20000"/>
+              </a:spcBef>
+              <a:buFont typeface="Arial" pitchFamily="34" charset="0"/>
+              <a:buChar char="•"/>
+              <a:defRPr sz="2300" kern="1200">
+                <a:solidFill>
+                  <a:schemeClr val="tx1"/>
+                </a:solidFill>
+                <a:latin typeface="+mn-lt"/>
+                <a:ea typeface="+mn-ea"/>
+                <a:cs typeface="+mn-cs"/>
+              </a:defRPr>
+            </a:lvl6pPr>
+            <a:lvl7pPr marL="3358728" indent="-258364" algn="l" defTabSz="1033455" rtl="0" eaLnBrk="1" latinLnBrk="0" hangingPunct="1">
+              <a:spcBef>
+                <a:spcPct val="20000"/>
+              </a:spcBef>
+              <a:buFont typeface="Arial" pitchFamily="34" charset="0"/>
+              <a:buChar char="•"/>
+              <a:defRPr sz="2300" kern="1200">
+                <a:solidFill>
+                  <a:schemeClr val="tx1"/>
+                </a:solidFill>
+                <a:latin typeface="+mn-lt"/>
+                <a:ea typeface="+mn-ea"/>
+                <a:cs typeface="+mn-cs"/>
+              </a:defRPr>
+            </a:lvl7pPr>
+            <a:lvl8pPr marL="3875456" indent="-258364" algn="l" defTabSz="1033455" rtl="0" eaLnBrk="1" latinLnBrk="0" hangingPunct="1">
+              <a:spcBef>
+                <a:spcPct val="20000"/>
+              </a:spcBef>
+              <a:buFont typeface="Arial" pitchFamily="34" charset="0"/>
+              <a:buChar char="•"/>
+              <a:defRPr sz="2300" kern="1200">
+                <a:solidFill>
+                  <a:schemeClr val="tx1"/>
+                </a:solidFill>
+                <a:latin typeface="+mn-lt"/>
+                <a:ea typeface="+mn-ea"/>
+                <a:cs typeface="+mn-cs"/>
+              </a:defRPr>
+            </a:lvl8pPr>
+            <a:lvl9pPr marL="4392183" indent="-258364" algn="l" defTabSz="1033455" rtl="0" eaLnBrk="1" latinLnBrk="0" hangingPunct="1">
+              <a:spcBef>
+                <a:spcPct val="20000"/>
+              </a:spcBef>
+              <a:buFont typeface="Arial" pitchFamily="34" charset="0"/>
+              <a:buChar char="•"/>
+              <a:defRPr sz="2300" kern="1200">
+                <a:solidFill>
+                  <a:schemeClr val="tx1"/>
+                </a:solidFill>
+                <a:latin typeface="+mn-lt"/>
+                <a:ea typeface="+mn-ea"/>
+                <a:cs typeface="+mn-cs"/>
+              </a:defRPr>
+            </a:lvl9pPr>
+          </a:lstStyle>
+          <a:p>
+            <a:r>
+              <a:rPr lang="fr-FR" sz="2000" dirty="0"/>
+              <a:t>Entrepôt de données : modèle en </a:t>
+            </a:r>
+            <a:r>
+              <a:rPr lang="fr-FR" sz="2000" dirty="0" smtClean="0"/>
+              <a:t>flocon plutôt qu’étoile</a:t>
+            </a:r>
+          </a:p>
+          <a:p>
+            <a:endParaRPr lang="fr-FR" sz="2000" dirty="0" smtClean="0"/>
+          </a:p>
+          <a:p>
+            <a:endParaRPr lang="fr-FR" sz="2000" dirty="0" smtClean="0"/>
+          </a:p>
+          <a:p>
+            <a:endParaRPr lang="fr-FR" sz="2000" dirty="0" smtClean="0"/>
+          </a:p>
+          <a:p>
+            <a:endParaRPr lang="fr-FR" sz="2000" dirty="0" smtClean="0"/>
+          </a:p>
+          <a:p>
+            <a:endParaRPr lang="fr-FR" sz="2000" dirty="0" smtClean="0"/>
+          </a:p>
+          <a:p>
+            <a:endParaRPr lang="fr-FR" sz="2000" dirty="0" smtClean="0"/>
+          </a:p>
+          <a:p>
+            <a:r>
+              <a:rPr lang="fr-FR" sz="2000" dirty="0" smtClean="0"/>
+              <a:t>Avantages :</a:t>
+            </a:r>
+          </a:p>
+          <a:p>
+            <a:pPr lvl="1"/>
+            <a:r>
+              <a:rPr lang="fr-FR" sz="1600" dirty="0" smtClean="0"/>
+              <a:t>Éviter les redondances</a:t>
+            </a:r>
+          </a:p>
+          <a:p>
+            <a:pPr lvl="1"/>
+            <a:r>
+              <a:rPr lang="fr-FR" sz="1600" dirty="0" smtClean="0"/>
+              <a:t>Données cohérentes</a:t>
+            </a:r>
+            <a:endParaRPr lang="fr-FR" sz="1600" dirty="0" smtClean="0"/>
+          </a:p>
+          <a:p>
+            <a:pPr lvl="1"/>
+            <a:endParaRPr lang="fr-FR" sz="1600" dirty="0"/>
+          </a:p>
+          <a:p>
+            <a:endParaRPr lang="fr-FR" sz="2000" dirty="0" smtClean="0"/>
+          </a:p>
+        </p:txBody>
+      </p:sp>
+      <p:sp>
+        <p:nvSpPr>
+          <p:cNvPr id="64" name="Rectangle à coins arrondis 63"/>
           <p:cNvSpPr/>
           <p:nvPr/>
         </p:nvSpPr>
         <p:spPr>
           <a:xfrm>
-            <a:off x="2605063" y="3771999"/>
+            <a:off x="3331585" y="3536156"/>
             <a:ext cx="1224136" cy="864096"/>
           </a:xfrm>
           <a:prstGeom prst="roundRect">
@@ -4573,13 +5688,13 @@
       </p:sp>
       <p:sp>
         <p:nvSpPr>
-          <p:cNvPr id="15" name="Rectangle à coins arrondis 14"/>
+          <p:cNvPr id="65" name="Rectangle à coins arrondis 64"/>
           <p:cNvSpPr/>
           <p:nvPr/>
         </p:nvSpPr>
         <p:spPr>
           <a:xfrm>
-            <a:off x="4549279" y="4708103"/>
+            <a:off x="5796274" y="3752180"/>
             <a:ext cx="1152128" cy="432048"/>
           </a:xfrm>
           <a:prstGeom prst="roundRect">
@@ -4617,13 +5732,13 @@
       </p:sp>
       <p:sp>
         <p:nvSpPr>
-          <p:cNvPr id="16" name="Rectangle à coins arrondis 15"/>
+          <p:cNvPr id="66" name="Rectangle à coins arrondis 65"/>
           <p:cNvSpPr/>
           <p:nvPr/>
         </p:nvSpPr>
         <p:spPr>
           <a:xfrm>
-            <a:off x="444823" y="2979911"/>
+            <a:off x="1963433" y="2703323"/>
             <a:ext cx="1152128" cy="432048"/>
           </a:xfrm>
           <a:prstGeom prst="roundRect">
@@ -4661,13 +5776,13 @@
       </p:sp>
       <p:sp>
         <p:nvSpPr>
-          <p:cNvPr id="17" name="Rectangle à coins arrondis 16"/>
+          <p:cNvPr id="67" name="Rectangle à coins arrondis 66"/>
           <p:cNvSpPr/>
           <p:nvPr/>
         </p:nvSpPr>
         <p:spPr>
           <a:xfrm>
-            <a:off x="7573615" y="4708103"/>
+            <a:off x="7573885" y="3752180"/>
             <a:ext cx="1152128" cy="432048"/>
           </a:xfrm>
           <a:prstGeom prst="roundRect">
@@ -4705,13 +5820,13 @@
       </p:sp>
       <p:sp>
         <p:nvSpPr>
-          <p:cNvPr id="18" name="Rectangle à coins arrondis 17"/>
+          <p:cNvPr id="68" name="Rectangle à coins arrondis 67"/>
           <p:cNvSpPr/>
           <p:nvPr/>
         </p:nvSpPr>
         <p:spPr>
           <a:xfrm>
-            <a:off x="5701407" y="5572199"/>
+            <a:off x="5790568" y="4517525"/>
             <a:ext cx="1152128" cy="432048"/>
           </a:xfrm>
           <a:prstGeom prst="roundRect">
@@ -4749,13 +5864,13 @@
       </p:sp>
       <p:sp>
         <p:nvSpPr>
-          <p:cNvPr id="19" name="Rectangle à coins arrondis 18"/>
+          <p:cNvPr id="69" name="Rectangle à coins arrondis 68"/>
           <p:cNvSpPr/>
           <p:nvPr/>
         </p:nvSpPr>
         <p:spPr>
           <a:xfrm>
-            <a:off x="6709519" y="6292279"/>
+            <a:off x="5790568" y="5181949"/>
             <a:ext cx="1152128" cy="432048"/>
           </a:xfrm>
           <a:prstGeom prst="roundRect">
@@ -4793,13 +5908,13 @@
       </p:sp>
       <p:sp>
         <p:nvSpPr>
-          <p:cNvPr id="20" name="Rectangle à coins arrondis 19"/>
+          <p:cNvPr id="70" name="Rectangle à coins arrondis 69"/>
           <p:cNvSpPr/>
           <p:nvPr/>
         </p:nvSpPr>
         <p:spPr>
           <a:xfrm>
-            <a:off x="7861647" y="6940351"/>
+            <a:off x="5790568" y="5819585"/>
             <a:ext cx="1152128" cy="432048"/>
           </a:xfrm>
           <a:prstGeom prst="roundRect">
@@ -4837,13 +5952,13 @@
       </p:sp>
       <p:sp>
         <p:nvSpPr>
-          <p:cNvPr id="21" name="Rectangle à coins arrondis 20"/>
+          <p:cNvPr id="71" name="Rectangle à coins arrondis 70"/>
           <p:cNvSpPr/>
           <p:nvPr/>
         </p:nvSpPr>
         <p:spPr>
           <a:xfrm>
-            <a:off x="9085783" y="7516415"/>
+            <a:off x="7493446" y="5827945"/>
             <a:ext cx="1368152" cy="432048"/>
           </a:xfrm>
           <a:prstGeom prst="roundRect">
@@ -4881,17 +5996,17 @@
       </p:sp>
       <p:cxnSp>
         <p:nvCxnSpPr>
-          <p:cNvPr id="23" name="Connecteur droit 22"/>
+          <p:cNvPr id="72" name="Connecteur droit 71"/>
           <p:cNvCxnSpPr>
-            <a:stCxn id="4" idx="3"/>
-            <a:endCxn id="15" idx="1"/>
+            <a:stCxn id="64" idx="3"/>
+            <a:endCxn id="65" idx="1"/>
           </p:cNvCxnSpPr>
           <p:nvPr/>
         </p:nvCxnSpPr>
         <p:spPr>
           <a:xfrm>
-            <a:off x="3829199" y="4204047"/>
-            <a:ext cx="720080" cy="720080"/>
+            <a:off x="4555721" y="3968204"/>
+            <a:ext cx="1240553" cy="0"/>
           </a:xfrm>
           <a:prstGeom prst="line">
             <a:avLst/>
@@ -4914,17 +6029,17 @@
       </p:cxnSp>
       <p:cxnSp>
         <p:nvCxnSpPr>
-          <p:cNvPr id="25" name="Connecteur droit 24"/>
+          <p:cNvPr id="73" name="Connecteur droit 72"/>
           <p:cNvCxnSpPr>
-            <a:stCxn id="16" idx="3"/>
-            <a:endCxn id="4" idx="1"/>
+            <a:stCxn id="66" idx="3"/>
+            <a:endCxn id="64" idx="1"/>
           </p:cNvCxnSpPr>
           <p:nvPr/>
         </p:nvCxnSpPr>
         <p:spPr>
           <a:xfrm>
-            <a:off x="1596951" y="3195935"/>
-            <a:ext cx="1008112" cy="1008112"/>
+            <a:off x="3115561" y="2919347"/>
+            <a:ext cx="216024" cy="1048857"/>
           </a:xfrm>
           <a:prstGeom prst="line">
             <a:avLst/>
@@ -4947,17 +6062,17 @@
       </p:cxnSp>
       <p:cxnSp>
         <p:nvCxnSpPr>
-          <p:cNvPr id="27" name="Connecteur droit 26"/>
+          <p:cNvPr id="74" name="Connecteur droit 73"/>
           <p:cNvCxnSpPr>
-            <a:stCxn id="15" idx="2"/>
-            <a:endCxn id="18" idx="0"/>
+            <a:stCxn id="65" idx="2"/>
+            <a:endCxn id="68" idx="0"/>
           </p:cNvCxnSpPr>
           <p:nvPr/>
         </p:nvCxnSpPr>
         <p:spPr>
-          <a:xfrm rot="16200000" flipH="1">
-            <a:off x="5485383" y="4780111"/>
-            <a:ext cx="432048" cy="1152128"/>
+          <a:xfrm flipH="1">
+            <a:off x="6366632" y="4184228"/>
+            <a:ext cx="5706" cy="333297"/>
           </a:xfrm>
           <a:prstGeom prst="line">
             <a:avLst/>
@@ -4980,17 +6095,17 @@
       </p:cxnSp>
       <p:cxnSp>
         <p:nvCxnSpPr>
-          <p:cNvPr id="29" name="Connecteur droit 28"/>
+          <p:cNvPr id="75" name="Connecteur droit 74"/>
           <p:cNvCxnSpPr>
-            <a:stCxn id="18" idx="2"/>
-            <a:endCxn id="19" idx="0"/>
+            <a:stCxn id="68" idx="2"/>
+            <a:endCxn id="69" idx="0"/>
           </p:cNvCxnSpPr>
           <p:nvPr/>
         </p:nvCxnSpPr>
         <p:spPr>
-          <a:xfrm rot="16200000" flipH="1">
-            <a:off x="6637511" y="5644207"/>
-            <a:ext cx="288032" cy="1008112"/>
+          <a:xfrm>
+            <a:off x="6366632" y="4949573"/>
+            <a:ext cx="0" cy="232376"/>
           </a:xfrm>
           <a:prstGeom prst="line">
             <a:avLst/>
@@ -5013,17 +6128,17 @@
       </p:cxnSp>
       <p:cxnSp>
         <p:nvCxnSpPr>
-          <p:cNvPr id="31" name="Connecteur droit 30"/>
+          <p:cNvPr id="76" name="Connecteur droit 75"/>
           <p:cNvCxnSpPr>
-            <a:stCxn id="19" idx="2"/>
-            <a:endCxn id="20" idx="0"/>
+            <a:stCxn id="69" idx="2"/>
+            <a:endCxn id="70" idx="0"/>
           </p:cNvCxnSpPr>
           <p:nvPr/>
         </p:nvCxnSpPr>
         <p:spPr>
-          <a:xfrm rot="16200000" flipH="1">
-            <a:off x="7753635" y="6256275"/>
-            <a:ext cx="216024" cy="1152128"/>
+          <a:xfrm>
+            <a:off x="6366632" y="5613997"/>
+            <a:ext cx="0" cy="205588"/>
           </a:xfrm>
           <a:prstGeom prst="line">
             <a:avLst/>
@@ -5046,17 +6161,17 @@
       </p:cxnSp>
       <p:cxnSp>
         <p:nvCxnSpPr>
-          <p:cNvPr id="33" name="Connecteur droit 32"/>
+          <p:cNvPr id="77" name="Connecteur droit 76"/>
           <p:cNvCxnSpPr>
-            <a:stCxn id="20" idx="2"/>
-            <a:endCxn id="21" idx="0"/>
+            <a:stCxn id="70" idx="3"/>
+            <a:endCxn id="71" idx="1"/>
           </p:cNvCxnSpPr>
           <p:nvPr/>
         </p:nvCxnSpPr>
         <p:spPr>
-          <a:xfrm rot="16200000" flipH="1">
-            <a:off x="9031777" y="6778333"/>
-            <a:ext cx="144016" cy="1332148"/>
+          <a:xfrm>
+            <a:off x="6942696" y="6035609"/>
+            <a:ext cx="550750" cy="8360"/>
           </a:xfrm>
           <a:prstGeom prst="line">
             <a:avLst/>
@@ -5079,17 +6194,17 @@
       </p:cxnSp>
       <p:cxnSp>
         <p:nvCxnSpPr>
-          <p:cNvPr id="35" name="Connecteur droit 34"/>
+          <p:cNvPr id="78" name="Connecteur droit 77"/>
           <p:cNvCxnSpPr>
-            <a:stCxn id="15" idx="3"/>
-            <a:endCxn id="17" idx="1"/>
+            <a:stCxn id="65" idx="3"/>
+            <a:endCxn id="67" idx="1"/>
           </p:cNvCxnSpPr>
           <p:nvPr/>
         </p:nvCxnSpPr>
         <p:spPr>
           <a:xfrm>
-            <a:off x="5701407" y="4924127"/>
-            <a:ext cx="1872208" cy="0"/>
+            <a:off x="6948402" y="3968204"/>
+            <a:ext cx="625483" cy="0"/>
           </a:xfrm>
           <a:prstGeom prst="line">
             <a:avLst/>
@@ -5112,13 +6227,13 @@
       </p:cxnSp>
       <p:sp>
         <p:nvSpPr>
-          <p:cNvPr id="36" name="Rectangle à coins arrondis 35"/>
+          <p:cNvPr id="79" name="Rectangle à coins arrondis 78"/>
           <p:cNvSpPr/>
           <p:nvPr/>
         </p:nvSpPr>
         <p:spPr>
           <a:xfrm>
-            <a:off x="5269359" y="3699991"/>
+            <a:off x="5696642" y="2554829"/>
             <a:ext cx="1368152" cy="432048"/>
           </a:xfrm>
           <a:prstGeom prst="roundRect">
@@ -5156,13 +6271,13 @@
       </p:sp>
       <p:sp>
         <p:nvSpPr>
-          <p:cNvPr id="37" name="Rectangle à coins arrondis 36"/>
+          <p:cNvPr id="80" name="Rectangle à coins arrondis 79"/>
           <p:cNvSpPr/>
           <p:nvPr/>
         </p:nvSpPr>
         <p:spPr>
           <a:xfrm>
-            <a:off x="6277471" y="2763887"/>
+            <a:off x="7711364" y="2556788"/>
             <a:ext cx="1152128" cy="432048"/>
           </a:xfrm>
           <a:prstGeom prst="roundRect">
@@ -5200,17 +6315,17 @@
       </p:sp>
       <p:cxnSp>
         <p:nvCxnSpPr>
-          <p:cNvPr id="39" name="Connecteur droit 38"/>
+          <p:cNvPr id="81" name="Connecteur droit 80"/>
           <p:cNvCxnSpPr>
-            <a:stCxn id="36" idx="2"/>
-            <a:endCxn id="15" idx="0"/>
+            <a:stCxn id="79" idx="2"/>
+            <a:endCxn id="65" idx="0"/>
           </p:cNvCxnSpPr>
           <p:nvPr/>
         </p:nvCxnSpPr>
         <p:spPr>
-          <a:xfrm rot="5400000">
-            <a:off x="5251357" y="4006025"/>
-            <a:ext cx="576064" cy="828092"/>
+          <a:xfrm flipH="1">
+            <a:off x="6372338" y="2986877"/>
+            <a:ext cx="8380" cy="765303"/>
           </a:xfrm>
           <a:prstGeom prst="line">
             <a:avLst/>
@@ -5233,17 +6348,17 @@
       </p:cxnSp>
       <p:cxnSp>
         <p:nvCxnSpPr>
-          <p:cNvPr id="64" name="Connecteur droit 63"/>
+          <p:cNvPr id="82" name="Connecteur droit 81"/>
           <p:cNvCxnSpPr>
-            <a:stCxn id="36" idx="0"/>
-            <a:endCxn id="37" idx="2"/>
+            <a:stCxn id="79" idx="3"/>
+            <a:endCxn id="80" idx="1"/>
           </p:cNvCxnSpPr>
           <p:nvPr/>
         </p:nvCxnSpPr>
         <p:spPr>
-          <a:xfrm rot="5400000" flipH="1" flipV="1">
-            <a:off x="6151457" y="2997913"/>
-            <a:ext cx="504056" cy="900100"/>
+          <a:xfrm>
+            <a:off x="7064794" y="2770853"/>
+            <a:ext cx="646570" cy="1959"/>
           </a:xfrm>
           <a:prstGeom prst="line">
             <a:avLst/>
@@ -5265,10 +6380,18 @@
         </p:style>
       </p:cxnSp>
     </p:spTree>
+    <p:extLst>
+      <p:ext uri="{BB962C8B-B14F-4D97-AF65-F5344CB8AC3E}">
+        <p14:creationId xmlns:p14="http://schemas.microsoft.com/office/powerpoint/2010/main" xmlns="" val="2444311497"/>
+      </p:ext>
+    </p:extLst>
   </p:cSld>
   <p:clrMapOvr>
     <a:masterClrMapping/>
   </p:clrMapOvr>
+  <p:transition>
+    <p:fade/>
+  </p:transition>
   <p:timing>
     <p:tnLst>
       <p:par>
@@ -5298,2253 +6421,290 @@
       </p:grpSpPr>
       <p:sp>
         <p:nvSpPr>
-          <p:cNvPr id="2" name="Titre 1"/>
-          <p:cNvSpPr>
-            <a:spLocks noGrp="1"/>
-          </p:cNvSpPr>
-          <p:nvPr>
-            <p:ph type="title"/>
-          </p:nvPr>
-        </p:nvSpPr>
-        <p:spPr/>
-        <p:txBody>
-          <a:bodyPr/>
-          <a:lstStyle/>
-          <a:p>
-            <a:r>
-              <a:rPr lang="fr-FR" dirty="0" smtClean="0"/>
-              <a:t>Solution</a:t>
-            </a:r>
-            <a:endParaRPr lang="fr-FR" dirty="0"/>
-          </a:p>
-        </p:txBody>
-      </p:sp>
-      <p:sp>
-        <p:nvSpPr>
-          <p:cNvPr id="3" name="Espace réservé du contenu 2"/>
-          <p:cNvSpPr>
-            <a:spLocks noGrp="1"/>
-          </p:cNvSpPr>
-          <p:nvPr>
-            <p:ph idx="1"/>
-          </p:nvPr>
-        </p:nvSpPr>
-        <p:spPr/>
-        <p:txBody>
-          <a:bodyPr/>
-          <a:lstStyle/>
-          <a:p>
-            <a:r>
-              <a:rPr lang="fr-FR" dirty="0" smtClean="0"/>
-              <a:t>Architecture applicative </a:t>
-            </a:r>
-            <a:r>
-              <a:rPr lang="fr-FR" dirty="0" smtClean="0"/>
-              <a:t>globale :</a:t>
-            </a:r>
-            <a:endParaRPr lang="fr-FR" dirty="0"/>
-          </a:p>
-        </p:txBody>
-      </p:sp>
-      <p:graphicFrame>
-        <p:nvGraphicFramePr>
-          <p:cNvPr id="28" name="Tableau 27"/>
-          <p:cNvGraphicFramePr>
-            <a:graphicFrameLocks noGrp="1"/>
-          </p:cNvGraphicFramePr>
-          <p:nvPr/>
-        </p:nvGraphicFramePr>
-        <p:xfrm>
-          <a:off x="156791" y="2924944"/>
-          <a:ext cx="925734" cy="1188720"/>
-        </p:xfrm>
-        <a:graphic>
-          <a:graphicData uri="http://schemas.openxmlformats.org/drawingml/2006/table">
-            <a:tbl>
-              <a:tblPr firstRow="1" bandRow="1">
-                <a:tableStyleId>{00A15C55-8517-42AA-B614-E9B94910E393}</a:tableStyleId>
-              </a:tblPr>
-              <a:tblGrid>
-                <a:gridCol w="308578"/>
-                <a:gridCol w="308578"/>
-                <a:gridCol w="308578"/>
-              </a:tblGrid>
-              <a:tr h="229722">
-                <a:tc>
-                  <a:txBody>
-                    <a:bodyPr/>
-                    <a:lstStyle/>
-                    <a:p>
-                      <a:endParaRPr lang="fr-FR" dirty="0"/>
-                    </a:p>
-                  </a:txBody>
-                  <a:tcPr/>
-                </a:tc>
-                <a:tc>
-                  <a:txBody>
-                    <a:bodyPr/>
-                    <a:lstStyle/>
-                    <a:p>
-                      <a:endParaRPr lang="fr-FR"/>
-                    </a:p>
-                  </a:txBody>
-                  <a:tcPr/>
-                </a:tc>
-                <a:tc>
-                  <a:txBody>
-                    <a:bodyPr/>
-                    <a:lstStyle/>
-                    <a:p>
-                      <a:endParaRPr lang="fr-FR"/>
-                    </a:p>
-                  </a:txBody>
-                  <a:tcPr/>
-                </a:tc>
-              </a:tr>
-              <a:tr h="229722">
-                <a:tc>
-                  <a:txBody>
-                    <a:bodyPr/>
-                    <a:lstStyle/>
-                    <a:p>
-                      <a:endParaRPr lang="fr-FR"/>
-                    </a:p>
-                  </a:txBody>
-                  <a:tcPr/>
-                </a:tc>
-                <a:tc>
-                  <a:txBody>
-                    <a:bodyPr/>
-                    <a:lstStyle/>
-                    <a:p>
-                      <a:endParaRPr lang="fr-FR"/>
-                    </a:p>
-                  </a:txBody>
-                  <a:tcPr/>
-                </a:tc>
-                <a:tc>
-                  <a:txBody>
-                    <a:bodyPr/>
-                    <a:lstStyle/>
-                    <a:p>
-                      <a:endParaRPr lang="fr-FR"/>
-                    </a:p>
-                  </a:txBody>
-                  <a:tcPr/>
-                </a:tc>
-              </a:tr>
-              <a:tr h="229722">
-                <a:tc>
-                  <a:txBody>
-                    <a:bodyPr/>
-                    <a:lstStyle/>
-                    <a:p>
-                      <a:endParaRPr lang="fr-FR"/>
-                    </a:p>
-                  </a:txBody>
-                  <a:tcPr/>
-                </a:tc>
-                <a:tc>
-                  <a:txBody>
-                    <a:bodyPr/>
-                    <a:lstStyle/>
-                    <a:p>
-                      <a:endParaRPr lang="fr-FR"/>
-                    </a:p>
-                  </a:txBody>
-                  <a:tcPr/>
-                </a:tc>
-                <a:tc>
-                  <a:txBody>
-                    <a:bodyPr/>
-                    <a:lstStyle/>
-                    <a:p>
-                      <a:endParaRPr lang="fr-FR" dirty="0"/>
-                    </a:p>
-                  </a:txBody>
-                  <a:tcPr/>
-                </a:tc>
-              </a:tr>
-            </a:tbl>
-          </a:graphicData>
-        </a:graphic>
-      </p:graphicFrame>
-      <p:sp>
-        <p:nvSpPr>
-          <p:cNvPr id="29" name="Cylindre 28"/>
-          <p:cNvSpPr/>
+          <p:cNvPr id="31" name="Espace réservé du contenu 2"/>
+          <p:cNvSpPr txBox="1">
+            <a:spLocks/>
+          </p:cNvSpPr>
           <p:nvPr/>
         </p:nvSpPr>
         <p:spPr>
           <a:xfrm>
-            <a:off x="3613175" y="2852936"/>
-            <a:ext cx="1296144" cy="1224136"/>
-          </a:xfrm>
-          <a:prstGeom prst="can">
+            <a:off x="1747409" y="1916832"/>
+            <a:ext cx="6707088" cy="4209331"/>
+          </a:xfrm>
+          <a:prstGeom prst="rect">
             <a:avLst/>
           </a:prstGeom>
         </p:spPr>
-        <p:style>
-          <a:lnRef idx="2">
-            <a:schemeClr val="accent3">
-              <a:shade val="50000"/>
-            </a:schemeClr>
-          </a:lnRef>
-          <a:fillRef idx="1">
-            <a:schemeClr val="accent3"/>
-          </a:fillRef>
-          <a:effectRef idx="0">
-            <a:schemeClr val="accent3"/>
-          </a:effectRef>
-          <a:fontRef idx="minor">
-            <a:schemeClr val="lt1"/>
-          </a:fontRef>
-        </p:style>
-        <p:txBody>
-          <a:bodyPr rtlCol="0" anchor="ctr"/>
-          <a:lstStyle/>
-          <a:p>
-            <a:pPr algn="ctr"/>
-            <a:r>
-              <a:rPr lang="fr-FR" dirty="0" smtClean="0"/>
-              <a:t>Entrepôt</a:t>
-            </a:r>
-            <a:endParaRPr lang="fr-FR" dirty="0"/>
-          </a:p>
-        </p:txBody>
-      </p:sp>
-      <p:sp>
-        <p:nvSpPr>
-          <p:cNvPr id="30" name="ZoneTexte 29"/>
-          <p:cNvSpPr txBox="1"/>
+        <p:txBody>
+          <a:bodyPr vert="horz" lIns="103345" tIns="51673" rIns="103345" bIns="51673" rtlCol="0">
+            <a:normAutofit/>
+          </a:bodyPr>
+          <a:lstStyle>
+            <a:lvl1pPr marL="387546" indent="-387546" algn="l" defTabSz="1033455" rtl="0" eaLnBrk="1" latinLnBrk="0" hangingPunct="1">
+              <a:spcBef>
+                <a:spcPct val="20000"/>
+              </a:spcBef>
+              <a:buFont typeface="Arial" pitchFamily="34" charset="0"/>
+              <a:buChar char="•"/>
+              <a:defRPr sz="3600" kern="1200">
+                <a:solidFill>
+                  <a:schemeClr val="tx1"/>
+                </a:solidFill>
+                <a:latin typeface="+mn-lt"/>
+                <a:ea typeface="+mn-ea"/>
+                <a:cs typeface="+mn-cs"/>
+              </a:defRPr>
+            </a:lvl1pPr>
+            <a:lvl2pPr marL="839682" indent="-322955" algn="l" defTabSz="1033455" rtl="0" eaLnBrk="1" latinLnBrk="0" hangingPunct="1">
+              <a:spcBef>
+                <a:spcPct val="20000"/>
+              </a:spcBef>
+              <a:buFont typeface="Arial" pitchFamily="34" charset="0"/>
+              <a:buChar char="–"/>
+              <a:defRPr sz="3200" kern="1200">
+                <a:solidFill>
+                  <a:schemeClr val="tx1"/>
+                </a:solidFill>
+                <a:latin typeface="+mn-lt"/>
+                <a:ea typeface="+mn-ea"/>
+                <a:cs typeface="+mn-cs"/>
+              </a:defRPr>
+            </a:lvl2pPr>
+            <a:lvl3pPr marL="1291819" indent="-258364" algn="l" defTabSz="1033455" rtl="0" eaLnBrk="1" latinLnBrk="0" hangingPunct="1">
+              <a:spcBef>
+                <a:spcPct val="20000"/>
+              </a:spcBef>
+              <a:buFont typeface="Arial" pitchFamily="34" charset="0"/>
+              <a:buChar char="•"/>
+              <a:defRPr sz="2700" kern="1200">
+                <a:solidFill>
+                  <a:schemeClr val="tx1"/>
+                </a:solidFill>
+                <a:latin typeface="+mn-lt"/>
+                <a:ea typeface="+mn-ea"/>
+                <a:cs typeface="+mn-cs"/>
+              </a:defRPr>
+            </a:lvl3pPr>
+            <a:lvl4pPr marL="1808546" indent="-258364" algn="l" defTabSz="1033455" rtl="0" eaLnBrk="1" latinLnBrk="0" hangingPunct="1">
+              <a:spcBef>
+                <a:spcPct val="20000"/>
+              </a:spcBef>
+              <a:buFont typeface="Arial" pitchFamily="34" charset="0"/>
+              <a:buChar char="–"/>
+              <a:defRPr sz="2300" kern="1200">
+                <a:solidFill>
+                  <a:schemeClr val="tx1"/>
+                </a:solidFill>
+                <a:latin typeface="+mn-lt"/>
+                <a:ea typeface="+mn-ea"/>
+                <a:cs typeface="+mn-cs"/>
+              </a:defRPr>
+            </a:lvl4pPr>
+            <a:lvl5pPr marL="2325273" indent="-258364" algn="l" defTabSz="1033455" rtl="0" eaLnBrk="1" latinLnBrk="0" hangingPunct="1">
+              <a:spcBef>
+                <a:spcPct val="20000"/>
+              </a:spcBef>
+              <a:buFont typeface="Arial" pitchFamily="34" charset="0"/>
+              <a:buChar char="»"/>
+              <a:defRPr sz="2300" kern="1200">
+                <a:solidFill>
+                  <a:schemeClr val="tx1"/>
+                </a:solidFill>
+                <a:latin typeface="+mn-lt"/>
+                <a:ea typeface="+mn-ea"/>
+                <a:cs typeface="+mn-cs"/>
+              </a:defRPr>
+            </a:lvl5pPr>
+            <a:lvl6pPr marL="2842001" indent="-258364" algn="l" defTabSz="1033455" rtl="0" eaLnBrk="1" latinLnBrk="0" hangingPunct="1">
+              <a:spcBef>
+                <a:spcPct val="20000"/>
+              </a:spcBef>
+              <a:buFont typeface="Arial" pitchFamily="34" charset="0"/>
+              <a:buChar char="•"/>
+              <a:defRPr sz="2300" kern="1200">
+                <a:solidFill>
+                  <a:schemeClr val="tx1"/>
+                </a:solidFill>
+                <a:latin typeface="+mn-lt"/>
+                <a:ea typeface="+mn-ea"/>
+                <a:cs typeface="+mn-cs"/>
+              </a:defRPr>
+            </a:lvl6pPr>
+            <a:lvl7pPr marL="3358728" indent="-258364" algn="l" defTabSz="1033455" rtl="0" eaLnBrk="1" latinLnBrk="0" hangingPunct="1">
+              <a:spcBef>
+                <a:spcPct val="20000"/>
+              </a:spcBef>
+              <a:buFont typeface="Arial" pitchFamily="34" charset="0"/>
+              <a:buChar char="•"/>
+              <a:defRPr sz="2300" kern="1200">
+                <a:solidFill>
+                  <a:schemeClr val="tx1"/>
+                </a:solidFill>
+                <a:latin typeface="+mn-lt"/>
+                <a:ea typeface="+mn-ea"/>
+                <a:cs typeface="+mn-cs"/>
+              </a:defRPr>
+            </a:lvl7pPr>
+            <a:lvl8pPr marL="3875456" indent="-258364" algn="l" defTabSz="1033455" rtl="0" eaLnBrk="1" latinLnBrk="0" hangingPunct="1">
+              <a:spcBef>
+                <a:spcPct val="20000"/>
+              </a:spcBef>
+              <a:buFont typeface="Arial" pitchFamily="34" charset="0"/>
+              <a:buChar char="•"/>
+              <a:defRPr sz="2300" kern="1200">
+                <a:solidFill>
+                  <a:schemeClr val="tx1"/>
+                </a:solidFill>
+                <a:latin typeface="+mn-lt"/>
+                <a:ea typeface="+mn-ea"/>
+                <a:cs typeface="+mn-cs"/>
+              </a:defRPr>
+            </a:lvl8pPr>
+            <a:lvl9pPr marL="4392183" indent="-258364" algn="l" defTabSz="1033455" rtl="0" eaLnBrk="1" latinLnBrk="0" hangingPunct="1">
+              <a:spcBef>
+                <a:spcPct val="20000"/>
+              </a:spcBef>
+              <a:buFont typeface="Arial" pitchFamily="34" charset="0"/>
+              <a:buChar char="•"/>
+              <a:defRPr sz="2300" kern="1200">
+                <a:solidFill>
+                  <a:schemeClr val="tx1"/>
+                </a:solidFill>
+                <a:latin typeface="+mn-lt"/>
+                <a:ea typeface="+mn-ea"/>
+                <a:cs typeface="+mn-cs"/>
+              </a:defRPr>
+            </a:lvl9pPr>
+          </a:lstStyle>
+          <a:p>
+            <a:pPr marL="387546" marR="0" lvl="0" indent="-387546" algn="l" defTabSz="1033455" rtl="0" eaLnBrk="1" fontAlgn="auto" latinLnBrk="0" hangingPunct="1">
+              <a:lnSpc>
+                <a:spcPct val="100000"/>
+              </a:lnSpc>
+              <a:spcBef>
+                <a:spcPct val="20000"/>
+              </a:spcBef>
+              <a:spcAft>
+                <a:spcPts val="0"/>
+              </a:spcAft>
+              <a:buClrTx/>
+              <a:buSzTx/>
+              <a:buFont typeface="Arial" pitchFamily="34" charset="0"/>
+              <a:buChar char="•"/>
+              <a:tabLst/>
+              <a:defRPr/>
+            </a:pPr>
+            <a:r>
+              <a:rPr kumimoji="0" lang="fr-FR" sz="2000" b="0" i="0" u="none" strike="noStrike" kern="1200" cap="none" spc="0" normalizeH="0" baseline="0" noProof="0" dirty="0" smtClean="0">
+                <a:ln>
+                  <a:noFill/>
+                </a:ln>
+                <a:solidFill>
+                  <a:schemeClr val="tx1"/>
+                </a:solidFill>
+                <a:effectLst/>
+                <a:uLnTx/>
+                <a:uFillTx/>
+                <a:latin typeface="+mn-lt"/>
+                <a:ea typeface="+mn-ea"/>
+                <a:cs typeface="+mn-cs"/>
+              </a:rPr>
+              <a:t>Architecture applicative globale :</a:t>
+            </a:r>
+            <a:endParaRPr kumimoji="0" lang="fr-FR" sz="1600" b="0" i="0" u="none" strike="noStrike" kern="1200" cap="none" spc="0" normalizeH="0" baseline="0" noProof="0" dirty="0" smtClean="0">
+              <a:ln>
+                <a:noFill/>
+              </a:ln>
+              <a:solidFill>
+                <a:schemeClr val="tx1"/>
+              </a:solidFill>
+              <a:effectLst/>
+              <a:uLnTx/>
+              <a:uFillTx/>
+              <a:latin typeface="+mn-lt"/>
+              <a:ea typeface="+mn-ea"/>
+              <a:cs typeface="+mn-cs"/>
+            </a:endParaRPr>
+          </a:p>
+          <a:p>
+            <a:pPr marL="387546" marR="0" lvl="0" indent="-387546" algn="l" defTabSz="1033455" rtl="0" eaLnBrk="1" fontAlgn="auto" latinLnBrk="0" hangingPunct="1">
+              <a:lnSpc>
+                <a:spcPct val="100000"/>
+              </a:lnSpc>
+              <a:spcBef>
+                <a:spcPct val="20000"/>
+              </a:spcBef>
+              <a:spcAft>
+                <a:spcPts val="0"/>
+              </a:spcAft>
+              <a:buClrTx/>
+              <a:buSzTx/>
+              <a:buFont typeface="Arial" pitchFamily="34" charset="0"/>
+              <a:buChar char="•"/>
+              <a:tabLst/>
+              <a:defRPr/>
+            </a:pPr>
+            <a:endParaRPr kumimoji="0" lang="fr-FR" sz="2000" b="0" i="0" u="none" strike="noStrike" kern="1200" cap="none" spc="0" normalizeH="0" baseline="0" noProof="0" dirty="0" smtClean="0">
+              <a:ln>
+                <a:noFill/>
+              </a:ln>
+              <a:solidFill>
+                <a:schemeClr val="tx1"/>
+              </a:solidFill>
+              <a:effectLst/>
+              <a:uLnTx/>
+              <a:uFillTx/>
+              <a:latin typeface="+mn-lt"/>
+              <a:ea typeface="+mn-ea"/>
+              <a:cs typeface="+mn-cs"/>
+            </a:endParaRPr>
+          </a:p>
+        </p:txBody>
+      </p:sp>
+      <p:pic>
+        <p:nvPicPr>
+          <p:cNvPr id="32" name="Image 31"/>
+          <p:cNvPicPr/>
           <p:nvPr/>
-        </p:nvSpPr>
-        <p:spPr>
+        </p:nvPicPr>
+        <p:blipFill>
+          <a:blip r:embed="rId3" cstate="print"/>
+          <a:srcRect l="12612" t="34038" r="12745" b="8077"/>
+          <a:stretch>
+            <a:fillRect/>
+          </a:stretch>
+        </p:blipFill>
+        <p:spPr bwMode="auto">
           <a:xfrm>
-            <a:off x="-131241" y="4091969"/>
-            <a:ext cx="1584176" cy="400110"/>
+            <a:off x="1691680" y="2634580"/>
+            <a:ext cx="7429947" cy="3602732"/>
           </a:xfrm>
           <a:prstGeom prst="rect">
             <a:avLst/>
           </a:prstGeom>
           <a:noFill/>
-        </p:spPr>
-        <p:txBody>
-          <a:bodyPr wrap="square" rtlCol="0">
-            <a:spAutoFit/>
-          </a:bodyPr>
-          <a:lstStyle/>
-          <a:p>
-            <a:pPr algn="ctr"/>
-            <a:r>
-              <a:rPr lang="fr-FR" dirty="0" smtClean="0">
-                <a:solidFill>
-                  <a:schemeClr val="accent4">
-                    <a:lumMod val="75000"/>
-                  </a:schemeClr>
-                </a:solidFill>
-              </a:rPr>
-              <a:t>Fichier Excel</a:t>
-            </a:r>
-            <a:endParaRPr lang="fr-FR" dirty="0">
-              <a:solidFill>
-                <a:schemeClr val="accent4">
-                  <a:lumMod val="75000"/>
-                </a:schemeClr>
-              </a:solidFill>
-            </a:endParaRPr>
-          </a:p>
-        </p:txBody>
-      </p:sp>
-      <p:sp>
-        <p:nvSpPr>
-          <p:cNvPr id="31" name="ZoneTexte 30"/>
-          <p:cNvSpPr txBox="1"/>
-          <p:nvPr/>
-        </p:nvSpPr>
-        <p:spPr>
-          <a:xfrm>
-            <a:off x="6781527" y="5140151"/>
-            <a:ext cx="1584176" cy="400110"/>
-          </a:xfrm>
-          <a:prstGeom prst="rect">
-            <a:avLst/>
-          </a:prstGeom>
-          <a:noFill/>
-        </p:spPr>
-        <p:txBody>
-          <a:bodyPr wrap="square" rtlCol="0">
-            <a:spAutoFit/>
-          </a:bodyPr>
-          <a:lstStyle/>
-          <a:p>
-            <a:pPr algn="ctr"/>
-            <a:r>
-              <a:rPr lang="fr-FR" dirty="0" smtClean="0">
-                <a:solidFill>
-                  <a:schemeClr val="accent6">
-                    <a:lumMod val="75000"/>
-                  </a:schemeClr>
-                </a:solidFill>
-              </a:rPr>
-              <a:t>Tableaux</a:t>
-            </a:r>
-          </a:p>
-        </p:txBody>
-      </p:sp>
-      <p:sp>
-        <p:nvSpPr>
-          <p:cNvPr id="32" name="ZoneTexte 31"/>
-          <p:cNvSpPr txBox="1"/>
-          <p:nvPr/>
-        </p:nvSpPr>
-        <p:spPr>
-          <a:xfrm>
-            <a:off x="8149679" y="5068143"/>
-            <a:ext cx="1584176" cy="400110"/>
-          </a:xfrm>
-          <a:prstGeom prst="rect">
-            <a:avLst/>
-          </a:prstGeom>
-          <a:noFill/>
-        </p:spPr>
-        <p:txBody>
-          <a:bodyPr wrap="square" rtlCol="0">
-            <a:spAutoFit/>
-          </a:bodyPr>
-          <a:lstStyle/>
-          <a:p>
-            <a:pPr algn="ctr"/>
-            <a:r>
-              <a:rPr lang="fr-FR" dirty="0" smtClean="0">
-                <a:solidFill>
-                  <a:schemeClr val="accent6">
-                    <a:lumMod val="75000"/>
-                  </a:schemeClr>
-                </a:solidFill>
-              </a:rPr>
-              <a:t>Graphiques</a:t>
-            </a:r>
-          </a:p>
-        </p:txBody>
-      </p:sp>
-      <p:sp>
-        <p:nvSpPr>
-          <p:cNvPr id="33" name="Rectangle à coins arrondis 32"/>
-          <p:cNvSpPr/>
-          <p:nvPr/>
-        </p:nvSpPr>
-        <p:spPr>
-          <a:xfrm>
-            <a:off x="9157791" y="3195935"/>
-            <a:ext cx="1584176" cy="648072"/>
-          </a:xfrm>
-          <a:prstGeom prst="roundRect">
-            <a:avLst/>
-          </a:prstGeom>
-        </p:spPr>
-        <p:style>
-          <a:lnRef idx="2">
-            <a:schemeClr val="accent1">
-              <a:shade val="50000"/>
-            </a:schemeClr>
-          </a:lnRef>
-          <a:fillRef idx="1">
-            <a:schemeClr val="accent1"/>
-          </a:fillRef>
-          <a:effectRef idx="0">
-            <a:schemeClr val="accent1"/>
-          </a:effectRef>
-          <a:fontRef idx="minor">
-            <a:schemeClr val="lt1"/>
-          </a:fontRef>
-        </p:style>
-        <p:txBody>
-          <a:bodyPr rtlCol="0" anchor="ctr"/>
-          <a:lstStyle/>
-          <a:p>
-            <a:pPr algn="ctr"/>
-            <a:r>
-              <a:rPr lang="fr-FR" dirty="0" smtClean="0"/>
-              <a:t>Application utilisateur</a:t>
-            </a:r>
-            <a:endParaRPr lang="fr-FR" dirty="0"/>
-          </a:p>
-        </p:txBody>
-      </p:sp>
-      <p:sp>
-        <p:nvSpPr>
-          <p:cNvPr id="34" name="Ellipse 33"/>
-          <p:cNvSpPr/>
-          <p:nvPr/>
-        </p:nvSpPr>
-        <p:spPr>
-          <a:xfrm>
-            <a:off x="1740967" y="3212976"/>
-            <a:ext cx="1008112" cy="631031"/>
-          </a:xfrm>
-          <a:prstGeom prst="ellipse">
-            <a:avLst/>
-          </a:prstGeom>
-        </p:spPr>
-        <p:style>
-          <a:lnRef idx="2">
-            <a:schemeClr val="accent2">
-              <a:shade val="50000"/>
-            </a:schemeClr>
-          </a:lnRef>
-          <a:fillRef idx="1">
-            <a:schemeClr val="accent2"/>
-          </a:fillRef>
-          <a:effectRef idx="0">
-            <a:schemeClr val="accent2"/>
-          </a:effectRef>
-          <a:fontRef idx="minor">
-            <a:schemeClr val="lt1"/>
-          </a:fontRef>
-        </p:style>
-        <p:txBody>
-          <a:bodyPr rtlCol="0" anchor="ctr"/>
-          <a:lstStyle/>
-          <a:p>
-            <a:pPr algn="ctr"/>
-            <a:r>
-              <a:rPr lang="fr-FR" dirty="0" smtClean="0"/>
-              <a:t>ETL</a:t>
-            </a:r>
-            <a:endParaRPr lang="fr-FR" dirty="0"/>
-          </a:p>
-        </p:txBody>
-      </p:sp>
-      <p:graphicFrame>
-        <p:nvGraphicFramePr>
-          <p:cNvPr id="35" name="Tableau 34"/>
-          <p:cNvGraphicFramePr>
-            <a:graphicFrameLocks noGrp="1"/>
-          </p:cNvGraphicFramePr>
-          <p:nvPr/>
-        </p:nvGraphicFramePr>
-        <p:xfrm>
-          <a:off x="7141567" y="3916015"/>
-          <a:ext cx="925736" cy="1188720"/>
-        </p:xfrm>
-        <a:graphic>
-          <a:graphicData uri="http://schemas.openxmlformats.org/drawingml/2006/table">
-            <a:tbl>
-              <a:tblPr firstRow="1" bandRow="1">
-                <a:tableStyleId>{93296810-A885-4BE3-A3E7-6D5BEEA58F35}</a:tableStyleId>
-              </a:tblPr>
-              <a:tblGrid>
-                <a:gridCol w="462868"/>
-                <a:gridCol w="462868"/>
-              </a:tblGrid>
-              <a:tr h="181717">
-                <a:tc>
-                  <a:txBody>
-                    <a:bodyPr/>
-                    <a:lstStyle/>
-                    <a:p>
-                      <a:endParaRPr lang="fr-FR" dirty="0"/>
-                    </a:p>
-                  </a:txBody>
-                  <a:tcPr/>
-                </a:tc>
-                <a:tc>
-                  <a:txBody>
-                    <a:bodyPr/>
-                    <a:lstStyle/>
-                    <a:p>
-                      <a:endParaRPr lang="fr-FR" dirty="0"/>
-                    </a:p>
-                  </a:txBody>
-                  <a:tcPr/>
-                </a:tc>
-              </a:tr>
-              <a:tr h="181717">
-                <a:tc>
-                  <a:txBody>
-                    <a:bodyPr/>
-                    <a:lstStyle/>
-                    <a:p>
-                      <a:endParaRPr lang="fr-FR" dirty="0"/>
-                    </a:p>
-                  </a:txBody>
-                  <a:tcPr/>
-                </a:tc>
-                <a:tc>
-                  <a:txBody>
-                    <a:bodyPr/>
-                    <a:lstStyle/>
-                    <a:p>
-                      <a:endParaRPr lang="fr-FR"/>
-                    </a:p>
-                  </a:txBody>
-                  <a:tcPr/>
-                </a:tc>
-              </a:tr>
-              <a:tr h="181717">
-                <a:tc>
-                  <a:txBody>
-                    <a:bodyPr/>
-                    <a:lstStyle/>
-                    <a:p>
-                      <a:endParaRPr lang="fr-FR" dirty="0"/>
-                    </a:p>
-                  </a:txBody>
-                  <a:tcPr/>
-                </a:tc>
-                <a:tc>
-                  <a:txBody>
-                    <a:bodyPr/>
-                    <a:lstStyle/>
-                    <a:p>
-                      <a:endParaRPr lang="fr-FR" dirty="0"/>
-                    </a:p>
-                  </a:txBody>
-                  <a:tcPr/>
-                </a:tc>
-              </a:tr>
-            </a:tbl>
-          </a:graphicData>
-        </a:graphic>
-      </p:graphicFrame>
-      <p:graphicFrame>
-        <p:nvGraphicFramePr>
-          <p:cNvPr id="36" name="Graphique 35"/>
-          <p:cNvGraphicFramePr/>
-          <p:nvPr/>
-        </p:nvGraphicFramePr>
-        <p:xfrm>
-          <a:off x="8221687" y="3916015"/>
-          <a:ext cx="1383704" cy="1152128"/>
-        </p:xfrm>
-        <a:graphic>
-          <a:graphicData uri="http://schemas.openxmlformats.org/drawingml/2006/chart">
-            <c:chart xmlns:c="http://schemas.openxmlformats.org/drawingml/2006/chart" xmlns:r="http://schemas.openxmlformats.org/officeDocument/2006/relationships" r:id="rId2"/>
-          </a:graphicData>
-        </a:graphic>
-      </p:graphicFrame>
-      <p:sp>
-        <p:nvSpPr>
-          <p:cNvPr id="37" name="Flèche gauche 36"/>
-          <p:cNvSpPr/>
-          <p:nvPr/>
-        </p:nvSpPr>
-        <p:spPr>
-          <a:xfrm>
-            <a:off x="1164903" y="3429000"/>
-            <a:ext cx="504056" cy="189735"/>
-          </a:xfrm>
-          <a:prstGeom prst="leftArrow">
-            <a:avLst/>
-          </a:prstGeom>
-        </p:spPr>
-        <p:style>
-          <a:lnRef idx="2">
-            <a:schemeClr val="accent1">
-              <a:shade val="50000"/>
-            </a:schemeClr>
-          </a:lnRef>
-          <a:fillRef idx="1">
-            <a:schemeClr val="accent1"/>
-          </a:fillRef>
-          <a:effectRef idx="0">
-            <a:schemeClr val="accent1"/>
-          </a:effectRef>
-          <a:fontRef idx="minor">
-            <a:schemeClr val="lt1"/>
-          </a:fontRef>
-        </p:style>
-        <p:txBody>
-          <a:bodyPr rtlCol="0" anchor="ctr"/>
-          <a:lstStyle/>
-          <a:p>
-            <a:pPr algn="ctr"/>
-            <a:endParaRPr lang="fr-FR"/>
-          </a:p>
-        </p:txBody>
-      </p:sp>
-      <p:sp>
-        <p:nvSpPr>
-          <p:cNvPr id="38" name="Flèche droite 37"/>
-          <p:cNvSpPr/>
-          <p:nvPr/>
-        </p:nvSpPr>
-        <p:spPr>
-          <a:xfrm>
-            <a:off x="2821087" y="3411959"/>
-            <a:ext cx="720080" cy="216024"/>
-          </a:xfrm>
-          <a:prstGeom prst="rightArrow">
-            <a:avLst/>
-          </a:prstGeom>
-        </p:spPr>
-        <p:style>
-          <a:lnRef idx="2">
-            <a:schemeClr val="accent1">
-              <a:shade val="50000"/>
-            </a:schemeClr>
-          </a:lnRef>
-          <a:fillRef idx="1">
-            <a:schemeClr val="accent1"/>
-          </a:fillRef>
-          <a:effectRef idx="0">
-            <a:schemeClr val="accent1"/>
-          </a:effectRef>
-          <a:fontRef idx="minor">
-            <a:schemeClr val="lt1"/>
-          </a:fontRef>
-        </p:style>
-        <p:txBody>
-          <a:bodyPr rtlCol="0" anchor="ctr"/>
-          <a:lstStyle/>
-          <a:p>
-            <a:pPr algn="ctr"/>
-            <a:endParaRPr lang="fr-FR"/>
-          </a:p>
-        </p:txBody>
-      </p:sp>
-      <p:sp>
-        <p:nvSpPr>
-          <p:cNvPr id="39" name="Flèche droite 38"/>
-          <p:cNvSpPr/>
-          <p:nvPr/>
-        </p:nvSpPr>
-        <p:spPr>
-          <a:xfrm rot="10800000">
-            <a:off x="7501607" y="3339951"/>
-            <a:ext cx="1584176" cy="163910"/>
-          </a:xfrm>
-          <a:prstGeom prst="rightArrow">
-            <a:avLst/>
-          </a:prstGeom>
-        </p:spPr>
-        <p:style>
-          <a:lnRef idx="2">
-            <a:schemeClr val="accent1">
-              <a:shade val="50000"/>
-            </a:schemeClr>
-          </a:lnRef>
-          <a:fillRef idx="1">
-            <a:schemeClr val="accent1"/>
-          </a:fillRef>
-          <a:effectRef idx="0">
-            <a:schemeClr val="accent1"/>
-          </a:effectRef>
-          <a:fontRef idx="minor">
-            <a:schemeClr val="lt1"/>
-          </a:fontRef>
-        </p:style>
-        <p:txBody>
-          <a:bodyPr rtlCol="0" anchor="ctr"/>
-          <a:lstStyle/>
-          <a:p>
-            <a:pPr algn="ctr"/>
-            <a:endParaRPr lang="fr-FR"/>
-          </a:p>
-        </p:txBody>
-      </p:sp>
-      <p:sp>
-        <p:nvSpPr>
-          <p:cNvPr id="40" name="Flèche droite 39"/>
-          <p:cNvSpPr/>
-          <p:nvPr/>
-        </p:nvSpPr>
-        <p:spPr>
-          <a:xfrm>
-            <a:off x="300807" y="5428183"/>
-            <a:ext cx="10065568" cy="1944216"/>
-          </a:xfrm>
-          <a:prstGeom prst="rightArrow">
-            <a:avLst/>
-          </a:prstGeom>
-          <a:ln/>
-        </p:spPr>
-        <p:style>
-          <a:lnRef idx="2">
-            <a:schemeClr val="accent5"/>
-          </a:lnRef>
-          <a:fillRef idx="1">
-            <a:schemeClr val="lt1"/>
-          </a:fillRef>
-          <a:effectRef idx="0">
-            <a:schemeClr val="accent5"/>
-          </a:effectRef>
-          <a:fontRef idx="minor">
-            <a:schemeClr val="dk1"/>
-          </a:fontRef>
-        </p:style>
-        <p:txBody>
-          <a:bodyPr rtlCol="0" anchor="ctr"/>
-          <a:lstStyle/>
-          <a:p>
-            <a:pPr algn="ctr"/>
-            <a:endParaRPr lang="fr-FR"/>
-          </a:p>
-        </p:txBody>
-      </p:sp>
-      <p:sp>
-        <p:nvSpPr>
-          <p:cNvPr id="41" name="Rectangle à coins arrondis 40"/>
-          <p:cNvSpPr/>
-          <p:nvPr/>
-        </p:nvSpPr>
-        <p:spPr>
-          <a:xfrm>
-            <a:off x="9373815" y="6076255"/>
-            <a:ext cx="1296144" cy="648072"/>
-          </a:xfrm>
-          <a:prstGeom prst="roundRect">
-            <a:avLst/>
-          </a:prstGeom>
-        </p:spPr>
-        <p:style>
-          <a:lnRef idx="2">
-            <a:schemeClr val="accent5">
-              <a:shade val="50000"/>
-            </a:schemeClr>
-          </a:lnRef>
-          <a:fillRef idx="1">
-            <a:schemeClr val="accent5"/>
-          </a:fillRef>
-          <a:effectRef idx="0">
-            <a:schemeClr val="accent5"/>
-          </a:effectRef>
-          <a:fontRef idx="minor">
-            <a:schemeClr val="lt1"/>
-          </a:fontRef>
-        </p:style>
-        <p:txBody>
-          <a:bodyPr rtlCol="0" anchor="ctr"/>
-          <a:lstStyle/>
-          <a:p>
-            <a:pPr algn="ctr"/>
-            <a:r>
-              <a:rPr lang="fr-FR" dirty="0" smtClean="0"/>
-              <a:t>Affichage</a:t>
-            </a:r>
-            <a:endParaRPr lang="fr-FR" dirty="0"/>
-          </a:p>
-        </p:txBody>
-      </p:sp>
-      <p:sp>
-        <p:nvSpPr>
-          <p:cNvPr id="42" name="Rectangle à coins arrondis 41"/>
-          <p:cNvSpPr/>
-          <p:nvPr/>
-        </p:nvSpPr>
-        <p:spPr>
-          <a:xfrm>
-            <a:off x="5989439" y="6076255"/>
-            <a:ext cx="1296144" cy="648072"/>
-          </a:xfrm>
-          <a:prstGeom prst="roundRect">
-            <a:avLst/>
-          </a:prstGeom>
-        </p:spPr>
-        <p:style>
-          <a:lnRef idx="2">
-            <a:schemeClr val="accent5">
-              <a:shade val="50000"/>
-            </a:schemeClr>
-          </a:lnRef>
-          <a:fillRef idx="1">
-            <a:schemeClr val="accent5"/>
-          </a:fillRef>
-          <a:effectRef idx="0">
-            <a:schemeClr val="accent5"/>
-          </a:effectRef>
-          <a:fontRef idx="minor">
-            <a:schemeClr val="lt1"/>
-          </a:fontRef>
-        </p:style>
-        <p:txBody>
-          <a:bodyPr rtlCol="0" anchor="ctr"/>
-          <a:lstStyle/>
-          <a:p>
-            <a:pPr algn="ctr"/>
-            <a:r>
-              <a:rPr lang="fr-FR" dirty="0" smtClean="0"/>
-              <a:t>Mise en forme</a:t>
-            </a:r>
-            <a:endParaRPr lang="fr-FR" dirty="0"/>
-          </a:p>
-        </p:txBody>
-      </p:sp>
-      <p:sp>
-        <p:nvSpPr>
-          <p:cNvPr id="43" name="Ellipse 42"/>
-          <p:cNvSpPr/>
-          <p:nvPr/>
-        </p:nvSpPr>
-        <p:spPr>
-          <a:xfrm>
-            <a:off x="5629399" y="3195935"/>
-            <a:ext cx="1800200" cy="720080"/>
-          </a:xfrm>
-          <a:prstGeom prst="ellipse">
-            <a:avLst/>
-          </a:prstGeom>
-        </p:spPr>
-        <p:style>
-          <a:lnRef idx="2">
-            <a:schemeClr val="accent2">
-              <a:shade val="50000"/>
-            </a:schemeClr>
-          </a:lnRef>
-          <a:fillRef idx="1">
-            <a:schemeClr val="accent2"/>
-          </a:fillRef>
-          <a:effectRef idx="0">
-            <a:schemeClr val="accent2"/>
-          </a:effectRef>
-          <a:fontRef idx="minor">
-            <a:schemeClr val="lt1"/>
-          </a:fontRef>
-        </p:style>
-        <p:txBody>
-          <a:bodyPr rtlCol="0" anchor="ctr"/>
-          <a:lstStyle/>
-          <a:p>
-            <a:pPr algn="ctr"/>
-            <a:r>
-              <a:rPr lang="fr-FR" dirty="0" smtClean="0"/>
-              <a:t>Outil de restitution</a:t>
-            </a:r>
-            <a:endParaRPr lang="fr-FR" dirty="0"/>
-          </a:p>
-        </p:txBody>
-      </p:sp>
-      <p:sp>
-        <p:nvSpPr>
-          <p:cNvPr id="44" name="Flèche droite 43"/>
-          <p:cNvSpPr/>
-          <p:nvPr/>
-        </p:nvSpPr>
-        <p:spPr>
-          <a:xfrm>
-            <a:off x="4981327" y="3699991"/>
-            <a:ext cx="648072" cy="216024"/>
-          </a:xfrm>
-          <a:prstGeom prst="rightArrow">
-            <a:avLst/>
-          </a:prstGeom>
-        </p:spPr>
-        <p:style>
-          <a:lnRef idx="2">
-            <a:schemeClr val="accent1">
-              <a:shade val="50000"/>
-            </a:schemeClr>
-          </a:lnRef>
-          <a:fillRef idx="1">
-            <a:schemeClr val="accent1"/>
-          </a:fillRef>
-          <a:effectRef idx="0">
-            <a:schemeClr val="accent1"/>
-          </a:effectRef>
-          <a:fontRef idx="minor">
-            <a:schemeClr val="lt1"/>
-          </a:fontRef>
-        </p:style>
-        <p:txBody>
-          <a:bodyPr rtlCol="0" anchor="ctr"/>
-          <a:lstStyle/>
-          <a:p>
-            <a:pPr algn="ctr"/>
-            <a:endParaRPr lang="fr-FR" u="sng" dirty="0"/>
-          </a:p>
-        </p:txBody>
-      </p:sp>
-      <p:sp>
-        <p:nvSpPr>
-          <p:cNvPr id="45" name="Flèche droite 44"/>
-          <p:cNvSpPr/>
-          <p:nvPr/>
-        </p:nvSpPr>
-        <p:spPr>
-          <a:xfrm>
-            <a:off x="7501607" y="3608089"/>
-            <a:ext cx="1584176" cy="163910"/>
-          </a:xfrm>
-          <a:prstGeom prst="rightArrow">
-            <a:avLst/>
-          </a:prstGeom>
-        </p:spPr>
-        <p:style>
-          <a:lnRef idx="2">
-            <a:schemeClr val="accent1">
-              <a:shade val="50000"/>
-            </a:schemeClr>
-          </a:lnRef>
-          <a:fillRef idx="1">
-            <a:schemeClr val="accent1"/>
-          </a:fillRef>
-          <a:effectRef idx="0">
-            <a:schemeClr val="accent1"/>
-          </a:effectRef>
-          <a:fontRef idx="minor">
-            <a:schemeClr val="lt1"/>
-          </a:fontRef>
-        </p:style>
-        <p:txBody>
-          <a:bodyPr rtlCol="0" anchor="ctr"/>
-          <a:lstStyle/>
-          <a:p>
-            <a:pPr algn="ctr"/>
-            <a:endParaRPr lang="fr-FR"/>
-          </a:p>
-        </p:txBody>
-      </p:sp>
-      <p:sp>
-        <p:nvSpPr>
-          <p:cNvPr id="46" name="Flèche droite 45"/>
-          <p:cNvSpPr/>
-          <p:nvPr/>
-        </p:nvSpPr>
-        <p:spPr>
-          <a:xfrm rot="10800000">
-            <a:off x="4981327" y="3267943"/>
-            <a:ext cx="648072" cy="216024"/>
-          </a:xfrm>
-          <a:prstGeom prst="rightArrow">
-            <a:avLst/>
-          </a:prstGeom>
-        </p:spPr>
-        <p:style>
-          <a:lnRef idx="2">
-            <a:schemeClr val="accent1">
-              <a:shade val="50000"/>
-            </a:schemeClr>
-          </a:lnRef>
-          <a:fillRef idx="1">
-            <a:schemeClr val="accent1"/>
-          </a:fillRef>
-          <a:effectRef idx="0">
-            <a:schemeClr val="accent1"/>
-          </a:effectRef>
-          <a:fontRef idx="minor">
-            <a:schemeClr val="lt1"/>
-          </a:fontRef>
-        </p:style>
-        <p:txBody>
-          <a:bodyPr rtlCol="0" anchor="ctr"/>
-          <a:lstStyle/>
-          <a:p>
-            <a:pPr algn="ctr"/>
-            <a:endParaRPr lang="fr-FR" u="sng" dirty="0"/>
-          </a:p>
-        </p:txBody>
-      </p:sp>
-      <p:sp>
-        <p:nvSpPr>
-          <p:cNvPr id="47" name="ZoneTexte 46"/>
-          <p:cNvSpPr txBox="1"/>
-          <p:nvPr/>
-        </p:nvSpPr>
-        <p:spPr>
-          <a:xfrm>
-            <a:off x="4621287" y="3844007"/>
-            <a:ext cx="1584176" cy="400110"/>
-          </a:xfrm>
-          <a:prstGeom prst="rect">
-            <a:avLst/>
-          </a:prstGeom>
-          <a:noFill/>
-        </p:spPr>
-        <p:txBody>
-          <a:bodyPr wrap="square" rtlCol="0">
-            <a:spAutoFit/>
-          </a:bodyPr>
-          <a:lstStyle/>
-          <a:p>
-            <a:pPr algn="ctr"/>
-            <a:r>
-              <a:rPr lang="fr-FR" dirty="0" smtClean="0">
-                <a:solidFill>
-                  <a:schemeClr val="tx2"/>
-                </a:solidFill>
-              </a:rPr>
-              <a:t>Données</a:t>
-            </a:r>
-          </a:p>
-        </p:txBody>
-      </p:sp>
-      <p:sp>
-        <p:nvSpPr>
-          <p:cNvPr id="48" name="ZoneTexte 47"/>
-          <p:cNvSpPr txBox="1"/>
-          <p:nvPr/>
-        </p:nvSpPr>
-        <p:spPr>
-          <a:xfrm>
-            <a:off x="4693295" y="2939841"/>
-            <a:ext cx="1584176" cy="400110"/>
-          </a:xfrm>
-          <a:prstGeom prst="rect">
-            <a:avLst/>
-          </a:prstGeom>
-          <a:noFill/>
-        </p:spPr>
-        <p:txBody>
-          <a:bodyPr wrap="square" rtlCol="0">
-            <a:spAutoFit/>
-          </a:bodyPr>
-          <a:lstStyle/>
-          <a:p>
-            <a:pPr algn="ctr"/>
-            <a:r>
-              <a:rPr lang="fr-FR" dirty="0" smtClean="0">
-                <a:solidFill>
-                  <a:schemeClr val="tx2"/>
-                </a:solidFill>
-              </a:rPr>
-              <a:t>interroge</a:t>
-            </a:r>
-          </a:p>
-        </p:txBody>
-      </p:sp>
-      <p:sp>
-        <p:nvSpPr>
-          <p:cNvPr id="49" name="ZoneTexte 48"/>
-          <p:cNvSpPr txBox="1"/>
-          <p:nvPr/>
-        </p:nvSpPr>
-        <p:spPr>
-          <a:xfrm>
-            <a:off x="7429599" y="2939841"/>
-            <a:ext cx="1584176" cy="400110"/>
-          </a:xfrm>
-          <a:prstGeom prst="rect">
-            <a:avLst/>
-          </a:prstGeom>
-          <a:noFill/>
-        </p:spPr>
-        <p:txBody>
-          <a:bodyPr wrap="square" rtlCol="0">
-            <a:spAutoFit/>
-          </a:bodyPr>
-          <a:lstStyle/>
-          <a:p>
-            <a:pPr algn="ctr"/>
-            <a:r>
-              <a:rPr lang="fr-FR" dirty="0" smtClean="0">
-                <a:solidFill>
-                  <a:schemeClr val="tx2"/>
-                </a:solidFill>
-              </a:rPr>
-              <a:t>appelle</a:t>
-            </a:r>
-          </a:p>
-        </p:txBody>
-      </p:sp>
-      <p:sp>
-        <p:nvSpPr>
-          <p:cNvPr id="50" name="Rectangle à coins arrondis 49"/>
-          <p:cNvSpPr/>
-          <p:nvPr/>
-        </p:nvSpPr>
-        <p:spPr>
-          <a:xfrm>
-            <a:off x="1236911" y="6076255"/>
-            <a:ext cx="2160240" cy="648072"/>
-          </a:xfrm>
-          <a:prstGeom prst="roundRect">
-            <a:avLst/>
-          </a:prstGeom>
-        </p:spPr>
-        <p:style>
-          <a:lnRef idx="2">
-            <a:schemeClr val="accent5">
-              <a:shade val="50000"/>
-            </a:schemeClr>
-          </a:lnRef>
-          <a:fillRef idx="1">
-            <a:schemeClr val="accent5"/>
-          </a:fillRef>
-          <a:effectRef idx="0">
-            <a:schemeClr val="accent5"/>
-          </a:effectRef>
-          <a:fontRef idx="minor">
-            <a:schemeClr val="lt1"/>
-          </a:fontRef>
-        </p:style>
-        <p:txBody>
-          <a:bodyPr rtlCol="0" anchor="ctr"/>
-          <a:lstStyle/>
-          <a:p>
-            <a:pPr algn="ctr"/>
-            <a:r>
-              <a:rPr lang="fr-FR" dirty="0" smtClean="0"/>
-              <a:t>Récupération et </a:t>
-            </a:r>
-            <a:r>
-              <a:rPr lang="fr-FR" dirty="0" smtClean="0"/>
-              <a:t>harmonisation</a:t>
-            </a:r>
-            <a:endParaRPr lang="fr-FR" dirty="0"/>
-          </a:p>
-        </p:txBody>
-      </p:sp>
-      <p:sp>
-        <p:nvSpPr>
-          <p:cNvPr id="51" name="Rectangle à coins arrondis 50"/>
-          <p:cNvSpPr/>
-          <p:nvPr/>
-        </p:nvSpPr>
-        <p:spPr>
-          <a:xfrm>
-            <a:off x="3613175" y="6076255"/>
-            <a:ext cx="1296144" cy="648072"/>
-          </a:xfrm>
-          <a:prstGeom prst="roundRect">
-            <a:avLst/>
-          </a:prstGeom>
-        </p:spPr>
-        <p:style>
-          <a:lnRef idx="2">
-            <a:schemeClr val="accent5">
-              <a:shade val="50000"/>
-            </a:schemeClr>
-          </a:lnRef>
-          <a:fillRef idx="1">
-            <a:schemeClr val="accent5"/>
-          </a:fillRef>
-          <a:effectRef idx="0">
-            <a:schemeClr val="accent5"/>
-          </a:effectRef>
-          <a:fontRef idx="minor">
-            <a:schemeClr val="lt1"/>
-          </a:fontRef>
-        </p:style>
-        <p:txBody>
-          <a:bodyPr rtlCol="0" anchor="ctr"/>
-          <a:lstStyle/>
-          <a:p>
-            <a:pPr algn="ctr"/>
-            <a:r>
-              <a:rPr lang="fr-FR" dirty="0" smtClean="0"/>
-              <a:t>Stockage</a:t>
-            </a:r>
-            <a:endParaRPr lang="fr-FR" dirty="0"/>
-          </a:p>
-        </p:txBody>
-      </p:sp>
+          <a:ln w="9525">
+            <a:noFill/>
+            <a:miter lim="800000"/>
+            <a:headEnd/>
+            <a:tailEnd/>
+          </a:ln>
+        </p:spPr>
+      </p:pic>
     </p:spTree>
+    <p:extLst>
+      <p:ext uri="{BB962C8B-B14F-4D97-AF65-F5344CB8AC3E}">
+        <p14:creationId xmlns:p14="http://schemas.microsoft.com/office/powerpoint/2010/main" xmlns="" val="1153812334"/>
+      </p:ext>
+    </p:extLst>
   </p:cSld>
   <p:clrMapOvr>
     <a:masterClrMapping/>
   </p:clrMapOvr>
-  <p:timing>
-    <p:tnLst>
-      <p:par>
-        <p:cTn id="1" dur="indefinite" restart="never" nodeType="tmRoot"/>
-      </p:par>
-    </p:tnLst>
-  </p:timing>
-</p:sld>
-</file>
-
-<file path=ppt/slides/slide4.xml><?xml version="1.0" encoding="utf-8"?>
-<p:sld xmlns:a="http://schemas.openxmlformats.org/drawingml/2006/main" xmlns:r="http://schemas.openxmlformats.org/officeDocument/2006/relationships" xmlns:p="http://schemas.openxmlformats.org/presentationml/2006/main">
-  <p:cSld>
-    <p:spTree>
-      <p:nvGrpSpPr>
-        <p:cNvPr id="1" name=""/>
-        <p:cNvGrpSpPr/>
-        <p:nvPr/>
-      </p:nvGrpSpPr>
-      <p:grpSpPr>
-        <a:xfrm>
-          <a:off x="0" y="0"/>
-          <a:ext cx="0" cy="0"/>
-          <a:chOff x="0" y="0"/>
-          <a:chExt cx="0" cy="0"/>
-        </a:xfrm>
-      </p:grpSpPr>
-      <p:graphicFrame>
-        <p:nvGraphicFramePr>
-          <p:cNvPr id="32" name="Tableau 31"/>
-          <p:cNvGraphicFramePr>
-            <a:graphicFrameLocks noGrp="1"/>
-          </p:cNvGraphicFramePr>
-          <p:nvPr/>
-        </p:nvGraphicFramePr>
-        <p:xfrm>
-          <a:off x="84783" y="1772816"/>
-          <a:ext cx="925734" cy="1188720"/>
-        </p:xfrm>
-        <a:graphic>
-          <a:graphicData uri="http://schemas.openxmlformats.org/drawingml/2006/table">
-            <a:tbl>
-              <a:tblPr firstRow="1" bandRow="1">
-                <a:tableStyleId>{00A15C55-8517-42AA-B614-E9B94910E393}</a:tableStyleId>
-              </a:tblPr>
-              <a:tblGrid>
-                <a:gridCol w="308578"/>
-                <a:gridCol w="308578"/>
-                <a:gridCol w="308578"/>
-              </a:tblGrid>
-              <a:tr h="229722">
-                <a:tc>
-                  <a:txBody>
-                    <a:bodyPr/>
-                    <a:lstStyle/>
-                    <a:p>
-                      <a:endParaRPr lang="fr-FR" dirty="0"/>
-                    </a:p>
-                  </a:txBody>
-                  <a:tcPr/>
-                </a:tc>
-                <a:tc>
-                  <a:txBody>
-                    <a:bodyPr/>
-                    <a:lstStyle/>
-                    <a:p>
-                      <a:endParaRPr lang="fr-FR"/>
-                    </a:p>
-                  </a:txBody>
-                  <a:tcPr/>
-                </a:tc>
-                <a:tc>
-                  <a:txBody>
-                    <a:bodyPr/>
-                    <a:lstStyle/>
-                    <a:p>
-                      <a:endParaRPr lang="fr-FR"/>
-                    </a:p>
-                  </a:txBody>
-                  <a:tcPr/>
-                </a:tc>
-              </a:tr>
-              <a:tr h="229722">
-                <a:tc>
-                  <a:txBody>
-                    <a:bodyPr/>
-                    <a:lstStyle/>
-                    <a:p>
-                      <a:endParaRPr lang="fr-FR"/>
-                    </a:p>
-                  </a:txBody>
-                  <a:tcPr/>
-                </a:tc>
-                <a:tc>
-                  <a:txBody>
-                    <a:bodyPr/>
-                    <a:lstStyle/>
-                    <a:p>
-                      <a:endParaRPr lang="fr-FR"/>
-                    </a:p>
-                  </a:txBody>
-                  <a:tcPr/>
-                </a:tc>
-                <a:tc>
-                  <a:txBody>
-                    <a:bodyPr/>
-                    <a:lstStyle/>
-                    <a:p>
-                      <a:endParaRPr lang="fr-FR"/>
-                    </a:p>
-                  </a:txBody>
-                  <a:tcPr/>
-                </a:tc>
-              </a:tr>
-              <a:tr h="229722">
-                <a:tc>
-                  <a:txBody>
-                    <a:bodyPr/>
-                    <a:lstStyle/>
-                    <a:p>
-                      <a:endParaRPr lang="fr-FR"/>
-                    </a:p>
-                  </a:txBody>
-                  <a:tcPr/>
-                </a:tc>
-                <a:tc>
-                  <a:txBody>
-                    <a:bodyPr/>
-                    <a:lstStyle/>
-                    <a:p>
-                      <a:endParaRPr lang="fr-FR"/>
-                    </a:p>
-                  </a:txBody>
-                  <a:tcPr/>
-                </a:tc>
-                <a:tc>
-                  <a:txBody>
-                    <a:bodyPr/>
-                    <a:lstStyle/>
-                    <a:p>
-                      <a:endParaRPr lang="fr-FR" dirty="0"/>
-                    </a:p>
-                  </a:txBody>
-                  <a:tcPr/>
-                </a:tc>
-              </a:tr>
-            </a:tbl>
-          </a:graphicData>
-        </a:graphic>
-      </p:graphicFrame>
-      <p:sp>
-        <p:nvSpPr>
-          <p:cNvPr id="33" name="Cylindre 32"/>
-          <p:cNvSpPr/>
-          <p:nvPr/>
-        </p:nvSpPr>
-        <p:spPr>
-          <a:xfrm>
-            <a:off x="3541167" y="1700808"/>
-            <a:ext cx="1296144" cy="1224136"/>
-          </a:xfrm>
-          <a:prstGeom prst="can">
-            <a:avLst/>
-          </a:prstGeom>
-        </p:spPr>
-        <p:style>
-          <a:lnRef idx="2">
-            <a:schemeClr val="accent3">
-              <a:shade val="50000"/>
-            </a:schemeClr>
-          </a:lnRef>
-          <a:fillRef idx="1">
-            <a:schemeClr val="accent3"/>
-          </a:fillRef>
-          <a:effectRef idx="0">
-            <a:schemeClr val="accent3"/>
-          </a:effectRef>
-          <a:fontRef idx="minor">
-            <a:schemeClr val="lt1"/>
-          </a:fontRef>
-        </p:style>
-        <p:txBody>
-          <a:bodyPr rtlCol="0" anchor="ctr"/>
-          <a:lstStyle/>
-          <a:p>
-            <a:pPr algn="ctr"/>
-            <a:r>
-              <a:rPr lang="fr-FR" dirty="0" smtClean="0"/>
-              <a:t>Entrepôt</a:t>
-            </a:r>
-            <a:endParaRPr lang="fr-FR" dirty="0"/>
-          </a:p>
-        </p:txBody>
-      </p:sp>
-      <p:sp>
-        <p:nvSpPr>
-          <p:cNvPr id="34" name="ZoneTexte 33"/>
-          <p:cNvSpPr txBox="1"/>
-          <p:nvPr/>
-        </p:nvSpPr>
-        <p:spPr>
-          <a:xfrm>
-            <a:off x="-203249" y="2939841"/>
-            <a:ext cx="1584176" cy="400110"/>
-          </a:xfrm>
-          <a:prstGeom prst="rect">
-            <a:avLst/>
-          </a:prstGeom>
-          <a:noFill/>
-        </p:spPr>
-        <p:txBody>
-          <a:bodyPr wrap="square" rtlCol="0">
-            <a:spAutoFit/>
-          </a:bodyPr>
-          <a:lstStyle/>
-          <a:p>
-            <a:pPr algn="ctr"/>
-            <a:r>
-              <a:rPr lang="fr-FR" dirty="0" smtClean="0">
-                <a:solidFill>
-                  <a:schemeClr val="accent4">
-                    <a:lumMod val="75000"/>
-                  </a:schemeClr>
-                </a:solidFill>
-              </a:rPr>
-              <a:t>Fichier Excel</a:t>
-            </a:r>
-            <a:endParaRPr lang="fr-FR" dirty="0">
-              <a:solidFill>
-                <a:schemeClr val="accent4">
-                  <a:lumMod val="75000"/>
-                </a:schemeClr>
-              </a:solidFill>
-            </a:endParaRPr>
-          </a:p>
-        </p:txBody>
-      </p:sp>
-      <p:sp>
-        <p:nvSpPr>
-          <p:cNvPr id="35" name="ZoneTexte 34"/>
-          <p:cNvSpPr txBox="1"/>
-          <p:nvPr/>
-        </p:nvSpPr>
-        <p:spPr>
-          <a:xfrm>
-            <a:off x="6709519" y="3988023"/>
-            <a:ext cx="1584176" cy="400110"/>
-          </a:xfrm>
-          <a:prstGeom prst="rect">
-            <a:avLst/>
-          </a:prstGeom>
-          <a:noFill/>
-        </p:spPr>
-        <p:txBody>
-          <a:bodyPr wrap="square" rtlCol="0">
-            <a:spAutoFit/>
-          </a:bodyPr>
-          <a:lstStyle/>
-          <a:p>
-            <a:pPr algn="ctr"/>
-            <a:r>
-              <a:rPr lang="fr-FR" dirty="0" smtClean="0">
-                <a:solidFill>
-                  <a:schemeClr val="accent6">
-                    <a:lumMod val="75000"/>
-                  </a:schemeClr>
-                </a:solidFill>
-              </a:rPr>
-              <a:t>Tableaux</a:t>
-            </a:r>
-          </a:p>
-        </p:txBody>
-      </p:sp>
-      <p:sp>
-        <p:nvSpPr>
-          <p:cNvPr id="36" name="ZoneTexte 35"/>
-          <p:cNvSpPr txBox="1"/>
-          <p:nvPr/>
-        </p:nvSpPr>
-        <p:spPr>
-          <a:xfrm>
-            <a:off x="8077671" y="3916015"/>
-            <a:ext cx="1584176" cy="400110"/>
-          </a:xfrm>
-          <a:prstGeom prst="rect">
-            <a:avLst/>
-          </a:prstGeom>
-          <a:noFill/>
-        </p:spPr>
-        <p:txBody>
-          <a:bodyPr wrap="square" rtlCol="0">
-            <a:spAutoFit/>
-          </a:bodyPr>
-          <a:lstStyle/>
-          <a:p>
-            <a:pPr algn="ctr"/>
-            <a:r>
-              <a:rPr lang="fr-FR" dirty="0" smtClean="0">
-                <a:solidFill>
-                  <a:schemeClr val="accent6">
-                    <a:lumMod val="75000"/>
-                  </a:schemeClr>
-                </a:solidFill>
-              </a:rPr>
-              <a:t>Graphiques</a:t>
-            </a:r>
-          </a:p>
-        </p:txBody>
-      </p:sp>
-      <p:sp>
-        <p:nvSpPr>
-          <p:cNvPr id="37" name="Rectangle à coins arrondis 36"/>
-          <p:cNvSpPr/>
-          <p:nvPr/>
-        </p:nvSpPr>
-        <p:spPr>
-          <a:xfrm>
-            <a:off x="9085783" y="2043807"/>
-            <a:ext cx="1584176" cy="648072"/>
-          </a:xfrm>
-          <a:prstGeom prst="roundRect">
-            <a:avLst/>
-          </a:prstGeom>
-        </p:spPr>
-        <p:style>
-          <a:lnRef idx="2">
-            <a:schemeClr val="accent1">
-              <a:shade val="50000"/>
-            </a:schemeClr>
-          </a:lnRef>
-          <a:fillRef idx="1">
-            <a:schemeClr val="accent1"/>
-          </a:fillRef>
-          <a:effectRef idx="0">
-            <a:schemeClr val="accent1"/>
-          </a:effectRef>
-          <a:fontRef idx="minor">
-            <a:schemeClr val="lt1"/>
-          </a:fontRef>
-        </p:style>
-        <p:txBody>
-          <a:bodyPr rtlCol="0" anchor="ctr"/>
-          <a:lstStyle/>
-          <a:p>
-            <a:pPr algn="ctr"/>
-            <a:r>
-              <a:rPr lang="fr-FR" dirty="0" smtClean="0"/>
-              <a:t>Application utilisateur</a:t>
-            </a:r>
-            <a:endParaRPr lang="fr-FR" dirty="0"/>
-          </a:p>
-        </p:txBody>
-      </p:sp>
-      <p:sp>
-        <p:nvSpPr>
-          <p:cNvPr id="38" name="Ellipse 37"/>
-          <p:cNvSpPr/>
-          <p:nvPr/>
-        </p:nvSpPr>
-        <p:spPr>
-          <a:xfrm>
-            <a:off x="1668959" y="2060848"/>
-            <a:ext cx="1008112" cy="631031"/>
-          </a:xfrm>
-          <a:prstGeom prst="ellipse">
-            <a:avLst/>
-          </a:prstGeom>
-        </p:spPr>
-        <p:style>
-          <a:lnRef idx="2">
-            <a:schemeClr val="accent2">
-              <a:shade val="50000"/>
-            </a:schemeClr>
-          </a:lnRef>
-          <a:fillRef idx="1">
-            <a:schemeClr val="accent2"/>
-          </a:fillRef>
-          <a:effectRef idx="0">
-            <a:schemeClr val="accent2"/>
-          </a:effectRef>
-          <a:fontRef idx="minor">
-            <a:schemeClr val="lt1"/>
-          </a:fontRef>
-        </p:style>
-        <p:txBody>
-          <a:bodyPr rtlCol="0" anchor="ctr"/>
-          <a:lstStyle/>
-          <a:p>
-            <a:pPr algn="ctr"/>
-            <a:r>
-              <a:rPr lang="fr-FR" dirty="0" smtClean="0"/>
-              <a:t>ETL</a:t>
-            </a:r>
-            <a:endParaRPr lang="fr-FR" dirty="0"/>
-          </a:p>
-        </p:txBody>
-      </p:sp>
-      <p:graphicFrame>
-        <p:nvGraphicFramePr>
-          <p:cNvPr id="39" name="Tableau 38"/>
-          <p:cNvGraphicFramePr>
-            <a:graphicFrameLocks noGrp="1"/>
-          </p:cNvGraphicFramePr>
-          <p:nvPr/>
-        </p:nvGraphicFramePr>
-        <p:xfrm>
-          <a:off x="7069559" y="2763887"/>
-          <a:ext cx="925736" cy="1188720"/>
-        </p:xfrm>
-        <a:graphic>
-          <a:graphicData uri="http://schemas.openxmlformats.org/drawingml/2006/table">
-            <a:tbl>
-              <a:tblPr firstRow="1" bandRow="1">
-                <a:tableStyleId>{93296810-A885-4BE3-A3E7-6D5BEEA58F35}</a:tableStyleId>
-              </a:tblPr>
-              <a:tblGrid>
-                <a:gridCol w="462868"/>
-                <a:gridCol w="462868"/>
-              </a:tblGrid>
-              <a:tr h="181717">
-                <a:tc>
-                  <a:txBody>
-                    <a:bodyPr/>
-                    <a:lstStyle/>
-                    <a:p>
-                      <a:endParaRPr lang="fr-FR" dirty="0"/>
-                    </a:p>
-                  </a:txBody>
-                  <a:tcPr/>
-                </a:tc>
-                <a:tc>
-                  <a:txBody>
-                    <a:bodyPr/>
-                    <a:lstStyle/>
-                    <a:p>
-                      <a:endParaRPr lang="fr-FR" dirty="0"/>
-                    </a:p>
-                  </a:txBody>
-                  <a:tcPr/>
-                </a:tc>
-              </a:tr>
-              <a:tr h="181717">
-                <a:tc>
-                  <a:txBody>
-                    <a:bodyPr/>
-                    <a:lstStyle/>
-                    <a:p>
-                      <a:endParaRPr lang="fr-FR" dirty="0"/>
-                    </a:p>
-                  </a:txBody>
-                  <a:tcPr/>
-                </a:tc>
-                <a:tc>
-                  <a:txBody>
-                    <a:bodyPr/>
-                    <a:lstStyle/>
-                    <a:p>
-                      <a:endParaRPr lang="fr-FR"/>
-                    </a:p>
-                  </a:txBody>
-                  <a:tcPr/>
-                </a:tc>
-              </a:tr>
-              <a:tr h="181717">
-                <a:tc>
-                  <a:txBody>
-                    <a:bodyPr/>
-                    <a:lstStyle/>
-                    <a:p>
-                      <a:endParaRPr lang="fr-FR" dirty="0"/>
-                    </a:p>
-                  </a:txBody>
-                  <a:tcPr/>
-                </a:tc>
-                <a:tc>
-                  <a:txBody>
-                    <a:bodyPr/>
-                    <a:lstStyle/>
-                    <a:p>
-                      <a:endParaRPr lang="fr-FR" dirty="0"/>
-                    </a:p>
-                  </a:txBody>
-                  <a:tcPr/>
-                </a:tc>
-              </a:tr>
-            </a:tbl>
-          </a:graphicData>
-        </a:graphic>
-      </p:graphicFrame>
-      <p:graphicFrame>
-        <p:nvGraphicFramePr>
-          <p:cNvPr id="40" name="Graphique 39"/>
-          <p:cNvGraphicFramePr/>
-          <p:nvPr/>
-        </p:nvGraphicFramePr>
-        <p:xfrm>
-          <a:off x="8149679" y="2763887"/>
-          <a:ext cx="1383704" cy="1152128"/>
-        </p:xfrm>
-        <a:graphic>
-          <a:graphicData uri="http://schemas.openxmlformats.org/drawingml/2006/chart">
-            <c:chart xmlns:c="http://schemas.openxmlformats.org/drawingml/2006/chart" xmlns:r="http://schemas.openxmlformats.org/officeDocument/2006/relationships" r:id="rId2"/>
-          </a:graphicData>
-        </a:graphic>
-      </p:graphicFrame>
-      <p:sp>
-        <p:nvSpPr>
-          <p:cNvPr id="41" name="Flèche gauche 40"/>
-          <p:cNvSpPr/>
-          <p:nvPr/>
-        </p:nvSpPr>
-        <p:spPr>
-          <a:xfrm>
-            <a:off x="1092895" y="2276872"/>
-            <a:ext cx="504056" cy="189735"/>
-          </a:xfrm>
-          <a:prstGeom prst="leftArrow">
-            <a:avLst/>
-          </a:prstGeom>
-        </p:spPr>
-        <p:style>
-          <a:lnRef idx="2">
-            <a:schemeClr val="accent1">
-              <a:shade val="50000"/>
-            </a:schemeClr>
-          </a:lnRef>
-          <a:fillRef idx="1">
-            <a:schemeClr val="accent1"/>
-          </a:fillRef>
-          <a:effectRef idx="0">
-            <a:schemeClr val="accent1"/>
-          </a:effectRef>
-          <a:fontRef idx="minor">
-            <a:schemeClr val="lt1"/>
-          </a:fontRef>
-        </p:style>
-        <p:txBody>
-          <a:bodyPr rtlCol="0" anchor="ctr"/>
-          <a:lstStyle/>
-          <a:p>
-            <a:pPr algn="ctr"/>
-            <a:endParaRPr lang="fr-FR"/>
-          </a:p>
-        </p:txBody>
-      </p:sp>
-      <p:sp>
-        <p:nvSpPr>
-          <p:cNvPr id="42" name="Flèche droite 41"/>
-          <p:cNvSpPr/>
-          <p:nvPr/>
-        </p:nvSpPr>
-        <p:spPr>
-          <a:xfrm>
-            <a:off x="2749079" y="2259831"/>
-            <a:ext cx="720080" cy="216024"/>
-          </a:xfrm>
-          <a:prstGeom prst="rightArrow">
-            <a:avLst/>
-          </a:prstGeom>
-        </p:spPr>
-        <p:style>
-          <a:lnRef idx="2">
-            <a:schemeClr val="accent1">
-              <a:shade val="50000"/>
-            </a:schemeClr>
-          </a:lnRef>
-          <a:fillRef idx="1">
-            <a:schemeClr val="accent1"/>
-          </a:fillRef>
-          <a:effectRef idx="0">
-            <a:schemeClr val="accent1"/>
-          </a:effectRef>
-          <a:fontRef idx="minor">
-            <a:schemeClr val="lt1"/>
-          </a:fontRef>
-        </p:style>
-        <p:txBody>
-          <a:bodyPr rtlCol="0" anchor="ctr"/>
-          <a:lstStyle/>
-          <a:p>
-            <a:pPr algn="ctr"/>
-            <a:endParaRPr lang="fr-FR"/>
-          </a:p>
-        </p:txBody>
-      </p:sp>
-      <p:sp>
-        <p:nvSpPr>
-          <p:cNvPr id="44" name="Flèche droite 43"/>
-          <p:cNvSpPr/>
-          <p:nvPr/>
-        </p:nvSpPr>
-        <p:spPr>
-          <a:xfrm rot="10800000">
-            <a:off x="7429599" y="2187823"/>
-            <a:ext cx="1584176" cy="163910"/>
-          </a:xfrm>
-          <a:prstGeom prst="rightArrow">
-            <a:avLst/>
-          </a:prstGeom>
-        </p:spPr>
-        <p:style>
-          <a:lnRef idx="2">
-            <a:schemeClr val="accent1">
-              <a:shade val="50000"/>
-            </a:schemeClr>
-          </a:lnRef>
-          <a:fillRef idx="1">
-            <a:schemeClr val="accent1"/>
-          </a:fillRef>
-          <a:effectRef idx="0">
-            <a:schemeClr val="accent1"/>
-          </a:effectRef>
-          <a:fontRef idx="minor">
-            <a:schemeClr val="lt1"/>
-          </a:fontRef>
-        </p:style>
-        <p:txBody>
-          <a:bodyPr rtlCol="0" anchor="ctr"/>
-          <a:lstStyle/>
-          <a:p>
-            <a:pPr algn="ctr"/>
-            <a:endParaRPr lang="fr-FR"/>
-          </a:p>
-        </p:txBody>
-      </p:sp>
-      <p:sp>
-        <p:nvSpPr>
-          <p:cNvPr id="46" name="Flèche droite 45"/>
-          <p:cNvSpPr/>
-          <p:nvPr/>
-        </p:nvSpPr>
-        <p:spPr>
-          <a:xfrm>
-            <a:off x="228799" y="4276055"/>
-            <a:ext cx="10065568" cy="1944216"/>
-          </a:xfrm>
-          <a:prstGeom prst="rightArrow">
-            <a:avLst/>
-          </a:prstGeom>
-          <a:ln/>
-        </p:spPr>
-        <p:style>
-          <a:lnRef idx="2">
-            <a:schemeClr val="accent5"/>
-          </a:lnRef>
-          <a:fillRef idx="1">
-            <a:schemeClr val="lt1"/>
-          </a:fillRef>
-          <a:effectRef idx="0">
-            <a:schemeClr val="accent5"/>
-          </a:effectRef>
-          <a:fontRef idx="minor">
-            <a:schemeClr val="dk1"/>
-          </a:fontRef>
-        </p:style>
-        <p:txBody>
-          <a:bodyPr rtlCol="0" anchor="ctr"/>
-          <a:lstStyle/>
-          <a:p>
-            <a:pPr algn="ctr"/>
-            <a:endParaRPr lang="fr-FR"/>
-          </a:p>
-        </p:txBody>
-      </p:sp>
-      <p:sp>
-        <p:nvSpPr>
-          <p:cNvPr id="47" name="Rectangle à coins arrondis 46"/>
-          <p:cNvSpPr/>
-          <p:nvPr/>
-        </p:nvSpPr>
-        <p:spPr>
-          <a:xfrm>
-            <a:off x="9301807" y="4924127"/>
-            <a:ext cx="1296144" cy="648072"/>
-          </a:xfrm>
-          <a:prstGeom prst="roundRect">
-            <a:avLst/>
-          </a:prstGeom>
-        </p:spPr>
-        <p:style>
-          <a:lnRef idx="2">
-            <a:schemeClr val="accent5">
-              <a:shade val="50000"/>
-            </a:schemeClr>
-          </a:lnRef>
-          <a:fillRef idx="1">
-            <a:schemeClr val="accent5"/>
-          </a:fillRef>
-          <a:effectRef idx="0">
-            <a:schemeClr val="accent5"/>
-          </a:effectRef>
-          <a:fontRef idx="minor">
-            <a:schemeClr val="lt1"/>
-          </a:fontRef>
-        </p:style>
-        <p:txBody>
-          <a:bodyPr rtlCol="0" anchor="ctr"/>
-          <a:lstStyle/>
-          <a:p>
-            <a:pPr algn="ctr"/>
-            <a:r>
-              <a:rPr lang="fr-FR" dirty="0" smtClean="0"/>
-              <a:t>Affichage</a:t>
-            </a:r>
-            <a:endParaRPr lang="fr-FR" dirty="0"/>
-          </a:p>
-        </p:txBody>
-      </p:sp>
-      <p:sp>
-        <p:nvSpPr>
-          <p:cNvPr id="48" name="Rectangle à coins arrondis 47"/>
-          <p:cNvSpPr/>
-          <p:nvPr/>
-        </p:nvSpPr>
-        <p:spPr>
-          <a:xfrm>
-            <a:off x="5917431" y="4924127"/>
-            <a:ext cx="1296144" cy="648072"/>
-          </a:xfrm>
-          <a:prstGeom prst="roundRect">
-            <a:avLst/>
-          </a:prstGeom>
-        </p:spPr>
-        <p:style>
-          <a:lnRef idx="2">
-            <a:schemeClr val="accent5">
-              <a:shade val="50000"/>
-            </a:schemeClr>
-          </a:lnRef>
-          <a:fillRef idx="1">
-            <a:schemeClr val="accent5"/>
-          </a:fillRef>
-          <a:effectRef idx="0">
-            <a:schemeClr val="accent5"/>
-          </a:effectRef>
-          <a:fontRef idx="minor">
-            <a:schemeClr val="lt1"/>
-          </a:fontRef>
-        </p:style>
-        <p:txBody>
-          <a:bodyPr rtlCol="0" anchor="ctr"/>
-          <a:lstStyle/>
-          <a:p>
-            <a:pPr algn="ctr"/>
-            <a:r>
-              <a:rPr lang="fr-FR" dirty="0" smtClean="0"/>
-              <a:t>Mise en forme</a:t>
-            </a:r>
-            <a:endParaRPr lang="fr-FR" dirty="0"/>
-          </a:p>
-        </p:txBody>
-      </p:sp>
-      <p:sp>
-        <p:nvSpPr>
-          <p:cNvPr id="50" name="Ellipse 49"/>
-          <p:cNvSpPr/>
-          <p:nvPr/>
-        </p:nvSpPr>
-        <p:spPr>
-          <a:xfrm>
-            <a:off x="5557391" y="2043807"/>
-            <a:ext cx="1800200" cy="720080"/>
-          </a:xfrm>
-          <a:prstGeom prst="ellipse">
-            <a:avLst/>
-          </a:prstGeom>
-        </p:spPr>
-        <p:style>
-          <a:lnRef idx="2">
-            <a:schemeClr val="accent2">
-              <a:shade val="50000"/>
-            </a:schemeClr>
-          </a:lnRef>
-          <a:fillRef idx="1">
-            <a:schemeClr val="accent2"/>
-          </a:fillRef>
-          <a:effectRef idx="0">
-            <a:schemeClr val="accent2"/>
-          </a:effectRef>
-          <a:fontRef idx="minor">
-            <a:schemeClr val="lt1"/>
-          </a:fontRef>
-        </p:style>
-        <p:txBody>
-          <a:bodyPr rtlCol="0" anchor="ctr"/>
-          <a:lstStyle/>
-          <a:p>
-            <a:pPr algn="ctr"/>
-            <a:r>
-              <a:rPr lang="fr-FR" dirty="0" smtClean="0"/>
-              <a:t>Outil de restitution</a:t>
-            </a:r>
-            <a:endParaRPr lang="fr-FR" dirty="0"/>
-          </a:p>
-        </p:txBody>
-      </p:sp>
-      <p:sp>
-        <p:nvSpPr>
-          <p:cNvPr id="51" name="Flèche droite 50"/>
-          <p:cNvSpPr/>
-          <p:nvPr/>
-        </p:nvSpPr>
-        <p:spPr>
-          <a:xfrm>
-            <a:off x="4909319" y="2547863"/>
-            <a:ext cx="648072" cy="216024"/>
-          </a:xfrm>
-          <a:prstGeom prst="rightArrow">
-            <a:avLst/>
-          </a:prstGeom>
-        </p:spPr>
-        <p:style>
-          <a:lnRef idx="2">
-            <a:schemeClr val="accent1">
-              <a:shade val="50000"/>
-            </a:schemeClr>
-          </a:lnRef>
-          <a:fillRef idx="1">
-            <a:schemeClr val="accent1"/>
-          </a:fillRef>
-          <a:effectRef idx="0">
-            <a:schemeClr val="accent1"/>
-          </a:effectRef>
-          <a:fontRef idx="minor">
-            <a:schemeClr val="lt1"/>
-          </a:fontRef>
-        </p:style>
-        <p:txBody>
-          <a:bodyPr rtlCol="0" anchor="ctr"/>
-          <a:lstStyle/>
-          <a:p>
-            <a:pPr algn="ctr"/>
-            <a:endParaRPr lang="fr-FR" u="sng" dirty="0"/>
-          </a:p>
-        </p:txBody>
-      </p:sp>
-      <p:sp>
-        <p:nvSpPr>
-          <p:cNvPr id="52" name="Flèche droite 51"/>
-          <p:cNvSpPr/>
-          <p:nvPr/>
-        </p:nvSpPr>
-        <p:spPr>
-          <a:xfrm>
-            <a:off x="7429599" y="2455961"/>
-            <a:ext cx="1584176" cy="163910"/>
-          </a:xfrm>
-          <a:prstGeom prst="rightArrow">
-            <a:avLst/>
-          </a:prstGeom>
-        </p:spPr>
-        <p:style>
-          <a:lnRef idx="2">
-            <a:schemeClr val="accent1">
-              <a:shade val="50000"/>
-            </a:schemeClr>
-          </a:lnRef>
-          <a:fillRef idx="1">
-            <a:schemeClr val="accent1"/>
-          </a:fillRef>
-          <a:effectRef idx="0">
-            <a:schemeClr val="accent1"/>
-          </a:effectRef>
-          <a:fontRef idx="minor">
-            <a:schemeClr val="lt1"/>
-          </a:fontRef>
-        </p:style>
-        <p:txBody>
-          <a:bodyPr rtlCol="0" anchor="ctr"/>
-          <a:lstStyle/>
-          <a:p>
-            <a:pPr algn="ctr"/>
-            <a:endParaRPr lang="fr-FR"/>
-          </a:p>
-        </p:txBody>
-      </p:sp>
-      <p:sp>
-        <p:nvSpPr>
-          <p:cNvPr id="53" name="Flèche droite 52"/>
-          <p:cNvSpPr/>
-          <p:nvPr/>
-        </p:nvSpPr>
-        <p:spPr>
-          <a:xfrm rot="10800000">
-            <a:off x="4909319" y="2115815"/>
-            <a:ext cx="648072" cy="216024"/>
-          </a:xfrm>
-          <a:prstGeom prst="rightArrow">
-            <a:avLst/>
-          </a:prstGeom>
-        </p:spPr>
-        <p:style>
-          <a:lnRef idx="2">
-            <a:schemeClr val="accent1">
-              <a:shade val="50000"/>
-            </a:schemeClr>
-          </a:lnRef>
-          <a:fillRef idx="1">
-            <a:schemeClr val="accent1"/>
-          </a:fillRef>
-          <a:effectRef idx="0">
-            <a:schemeClr val="accent1"/>
-          </a:effectRef>
-          <a:fontRef idx="minor">
-            <a:schemeClr val="lt1"/>
-          </a:fontRef>
-        </p:style>
-        <p:txBody>
-          <a:bodyPr rtlCol="0" anchor="ctr"/>
-          <a:lstStyle/>
-          <a:p>
-            <a:pPr algn="ctr"/>
-            <a:endParaRPr lang="fr-FR" u="sng" dirty="0"/>
-          </a:p>
-        </p:txBody>
-      </p:sp>
-      <p:sp>
-        <p:nvSpPr>
-          <p:cNvPr id="55" name="ZoneTexte 54"/>
-          <p:cNvSpPr txBox="1"/>
-          <p:nvPr/>
-        </p:nvSpPr>
-        <p:spPr>
-          <a:xfrm>
-            <a:off x="4549279" y="2691879"/>
-            <a:ext cx="1584176" cy="400110"/>
-          </a:xfrm>
-          <a:prstGeom prst="rect">
-            <a:avLst/>
-          </a:prstGeom>
-          <a:noFill/>
-        </p:spPr>
-        <p:txBody>
-          <a:bodyPr wrap="square" rtlCol="0">
-            <a:spAutoFit/>
-          </a:bodyPr>
-          <a:lstStyle/>
-          <a:p>
-            <a:pPr algn="ctr"/>
-            <a:r>
-              <a:rPr lang="fr-FR" dirty="0" smtClean="0">
-                <a:solidFill>
-                  <a:schemeClr val="tx2"/>
-                </a:solidFill>
-              </a:rPr>
-              <a:t>Données</a:t>
-            </a:r>
-          </a:p>
-        </p:txBody>
-      </p:sp>
-      <p:sp>
-        <p:nvSpPr>
-          <p:cNvPr id="56" name="ZoneTexte 55"/>
-          <p:cNvSpPr txBox="1"/>
-          <p:nvPr/>
-        </p:nvSpPr>
-        <p:spPr>
-          <a:xfrm>
-            <a:off x="4621287" y="1787713"/>
-            <a:ext cx="1584176" cy="400110"/>
-          </a:xfrm>
-          <a:prstGeom prst="rect">
-            <a:avLst/>
-          </a:prstGeom>
-          <a:noFill/>
-        </p:spPr>
-        <p:txBody>
-          <a:bodyPr wrap="square" rtlCol="0">
-            <a:spAutoFit/>
-          </a:bodyPr>
-          <a:lstStyle/>
-          <a:p>
-            <a:pPr algn="ctr"/>
-            <a:r>
-              <a:rPr lang="fr-FR" dirty="0" smtClean="0">
-                <a:solidFill>
-                  <a:schemeClr val="tx2"/>
-                </a:solidFill>
-              </a:rPr>
-              <a:t>interroge</a:t>
-            </a:r>
-          </a:p>
-        </p:txBody>
-      </p:sp>
-      <p:sp>
-        <p:nvSpPr>
-          <p:cNvPr id="57" name="ZoneTexte 56"/>
-          <p:cNvSpPr txBox="1"/>
-          <p:nvPr/>
-        </p:nvSpPr>
-        <p:spPr>
-          <a:xfrm>
-            <a:off x="7357591" y="1787713"/>
-            <a:ext cx="1584176" cy="400110"/>
-          </a:xfrm>
-          <a:prstGeom prst="rect">
-            <a:avLst/>
-          </a:prstGeom>
-          <a:noFill/>
-        </p:spPr>
-        <p:txBody>
-          <a:bodyPr wrap="square" rtlCol="0">
-            <a:spAutoFit/>
-          </a:bodyPr>
-          <a:lstStyle/>
-          <a:p>
-            <a:pPr algn="ctr"/>
-            <a:r>
-              <a:rPr lang="fr-FR" dirty="0" smtClean="0">
-                <a:solidFill>
-                  <a:schemeClr val="tx2"/>
-                </a:solidFill>
-              </a:rPr>
-              <a:t>appelle</a:t>
-            </a:r>
-          </a:p>
-        </p:txBody>
-      </p:sp>
-      <p:sp>
-        <p:nvSpPr>
-          <p:cNvPr id="58" name="Rectangle à coins arrondis 57"/>
-          <p:cNvSpPr/>
-          <p:nvPr/>
-        </p:nvSpPr>
-        <p:spPr>
-          <a:xfrm>
-            <a:off x="1164903" y="4924127"/>
-            <a:ext cx="2160240" cy="648072"/>
-          </a:xfrm>
-          <a:prstGeom prst="roundRect">
-            <a:avLst/>
-          </a:prstGeom>
-        </p:spPr>
-        <p:style>
-          <a:lnRef idx="2">
-            <a:schemeClr val="accent5">
-              <a:shade val="50000"/>
-            </a:schemeClr>
-          </a:lnRef>
-          <a:fillRef idx="1">
-            <a:schemeClr val="accent5"/>
-          </a:fillRef>
-          <a:effectRef idx="0">
-            <a:schemeClr val="accent5"/>
-          </a:effectRef>
-          <a:fontRef idx="minor">
-            <a:schemeClr val="lt1"/>
-          </a:fontRef>
-        </p:style>
-        <p:txBody>
-          <a:bodyPr rtlCol="0" anchor="ctr"/>
-          <a:lstStyle/>
-          <a:p>
-            <a:pPr algn="ctr"/>
-            <a:r>
-              <a:rPr lang="fr-FR" dirty="0" smtClean="0"/>
-              <a:t>Récupération et mise en forme</a:t>
-            </a:r>
-            <a:endParaRPr lang="fr-FR" dirty="0"/>
-          </a:p>
-        </p:txBody>
-      </p:sp>
-      <p:sp>
-        <p:nvSpPr>
-          <p:cNvPr id="59" name="Rectangle à coins arrondis 58"/>
-          <p:cNvSpPr/>
-          <p:nvPr/>
-        </p:nvSpPr>
-        <p:spPr>
-          <a:xfrm>
-            <a:off x="3541167" y="4924127"/>
-            <a:ext cx="1296144" cy="648072"/>
-          </a:xfrm>
-          <a:prstGeom prst="roundRect">
-            <a:avLst/>
-          </a:prstGeom>
-        </p:spPr>
-        <p:style>
-          <a:lnRef idx="2">
-            <a:schemeClr val="accent5">
-              <a:shade val="50000"/>
-            </a:schemeClr>
-          </a:lnRef>
-          <a:fillRef idx="1">
-            <a:schemeClr val="accent5"/>
-          </a:fillRef>
-          <a:effectRef idx="0">
-            <a:schemeClr val="accent5"/>
-          </a:effectRef>
-          <a:fontRef idx="minor">
-            <a:schemeClr val="lt1"/>
-          </a:fontRef>
-        </p:style>
-        <p:txBody>
-          <a:bodyPr rtlCol="0" anchor="ctr"/>
-          <a:lstStyle/>
-          <a:p>
-            <a:pPr algn="ctr"/>
-            <a:r>
-              <a:rPr lang="fr-FR" dirty="0" smtClean="0"/>
-              <a:t>Stockage</a:t>
-            </a:r>
-            <a:endParaRPr lang="fr-FR" dirty="0"/>
-          </a:p>
-        </p:txBody>
-      </p:sp>
-    </p:spTree>
-  </p:cSld>
-  <p:clrMapOvr>
-    <a:masterClrMapping/>
-  </p:clrMapOvr>
+  <p:transition>
+    <p:fade/>
+  </p:transition>
   <p:timing>
     <p:tnLst>
       <p:par>
@@ -7836,4 +6996,287 @@
   <a:objectDefaults/>
   <a:extraClrSchemeLst/>
 </a:theme>
+</file>
+
+<file path=ppt/theme/theme2.xml><?xml version="1.0" encoding="utf-8"?>
+<a:theme xmlns:a="http://schemas.openxmlformats.org/drawingml/2006/main" name="Thème Office">
+  <a:themeElements>
+    <a:clrScheme name="Office">
+      <a:dk1>
+        <a:sysClr val="windowText" lastClr="000000"/>
+      </a:dk1>
+      <a:lt1>
+        <a:sysClr val="window" lastClr="FFFFFF"/>
+      </a:lt1>
+      <a:dk2>
+        <a:srgbClr val="1F497D"/>
+      </a:dk2>
+      <a:lt2>
+        <a:srgbClr val="EEECE1"/>
+      </a:lt2>
+      <a:accent1>
+        <a:srgbClr val="4F81BD"/>
+      </a:accent1>
+      <a:accent2>
+        <a:srgbClr val="C0504D"/>
+      </a:accent2>
+      <a:accent3>
+        <a:srgbClr val="9BBB59"/>
+      </a:accent3>
+      <a:accent4>
+        <a:srgbClr val="8064A2"/>
+      </a:accent4>
+      <a:accent5>
+        <a:srgbClr val="4BACC6"/>
+      </a:accent5>
+      <a:accent6>
+        <a:srgbClr val="F79646"/>
+      </a:accent6>
+      <a:hlink>
+        <a:srgbClr val="0000FF"/>
+      </a:hlink>
+      <a:folHlink>
+        <a:srgbClr val="800080"/>
+      </a:folHlink>
+    </a:clrScheme>
+    <a:fontScheme name="Office">
+      <a:majorFont>
+        <a:latin typeface="Calibri"/>
+        <a:ea typeface=""/>
+        <a:cs typeface=""/>
+        <a:font script="Jpan" typeface="ＭＳ Ｐゴシック"/>
+        <a:font script="Hang" typeface="맑은 고딕"/>
+        <a:font script="Hans" typeface="宋体"/>
+        <a:font script="Hant" typeface="新細明體"/>
+        <a:font script="Arab" typeface="Times New Roman"/>
+        <a:font script="Hebr" typeface="Times New Roman"/>
+        <a:font script="Thai" typeface="Angsana New"/>
+        <a:font script="Ethi" typeface="Nyala"/>
+        <a:font script="Beng" typeface="Vrinda"/>
+        <a:font script="Gujr" typeface="Shruti"/>
+        <a:font script="Khmr" typeface="MoolBoran"/>
+        <a:font script="Knda" typeface="Tunga"/>
+        <a:font script="Guru" typeface="Raavi"/>
+        <a:font script="Cans" typeface="Euphemia"/>
+        <a:font script="Cher" typeface="Plantagenet Cherokee"/>
+        <a:font script="Yiii" typeface="Microsoft Yi Baiti"/>
+        <a:font script="Tibt" typeface="Microsoft Himalaya"/>
+        <a:font script="Thaa" typeface="MV Boli"/>
+        <a:font script="Deva" typeface="Mangal"/>
+        <a:font script="Telu" typeface="Gautami"/>
+        <a:font script="Taml" typeface="Latha"/>
+        <a:font script="Syrc" typeface="Estrangelo Edessa"/>
+        <a:font script="Orya" typeface="Kalinga"/>
+        <a:font script="Mlym" typeface="Kartika"/>
+        <a:font script="Laoo" typeface="DokChampa"/>
+        <a:font script="Sinh" typeface="Iskoola Pota"/>
+        <a:font script="Mong" typeface="Mongolian Baiti"/>
+        <a:font script="Viet" typeface="Times New Roman"/>
+        <a:font script="Uigh" typeface="Microsoft Uighur"/>
+      </a:majorFont>
+      <a:minorFont>
+        <a:latin typeface="Calibri"/>
+        <a:ea typeface=""/>
+        <a:cs typeface=""/>
+        <a:font script="Jpan" typeface="ＭＳ Ｐゴシック"/>
+        <a:font script="Hang" typeface="맑은 고딕"/>
+        <a:font script="Hans" typeface="宋体"/>
+        <a:font script="Hant" typeface="新細明體"/>
+        <a:font script="Arab" typeface="Arial"/>
+        <a:font script="Hebr" typeface="Arial"/>
+        <a:font script="Thai" typeface="Cordia New"/>
+        <a:font script="Ethi" typeface="Nyala"/>
+        <a:font script="Beng" typeface="Vrinda"/>
+        <a:font script="Gujr" typeface="Shruti"/>
+        <a:font script="Khmr" typeface="DaunPenh"/>
+        <a:font script="Knda" typeface="Tunga"/>
+        <a:font script="Guru" typeface="Raavi"/>
+        <a:font script="Cans" typeface="Euphemia"/>
+        <a:font script="Cher" typeface="Plantagenet Cherokee"/>
+        <a:font script="Yiii" typeface="Microsoft Yi Baiti"/>
+        <a:font script="Tibt" typeface="Microsoft Himalaya"/>
+        <a:font script="Thaa" typeface="MV Boli"/>
+        <a:font script="Deva" typeface="Mangal"/>
+        <a:font script="Telu" typeface="Gautami"/>
+        <a:font script="Taml" typeface="Latha"/>
+        <a:font script="Syrc" typeface="Estrangelo Edessa"/>
+        <a:font script="Orya" typeface="Kalinga"/>
+        <a:font script="Mlym" typeface="Kartika"/>
+        <a:font script="Laoo" typeface="DokChampa"/>
+        <a:font script="Sinh" typeface="Iskoola Pota"/>
+        <a:font script="Mong" typeface="Mongolian Baiti"/>
+        <a:font script="Viet" typeface="Arial"/>
+        <a:font script="Uigh" typeface="Microsoft Uighur"/>
+      </a:minorFont>
+    </a:fontScheme>
+    <a:fmtScheme name="Office">
+      <a:fillStyleLst>
+        <a:solidFill>
+          <a:schemeClr val="phClr"/>
+        </a:solidFill>
+        <a:gradFill rotWithShape="1">
+          <a:gsLst>
+            <a:gs pos="0">
+              <a:schemeClr val="phClr">
+                <a:tint val="50000"/>
+                <a:satMod val="300000"/>
+              </a:schemeClr>
+            </a:gs>
+            <a:gs pos="35000">
+              <a:schemeClr val="phClr">
+                <a:tint val="37000"/>
+                <a:satMod val="300000"/>
+              </a:schemeClr>
+            </a:gs>
+            <a:gs pos="100000">
+              <a:schemeClr val="phClr">
+                <a:tint val="15000"/>
+                <a:satMod val="350000"/>
+              </a:schemeClr>
+            </a:gs>
+          </a:gsLst>
+          <a:lin ang="16200000" scaled="1"/>
+        </a:gradFill>
+        <a:gradFill rotWithShape="1">
+          <a:gsLst>
+            <a:gs pos="0">
+              <a:schemeClr val="phClr">
+                <a:shade val="51000"/>
+                <a:satMod val="130000"/>
+              </a:schemeClr>
+            </a:gs>
+            <a:gs pos="80000">
+              <a:schemeClr val="phClr">
+                <a:shade val="93000"/>
+                <a:satMod val="130000"/>
+              </a:schemeClr>
+            </a:gs>
+            <a:gs pos="100000">
+              <a:schemeClr val="phClr">
+                <a:shade val="94000"/>
+                <a:satMod val="135000"/>
+              </a:schemeClr>
+            </a:gs>
+          </a:gsLst>
+          <a:lin ang="16200000" scaled="0"/>
+        </a:gradFill>
+      </a:fillStyleLst>
+      <a:lnStyleLst>
+        <a:ln w="9525" cap="flat" cmpd="sng" algn="ctr">
+          <a:solidFill>
+            <a:schemeClr val="phClr">
+              <a:shade val="95000"/>
+              <a:satMod val="105000"/>
+            </a:schemeClr>
+          </a:solidFill>
+          <a:prstDash val="solid"/>
+        </a:ln>
+        <a:ln w="25400" cap="flat" cmpd="sng" algn="ctr">
+          <a:solidFill>
+            <a:schemeClr val="phClr"/>
+          </a:solidFill>
+          <a:prstDash val="solid"/>
+        </a:ln>
+        <a:ln w="38100" cap="flat" cmpd="sng" algn="ctr">
+          <a:solidFill>
+            <a:schemeClr val="phClr"/>
+          </a:solidFill>
+          <a:prstDash val="solid"/>
+        </a:ln>
+      </a:lnStyleLst>
+      <a:effectStyleLst>
+        <a:effectStyle>
+          <a:effectLst>
+            <a:outerShdw blurRad="40000" dist="20000" dir="5400000" rotWithShape="0">
+              <a:srgbClr val="000000">
+                <a:alpha val="38000"/>
+              </a:srgbClr>
+            </a:outerShdw>
+          </a:effectLst>
+        </a:effectStyle>
+        <a:effectStyle>
+          <a:effectLst>
+            <a:outerShdw blurRad="40000" dist="23000" dir="5400000" rotWithShape="0">
+              <a:srgbClr val="000000">
+                <a:alpha val="35000"/>
+              </a:srgbClr>
+            </a:outerShdw>
+          </a:effectLst>
+        </a:effectStyle>
+        <a:effectStyle>
+          <a:effectLst>
+            <a:outerShdw blurRad="40000" dist="23000" dir="5400000" rotWithShape="0">
+              <a:srgbClr val="000000">
+                <a:alpha val="35000"/>
+              </a:srgbClr>
+            </a:outerShdw>
+          </a:effectLst>
+          <a:scene3d>
+            <a:camera prst="orthographicFront">
+              <a:rot lat="0" lon="0" rev="0"/>
+            </a:camera>
+            <a:lightRig rig="threePt" dir="t">
+              <a:rot lat="0" lon="0" rev="1200000"/>
+            </a:lightRig>
+          </a:scene3d>
+          <a:sp3d>
+            <a:bevelT w="63500" h="25400"/>
+          </a:sp3d>
+        </a:effectStyle>
+      </a:effectStyleLst>
+      <a:bgFillStyleLst>
+        <a:solidFill>
+          <a:schemeClr val="phClr"/>
+        </a:solidFill>
+        <a:gradFill rotWithShape="1">
+          <a:gsLst>
+            <a:gs pos="0">
+              <a:schemeClr val="phClr">
+                <a:tint val="40000"/>
+                <a:satMod val="350000"/>
+              </a:schemeClr>
+            </a:gs>
+            <a:gs pos="40000">
+              <a:schemeClr val="phClr">
+                <a:tint val="45000"/>
+                <a:shade val="99000"/>
+                <a:satMod val="350000"/>
+              </a:schemeClr>
+            </a:gs>
+            <a:gs pos="100000">
+              <a:schemeClr val="phClr">
+                <a:shade val="20000"/>
+                <a:satMod val="255000"/>
+              </a:schemeClr>
+            </a:gs>
+          </a:gsLst>
+          <a:path path="circle">
+            <a:fillToRect l="50000" t="-80000" r="50000" b="180000"/>
+          </a:path>
+        </a:gradFill>
+        <a:gradFill rotWithShape="1">
+          <a:gsLst>
+            <a:gs pos="0">
+              <a:schemeClr val="phClr">
+                <a:tint val="80000"/>
+                <a:satMod val="300000"/>
+              </a:schemeClr>
+            </a:gs>
+            <a:gs pos="100000">
+              <a:schemeClr val="phClr">
+                <a:shade val="30000"/>
+                <a:satMod val="200000"/>
+              </a:schemeClr>
+            </a:gs>
+          </a:gsLst>
+          <a:path path="circle">
+            <a:fillToRect l="50000" t="50000" r="50000" b="50000"/>
+          </a:path>
+        </a:gradFill>
+      </a:bgFillStyleLst>
+    </a:fmtScheme>
+  </a:themeElements>
+  <a:objectDefaults/>
+  <a:extraClrSchemeLst/>
+</a:theme>
 </file>